--- a/articles/langevin_equation/fig.pptx
+++ b/articles/langevin_equation/fig.pptx
@@ -5,10 +5,13 @@
     <p:sldMasterId id="2147483648" r:id="rId1"/>
   </p:sldMasterIdLst>
   <p:notesMasterIdLst>
-    <p:notesMasterId r:id="rId3"/>
+    <p:notesMasterId r:id="rId6"/>
   </p:notesMasterIdLst>
   <p:sldIdLst>
     <p:sldId id="256" r:id="rId2"/>
+    <p:sldId id="257" r:id="rId3"/>
+    <p:sldId id="258" r:id="rId4"/>
+    <p:sldId id="259" r:id="rId5"/>
   </p:sldIdLst>
   <p:sldSz cx="9144000" cy="6858000" type="screen4x3"/>
   <p:notesSz cx="6858000" cy="9144000"/>
@@ -212,7 +215,7 @@
             <a:fld id="{D2C63D3F-0352-EF45-A95C-C8137A1B6577}" type="datetimeFigureOut">
               <a:rPr lang="ja-JP" altLang="en-US" smtClean="0"/>
               <a:pPr/>
-              <a:t>2021/6/29</a:t>
+              <a:t>2021/6/30</a:t>
             </a:fld>
             <a:endParaRPr lang="ja-JP" altLang="en-US"/>
           </a:p>
@@ -1721,6 +1724,7368 @@
 </p:sld>
 </file>
 
+<file path=ppt/slides/slide2.xml><?xml version="1.0" encoding="utf-8"?>
+<p:sld xmlns:a="http://schemas.openxmlformats.org/drawingml/2006/main" xmlns:r="http://schemas.openxmlformats.org/officeDocument/2006/relationships" xmlns:p="http://schemas.openxmlformats.org/presentationml/2006/main">
+  <p:cSld>
+    <p:spTree>
+      <p:nvGrpSpPr>
+        <p:cNvPr id="1" name=""/>
+        <p:cNvGrpSpPr/>
+        <p:nvPr/>
+      </p:nvGrpSpPr>
+      <p:grpSpPr>
+        <a:xfrm>
+          <a:off x="0" y="0"/>
+          <a:ext cx="0" cy="0"/>
+          <a:chOff x="0" y="0"/>
+          <a:chExt cx="0" cy="0"/>
+        </a:xfrm>
+      </p:grpSpPr>
+      <p:grpSp>
+        <p:nvGrpSpPr>
+          <p:cNvPr id="46" name="グループ化 45">
+            <a:extLst>
+              <a:ext uri="{FF2B5EF4-FFF2-40B4-BE49-F238E27FC236}">
+                <a16:creationId xmlns:a16="http://schemas.microsoft.com/office/drawing/2014/main" id="{0ECADDC5-B7C6-504D-99BD-41E0E7161A45}"/>
+              </a:ext>
+            </a:extLst>
+          </p:cNvPr>
+          <p:cNvGrpSpPr/>
+          <p:nvPr/>
+        </p:nvGrpSpPr>
+        <p:grpSpPr>
+          <a:xfrm>
+            <a:off x="107504" y="768494"/>
+            <a:ext cx="8424936" cy="2660506"/>
+            <a:chOff x="107504" y="404664"/>
+            <a:chExt cx="9577064" cy="3024336"/>
+          </a:xfrm>
+        </p:grpSpPr>
+        <p:sp>
+          <p:nvSpPr>
+            <p:cNvPr id="22" name="正方形/長方形 21">
+              <a:extLst>
+                <a:ext uri="{FF2B5EF4-FFF2-40B4-BE49-F238E27FC236}">
+                  <a16:creationId xmlns:a16="http://schemas.microsoft.com/office/drawing/2014/main" id="{E0EBC1B8-C649-BC4C-9349-1D8B4A7AA4B0}"/>
+                </a:ext>
+              </a:extLst>
+            </p:cNvPr>
+            <p:cNvSpPr/>
+            <p:nvPr/>
+          </p:nvSpPr>
+          <p:spPr>
+            <a:xfrm>
+              <a:off x="1115616" y="1484784"/>
+              <a:ext cx="1224137" cy="1512168"/>
+            </a:xfrm>
+            <a:prstGeom prst="rect">
+              <a:avLst/>
+            </a:prstGeom>
+            <a:solidFill>
+              <a:schemeClr val="accent6">
+                <a:lumMod val="20000"/>
+                <a:lumOff val="80000"/>
+              </a:schemeClr>
+            </a:solidFill>
+            <a:ln>
+              <a:solidFill>
+                <a:schemeClr val="tx1"/>
+              </a:solidFill>
+            </a:ln>
+          </p:spPr>
+          <p:txBody>
+            <a:bodyPr wrap="square" rtlCol="0" anchor="ctr">
+              <a:spAutoFit/>
+            </a:bodyPr>
+            <a:lstStyle/>
+            <a:p>
+              <a:pPr algn="ctr"/>
+              <a:endParaRPr kumimoji="1" lang="ja-JP" altLang="en-US" sz="2400" dirty="0"/>
+            </a:p>
+          </p:txBody>
+        </p:sp>
+        <p:cxnSp>
+          <p:nvCxnSpPr>
+            <p:cNvPr id="3" name="直線矢印コネクタ 2">
+              <a:extLst>
+                <a:ext uri="{FF2B5EF4-FFF2-40B4-BE49-F238E27FC236}">
+                  <a16:creationId xmlns:a16="http://schemas.microsoft.com/office/drawing/2014/main" id="{2B8CD40A-09AA-0C44-80E7-B68B26AAFBAA}"/>
+                </a:ext>
+              </a:extLst>
+            </p:cNvPr>
+            <p:cNvCxnSpPr>
+              <a:cxnSpLocks/>
+            </p:cNvCxnSpPr>
+            <p:nvPr/>
+          </p:nvCxnSpPr>
+          <p:spPr>
+            <a:xfrm>
+              <a:off x="107504" y="2996952"/>
+              <a:ext cx="3096344" cy="0"/>
+            </a:xfrm>
+            <a:prstGeom prst="straightConnector1">
+              <a:avLst/>
+            </a:prstGeom>
+            <a:ln w="9525">
+              <a:solidFill>
+                <a:schemeClr val="tx1"/>
+              </a:solidFill>
+              <a:headEnd type="none"/>
+              <a:tailEnd type="triangle"/>
+            </a:ln>
+            <a:effectLst/>
+          </p:spPr>
+          <p:style>
+            <a:lnRef idx="2">
+              <a:schemeClr val="accent1"/>
+            </a:lnRef>
+            <a:fillRef idx="0">
+              <a:schemeClr val="accent1"/>
+            </a:fillRef>
+            <a:effectRef idx="1">
+              <a:schemeClr val="accent1"/>
+            </a:effectRef>
+            <a:fontRef idx="minor">
+              <a:schemeClr val="tx1"/>
+            </a:fontRef>
+          </p:style>
+        </p:cxnSp>
+        <p:cxnSp>
+          <p:nvCxnSpPr>
+            <p:cNvPr id="4" name="直線矢印コネクタ 3">
+              <a:extLst>
+                <a:ext uri="{FF2B5EF4-FFF2-40B4-BE49-F238E27FC236}">
+                  <a16:creationId xmlns:a16="http://schemas.microsoft.com/office/drawing/2014/main" id="{1695FF9D-6002-404A-B2D8-8CB710ACBACC}"/>
+                </a:ext>
+              </a:extLst>
+            </p:cNvPr>
+            <p:cNvCxnSpPr/>
+            <p:nvPr/>
+          </p:nvCxnSpPr>
+          <p:spPr>
+            <a:xfrm flipV="1">
+              <a:off x="395536" y="764704"/>
+              <a:ext cx="0" cy="2664296"/>
+            </a:xfrm>
+            <a:prstGeom prst="straightConnector1">
+              <a:avLst/>
+            </a:prstGeom>
+            <a:ln w="9525">
+              <a:solidFill>
+                <a:schemeClr val="tx1"/>
+              </a:solidFill>
+              <a:headEnd type="none"/>
+              <a:tailEnd type="triangle"/>
+            </a:ln>
+            <a:effectLst/>
+          </p:spPr>
+          <p:style>
+            <a:lnRef idx="2">
+              <a:schemeClr val="accent1"/>
+            </a:lnRef>
+            <a:fillRef idx="0">
+              <a:schemeClr val="accent1"/>
+            </a:fillRef>
+            <a:effectRef idx="1">
+              <a:schemeClr val="accent1"/>
+            </a:effectRef>
+            <a:fontRef idx="minor">
+              <a:schemeClr val="tx1"/>
+            </a:fontRef>
+          </p:style>
+        </p:cxnSp>
+        <p:sp>
+          <p:nvSpPr>
+            <p:cNvPr id="5" name="フリーフォーム 4">
+              <a:extLst>
+                <a:ext uri="{FF2B5EF4-FFF2-40B4-BE49-F238E27FC236}">
+                  <a16:creationId xmlns:a16="http://schemas.microsoft.com/office/drawing/2014/main" id="{0BE5FB3A-3C8E-8147-96CC-AA32AAB12D2A}"/>
+                </a:ext>
+              </a:extLst>
+            </p:cNvPr>
+            <p:cNvSpPr/>
+            <p:nvPr/>
+          </p:nvSpPr>
+          <p:spPr>
+            <a:xfrm>
+              <a:off x="395536" y="908720"/>
+              <a:ext cx="2592287" cy="1152128"/>
+            </a:xfrm>
+            <a:custGeom>
+              <a:avLst/>
+              <a:gdLst>
+                <a:gd name="connsiteX0" fmla="*/ 0 w 3478491"/>
+                <a:gd name="connsiteY0" fmla="*/ 1650647 h 1650647"/>
+                <a:gd name="connsiteX1" fmla="*/ 2224726 w 3478491"/>
+                <a:gd name="connsiteY1" fmla="*/ 48091 h 1650647"/>
+                <a:gd name="connsiteX2" fmla="*/ 3478491 w 3478491"/>
+                <a:gd name="connsiteY2" fmla="*/ 575992 h 1650647"/>
+              </a:gdLst>
+              <a:ahLst/>
+              <a:cxnLst>
+                <a:cxn ang="0">
+                  <a:pos x="connsiteX0" y="connsiteY0"/>
+                </a:cxn>
+                <a:cxn ang="0">
+                  <a:pos x="connsiteX1" y="connsiteY1"/>
+                </a:cxn>
+                <a:cxn ang="0">
+                  <a:pos x="connsiteX2" y="connsiteY2"/>
+                </a:cxn>
+              </a:cxnLst>
+              <a:rect l="l" t="t" r="r" b="b"/>
+              <a:pathLst>
+                <a:path w="3478491" h="1650647">
+                  <a:moveTo>
+                    <a:pt x="0" y="1650647"/>
+                  </a:moveTo>
+                  <a:cubicBezTo>
+                    <a:pt x="822489" y="938923"/>
+                    <a:pt x="1644978" y="227200"/>
+                    <a:pt x="2224726" y="48091"/>
+                  </a:cubicBezTo>
+                  <a:cubicBezTo>
+                    <a:pt x="2804474" y="-131018"/>
+                    <a:pt x="3141482" y="222487"/>
+                    <a:pt x="3478491" y="575992"/>
+                  </a:cubicBezTo>
+                </a:path>
+              </a:pathLst>
+            </a:custGeom>
+            <a:noFill/>
+            <a:ln>
+              <a:solidFill>
+                <a:schemeClr val="tx1"/>
+              </a:solidFill>
+            </a:ln>
+          </p:spPr>
+          <p:txBody>
+            <a:bodyPr rtlCol="0" anchor="ctr"/>
+            <a:lstStyle/>
+            <a:p>
+              <a:pPr algn="ctr"/>
+              <a:endParaRPr kumimoji="1" lang="ja-JP" altLang="en-US"/>
+            </a:p>
+          </p:txBody>
+        </p:sp>
+        <mc:AlternateContent xmlns:mc="http://schemas.openxmlformats.org/markup-compatibility/2006" xmlns:a14="http://schemas.microsoft.com/office/drawing/2010/main">
+          <mc:Choice Requires="a14">
+            <p:sp>
+              <p:nvSpPr>
+                <p:cNvPr id="11" name="テキスト ボックス 10">
+                  <a:extLst>
+                    <a:ext uri="{FF2B5EF4-FFF2-40B4-BE49-F238E27FC236}">
+                      <a16:creationId xmlns:a16="http://schemas.microsoft.com/office/drawing/2014/main" id="{F4DEFB8A-A0E7-2F47-AD32-9E38F358C5D9}"/>
+                    </a:ext>
+                  </a:extLst>
+                </p:cNvPr>
+                <p:cNvSpPr txBox="1"/>
+                <p:nvPr/>
+              </p:nvSpPr>
+              <p:spPr>
+                <a:xfrm>
+                  <a:off x="971600" y="2996952"/>
+                  <a:ext cx="365392" cy="349866"/>
+                </a:xfrm>
+                <a:prstGeom prst="rect">
+                  <a:avLst/>
+                </a:prstGeom>
+                <a:noFill/>
+              </p:spPr>
+              <p:txBody>
+                <a:bodyPr wrap="none" lIns="0" tIns="0" rIns="0" bIns="0" rtlCol="0">
+                  <a:spAutoFit/>
+                </a:bodyPr>
+                <a:lstStyle/>
+                <a:p>
+                  <a:pPr/>
+                  <a14:m>
+                    <m:oMathPara xmlns:m="http://schemas.openxmlformats.org/officeDocument/2006/math">
+                      <m:oMathParaPr>
+                        <m:jc m:val="centerGroup"/>
+                      </m:oMathParaPr>
+                      <m:oMath xmlns:m="http://schemas.openxmlformats.org/officeDocument/2006/math">
+                        <m:sSub>
+                          <m:sSubPr>
+                            <m:ctrlPr>
+                              <a:rPr kumimoji="1" lang="en-US" altLang="ja-JP" sz="2000" i="1" dirty="0" smtClean="0">
+                                <a:latin typeface="Cambria Math" panose="02040503050406030204" pitchFamily="18" charset="0"/>
+                              </a:rPr>
+                            </m:ctrlPr>
+                          </m:sSubPr>
+                          <m:e>
+                            <m:r>
+                              <a:rPr kumimoji="1" lang="en-US" altLang="ja-JP" sz="2000" b="0" i="1" dirty="0" smtClean="0">
+                                <a:latin typeface="Cambria Math" panose="02040503050406030204" pitchFamily="18" charset="0"/>
+                              </a:rPr>
+                              <m:t>𝑥</m:t>
+                            </m:r>
+                          </m:e>
+                          <m:sub>
+                            <m:r>
+                              <a:rPr kumimoji="1" lang="en-US" altLang="ja-JP" sz="2000" b="0" i="1" dirty="0" smtClean="0">
+                                <a:latin typeface="Cambria Math" panose="02040503050406030204" pitchFamily="18" charset="0"/>
+                              </a:rPr>
+                              <m:t>𝑘</m:t>
+                            </m:r>
+                          </m:sub>
+                        </m:sSub>
+                      </m:oMath>
+                    </m:oMathPara>
+                  </a14:m>
+                  <a:endParaRPr kumimoji="1" lang="ja-JP" altLang="en-US" sz="2000" dirty="0"/>
+                </a:p>
+              </p:txBody>
+            </p:sp>
+          </mc:Choice>
+          <mc:Fallback xmlns="">
+            <p:sp>
+              <p:nvSpPr>
+                <p:cNvPr id="11" name="テキスト ボックス 10">
+                  <a:extLst>
+                    <a:ext uri="{FF2B5EF4-FFF2-40B4-BE49-F238E27FC236}">
+                      <a16:creationId xmlns:a16="http://schemas.microsoft.com/office/drawing/2014/main" id="{F4DEFB8A-A0E7-2F47-AD32-9E38F358C5D9}"/>
+                    </a:ext>
+                  </a:extLst>
+                </p:cNvPr>
+                <p:cNvSpPr txBox="1">
+                  <a:spLocks noRot="1" noChangeAspect="1" noMove="1" noResize="1" noEditPoints="1" noAdjustHandles="1" noChangeArrowheads="1" noChangeShapeType="1" noTextEdit="1"/>
+                </p:cNvSpPr>
+                <p:nvPr/>
+              </p:nvSpPr>
+              <p:spPr>
+                <a:xfrm>
+                  <a:off x="971600" y="2996952"/>
+                  <a:ext cx="365392" cy="349866"/>
+                </a:xfrm>
+                <a:prstGeom prst="rect">
+                  <a:avLst/>
+                </a:prstGeom>
+                <a:blipFill>
+                  <a:blip r:embed="rId2"/>
+                  <a:stretch>
+                    <a:fillRect l="-7407" r="-3704" b="-16667"/>
+                  </a:stretch>
+                </a:blipFill>
+              </p:spPr>
+              <p:txBody>
+                <a:bodyPr/>
+                <a:lstStyle/>
+                <a:p>
+                  <a:r>
+                    <a:rPr lang="ja-JP" altLang="en-US">
+                      <a:noFill/>
+                    </a:rPr>
+                    <a:t> </a:t>
+                  </a:r>
+                </a:p>
+              </p:txBody>
+            </p:sp>
+          </mc:Fallback>
+        </mc:AlternateContent>
+        <mc:AlternateContent xmlns:mc="http://schemas.openxmlformats.org/markup-compatibility/2006" xmlns:a14="http://schemas.microsoft.com/office/drawing/2010/main">
+          <mc:Choice Requires="a14">
+            <p:sp>
+              <p:nvSpPr>
+                <p:cNvPr id="12" name="テキスト ボックス 11">
+                  <a:extLst>
+                    <a:ext uri="{FF2B5EF4-FFF2-40B4-BE49-F238E27FC236}">
+                      <a16:creationId xmlns:a16="http://schemas.microsoft.com/office/drawing/2014/main" id="{D8B47D85-E090-5B48-A96D-5DBE3A9AF3C0}"/>
+                    </a:ext>
+                  </a:extLst>
+                </p:cNvPr>
+                <p:cNvSpPr txBox="1"/>
+                <p:nvPr/>
+              </p:nvSpPr>
+              <p:spPr>
+                <a:xfrm>
+                  <a:off x="2051720" y="2996952"/>
+                  <a:ext cx="644191" cy="349866"/>
+                </a:xfrm>
+                <a:prstGeom prst="rect">
+                  <a:avLst/>
+                </a:prstGeom>
+                <a:noFill/>
+              </p:spPr>
+              <p:txBody>
+                <a:bodyPr wrap="none" lIns="0" tIns="0" rIns="0" bIns="0" rtlCol="0">
+                  <a:spAutoFit/>
+                </a:bodyPr>
+                <a:lstStyle/>
+                <a:p>
+                  <a:pPr/>
+                  <a14:m>
+                    <m:oMathPara xmlns:m="http://schemas.openxmlformats.org/officeDocument/2006/math">
+                      <m:oMathParaPr>
+                        <m:jc m:val="centerGroup"/>
+                      </m:oMathParaPr>
+                      <m:oMath xmlns:m="http://schemas.openxmlformats.org/officeDocument/2006/math">
+                        <m:sSub>
+                          <m:sSubPr>
+                            <m:ctrlPr>
+                              <a:rPr kumimoji="1" lang="en-US" altLang="ja-JP" sz="2000" i="1" dirty="0" smtClean="0">
+                                <a:latin typeface="Cambria Math" panose="02040503050406030204" pitchFamily="18" charset="0"/>
+                              </a:rPr>
+                            </m:ctrlPr>
+                          </m:sSubPr>
+                          <m:e>
+                            <m:r>
+                              <a:rPr kumimoji="1" lang="en-US" altLang="ja-JP" sz="2000" b="0" i="1" dirty="0" smtClean="0">
+                                <a:latin typeface="Cambria Math" panose="02040503050406030204" pitchFamily="18" charset="0"/>
+                              </a:rPr>
+                              <m:t>𝑥</m:t>
+                            </m:r>
+                          </m:e>
+                          <m:sub>
+                            <m:r>
+                              <a:rPr kumimoji="1" lang="en-US" altLang="ja-JP" sz="2000" b="0" i="1" dirty="0" smtClean="0">
+                                <a:latin typeface="Cambria Math" panose="02040503050406030204" pitchFamily="18" charset="0"/>
+                              </a:rPr>
+                              <m:t>𝑘</m:t>
+                            </m:r>
+                            <m:r>
+                              <a:rPr kumimoji="1" lang="en-US" altLang="ja-JP" sz="2000" b="0" i="1" dirty="0" smtClean="0">
+                                <a:latin typeface="Cambria Math" panose="02040503050406030204" pitchFamily="18" charset="0"/>
+                              </a:rPr>
+                              <m:t>+1</m:t>
+                            </m:r>
+                          </m:sub>
+                        </m:sSub>
+                      </m:oMath>
+                    </m:oMathPara>
+                  </a14:m>
+                  <a:endParaRPr kumimoji="1" lang="ja-JP" altLang="en-US" sz="2000" dirty="0"/>
+                </a:p>
+              </p:txBody>
+            </p:sp>
+          </mc:Choice>
+          <mc:Fallback xmlns="">
+            <p:sp>
+              <p:nvSpPr>
+                <p:cNvPr id="12" name="テキスト ボックス 11">
+                  <a:extLst>
+                    <a:ext uri="{FF2B5EF4-FFF2-40B4-BE49-F238E27FC236}">
+                      <a16:creationId xmlns:a16="http://schemas.microsoft.com/office/drawing/2014/main" id="{D8B47D85-E090-5B48-A96D-5DBE3A9AF3C0}"/>
+                    </a:ext>
+                  </a:extLst>
+                </p:cNvPr>
+                <p:cNvSpPr txBox="1">
+                  <a:spLocks noRot="1" noChangeAspect="1" noMove="1" noResize="1" noEditPoints="1" noAdjustHandles="1" noChangeArrowheads="1" noChangeShapeType="1" noTextEdit="1"/>
+                </p:cNvSpPr>
+                <p:nvPr/>
+              </p:nvSpPr>
+              <p:spPr>
+                <a:xfrm>
+                  <a:off x="2051720" y="2996952"/>
+                  <a:ext cx="644191" cy="349866"/>
+                </a:xfrm>
+                <a:prstGeom prst="rect">
+                  <a:avLst/>
+                </a:prstGeom>
+                <a:blipFill>
+                  <a:blip r:embed="rId3"/>
+                  <a:stretch>
+                    <a:fillRect l="-4348" r="-2174" b="-16667"/>
+                  </a:stretch>
+                </a:blipFill>
+              </p:spPr>
+              <p:txBody>
+                <a:bodyPr/>
+                <a:lstStyle/>
+                <a:p>
+                  <a:r>
+                    <a:rPr lang="ja-JP" altLang="en-US">
+                      <a:noFill/>
+                    </a:rPr>
+                    <a:t> </a:t>
+                  </a:r>
+                </a:p>
+              </p:txBody>
+            </p:sp>
+          </mc:Fallback>
+        </mc:AlternateContent>
+        <p:cxnSp>
+          <p:nvCxnSpPr>
+            <p:cNvPr id="14" name="直線コネクタ 13">
+              <a:extLst>
+                <a:ext uri="{FF2B5EF4-FFF2-40B4-BE49-F238E27FC236}">
+                  <a16:creationId xmlns:a16="http://schemas.microsoft.com/office/drawing/2014/main" id="{649B76B4-029B-7C41-ABE8-2F935B21DD0A}"/>
+                </a:ext>
+              </a:extLst>
+            </p:cNvPr>
+            <p:cNvCxnSpPr>
+              <a:cxnSpLocks/>
+            </p:cNvCxnSpPr>
+            <p:nvPr/>
+          </p:nvCxnSpPr>
+          <p:spPr>
+            <a:xfrm flipV="1">
+              <a:off x="1115616" y="2924944"/>
+              <a:ext cx="0" cy="144017"/>
+            </a:xfrm>
+            <a:prstGeom prst="line">
+              <a:avLst/>
+            </a:prstGeom>
+            <a:ln w="9525">
+              <a:solidFill>
+                <a:schemeClr val="tx1"/>
+              </a:solidFill>
+              <a:headEnd type="none"/>
+              <a:tailEnd type="none"/>
+            </a:ln>
+            <a:effectLst/>
+          </p:spPr>
+          <p:style>
+            <a:lnRef idx="2">
+              <a:schemeClr val="accent1"/>
+            </a:lnRef>
+            <a:fillRef idx="0">
+              <a:schemeClr val="accent1"/>
+            </a:fillRef>
+            <a:effectRef idx="1">
+              <a:schemeClr val="accent1"/>
+            </a:effectRef>
+            <a:fontRef idx="minor">
+              <a:schemeClr val="tx1"/>
+            </a:fontRef>
+          </p:style>
+        </p:cxnSp>
+        <p:cxnSp>
+          <p:nvCxnSpPr>
+            <p:cNvPr id="19" name="直線コネクタ 18">
+              <a:extLst>
+                <a:ext uri="{FF2B5EF4-FFF2-40B4-BE49-F238E27FC236}">
+                  <a16:creationId xmlns:a16="http://schemas.microsoft.com/office/drawing/2014/main" id="{4EA4B50D-0641-4849-B570-75A4F48B03BA}"/>
+                </a:ext>
+              </a:extLst>
+            </p:cNvPr>
+            <p:cNvCxnSpPr>
+              <a:cxnSpLocks/>
+            </p:cNvCxnSpPr>
+            <p:nvPr/>
+          </p:nvCxnSpPr>
+          <p:spPr>
+            <a:xfrm flipV="1">
+              <a:off x="2339752" y="2924944"/>
+              <a:ext cx="0" cy="144017"/>
+            </a:xfrm>
+            <a:prstGeom prst="line">
+              <a:avLst/>
+            </a:prstGeom>
+            <a:ln w="9525">
+              <a:solidFill>
+                <a:schemeClr val="tx1"/>
+              </a:solidFill>
+              <a:headEnd type="none"/>
+              <a:tailEnd type="none"/>
+            </a:ln>
+            <a:effectLst/>
+          </p:spPr>
+          <p:style>
+            <a:lnRef idx="2">
+              <a:schemeClr val="accent1"/>
+            </a:lnRef>
+            <a:fillRef idx="0">
+              <a:schemeClr val="accent1"/>
+            </a:fillRef>
+            <a:effectRef idx="1">
+              <a:schemeClr val="accent1"/>
+            </a:effectRef>
+            <a:fontRef idx="minor">
+              <a:schemeClr val="tx1"/>
+            </a:fontRef>
+          </p:style>
+        </p:cxnSp>
+        <p:sp>
+          <p:nvSpPr>
+            <p:cNvPr id="20" name="円/楕円 19">
+              <a:extLst>
+                <a:ext uri="{FF2B5EF4-FFF2-40B4-BE49-F238E27FC236}">
+                  <a16:creationId xmlns:a16="http://schemas.microsoft.com/office/drawing/2014/main" id="{15EFEE6A-AE51-D44B-AC37-ADCA0197DF1D}"/>
+                </a:ext>
+              </a:extLst>
+            </p:cNvPr>
+            <p:cNvSpPr/>
+            <p:nvPr/>
+          </p:nvSpPr>
+          <p:spPr>
+            <a:xfrm>
+              <a:off x="1043608" y="1412776"/>
+              <a:ext cx="144016" cy="144016"/>
+            </a:xfrm>
+            <a:prstGeom prst="ellipse">
+              <a:avLst/>
+            </a:prstGeom>
+            <a:solidFill>
+              <a:srgbClr val="FF0000"/>
+            </a:solidFill>
+            <a:ln>
+              <a:solidFill>
+                <a:schemeClr val="tx1"/>
+              </a:solidFill>
+            </a:ln>
+          </p:spPr>
+          <p:txBody>
+            <a:bodyPr wrap="square" rtlCol="0" anchor="ctr">
+              <a:spAutoFit/>
+            </a:bodyPr>
+            <a:lstStyle/>
+            <a:p>
+              <a:pPr algn="ctr"/>
+              <a:endParaRPr kumimoji="1" lang="ja-JP" altLang="en-US" sz="2400" dirty="0"/>
+            </a:p>
+          </p:txBody>
+        </p:sp>
+        <mc:AlternateContent xmlns:mc="http://schemas.openxmlformats.org/markup-compatibility/2006" xmlns:a14="http://schemas.microsoft.com/office/drawing/2010/main">
+          <mc:Choice Requires="a14">
+            <p:sp>
+              <p:nvSpPr>
+                <p:cNvPr id="21" name="テキスト ボックス 20">
+                  <a:extLst>
+                    <a:ext uri="{FF2B5EF4-FFF2-40B4-BE49-F238E27FC236}">
+                      <a16:creationId xmlns:a16="http://schemas.microsoft.com/office/drawing/2014/main" id="{CE105D3D-4A75-A544-8864-F0DB4AFEE322}"/>
+                    </a:ext>
+                  </a:extLst>
+                </p:cNvPr>
+                <p:cNvSpPr txBox="1"/>
+                <p:nvPr/>
+              </p:nvSpPr>
+              <p:spPr>
+                <a:xfrm>
+                  <a:off x="539552" y="1052736"/>
+                  <a:ext cx="545919" cy="246221"/>
+                </a:xfrm>
+                <a:prstGeom prst="rect">
+                  <a:avLst/>
+                </a:prstGeom>
+                <a:noFill/>
+              </p:spPr>
+              <p:txBody>
+                <a:bodyPr wrap="none" lIns="0" tIns="0" rIns="0" bIns="0" rtlCol="0">
+                  <a:spAutoFit/>
+                </a:bodyPr>
+                <a:lstStyle/>
+                <a:p>
+                  <a:pPr/>
+                  <a14:m>
+                    <m:oMathPara xmlns:m="http://schemas.openxmlformats.org/officeDocument/2006/math">
+                      <m:oMathParaPr>
+                        <m:jc m:val="centerGroup"/>
+                      </m:oMathParaPr>
+                      <m:oMath xmlns:m="http://schemas.openxmlformats.org/officeDocument/2006/math">
+                        <m:sSub>
+                          <m:sSubPr>
+                            <m:ctrlPr>
+                              <a:rPr kumimoji="1" lang="en-US" altLang="ja-JP" sz="1400" i="1" dirty="0" smtClean="0">
+                                <a:latin typeface="Cambria Math" panose="02040503050406030204" pitchFamily="18" charset="0"/>
+                              </a:rPr>
+                            </m:ctrlPr>
+                          </m:sSubPr>
+                          <m:e>
+                            <m:r>
+                              <a:rPr kumimoji="1" lang="en-US" altLang="ja-JP" sz="1400" b="0" i="1" dirty="0" smtClean="0">
+                                <a:latin typeface="Cambria Math" panose="02040503050406030204" pitchFamily="18" charset="0"/>
+                              </a:rPr>
+                              <m:t>𝑓</m:t>
+                            </m:r>
+                            <m:r>
+                              <a:rPr kumimoji="1" lang="en-US" altLang="ja-JP" sz="1400" b="0" i="1" dirty="0" smtClean="0">
+                                <a:latin typeface="Cambria Math" panose="02040503050406030204" pitchFamily="18" charset="0"/>
+                              </a:rPr>
+                              <m:t>(</m:t>
+                            </m:r>
+                            <m:r>
+                              <a:rPr kumimoji="1" lang="en-US" altLang="ja-JP" sz="1400" b="0" i="1" dirty="0" smtClean="0">
+                                <a:latin typeface="Cambria Math" panose="02040503050406030204" pitchFamily="18" charset="0"/>
+                              </a:rPr>
+                              <m:t>𝑥</m:t>
+                            </m:r>
+                          </m:e>
+                          <m:sub>
+                            <m:r>
+                              <a:rPr kumimoji="1" lang="en-US" altLang="ja-JP" sz="1400" b="0" i="1" dirty="0" smtClean="0">
+                                <a:latin typeface="Cambria Math" panose="02040503050406030204" pitchFamily="18" charset="0"/>
+                              </a:rPr>
+                              <m:t>𝑘</m:t>
+                            </m:r>
+                          </m:sub>
+                        </m:sSub>
+                        <m:r>
+                          <a:rPr kumimoji="1" lang="en-US" altLang="ja-JP" sz="1400" b="0" i="1" dirty="0" smtClean="0">
+                            <a:latin typeface="Cambria Math" panose="02040503050406030204" pitchFamily="18" charset="0"/>
+                          </a:rPr>
+                          <m:t>)</m:t>
+                        </m:r>
+                      </m:oMath>
+                    </m:oMathPara>
+                  </a14:m>
+                  <a:endParaRPr kumimoji="1" lang="ja-JP" altLang="en-US" sz="1400" dirty="0"/>
+                </a:p>
+              </p:txBody>
+            </p:sp>
+          </mc:Choice>
+          <mc:Fallback xmlns="">
+            <p:sp>
+              <p:nvSpPr>
+                <p:cNvPr id="21" name="テキスト ボックス 20">
+                  <a:extLst>
+                    <a:ext uri="{FF2B5EF4-FFF2-40B4-BE49-F238E27FC236}">
+                      <a16:creationId xmlns:a16="http://schemas.microsoft.com/office/drawing/2014/main" id="{CE105D3D-4A75-A544-8864-F0DB4AFEE322}"/>
+                    </a:ext>
+                  </a:extLst>
+                </p:cNvPr>
+                <p:cNvSpPr txBox="1">
+                  <a:spLocks noRot="1" noChangeAspect="1" noMove="1" noResize="1" noEditPoints="1" noAdjustHandles="1" noChangeArrowheads="1" noChangeShapeType="1" noTextEdit="1"/>
+                </p:cNvSpPr>
+                <p:nvPr/>
+              </p:nvSpPr>
+              <p:spPr>
+                <a:xfrm>
+                  <a:off x="539552" y="1052736"/>
+                  <a:ext cx="545919" cy="246221"/>
+                </a:xfrm>
+                <a:prstGeom prst="rect">
+                  <a:avLst/>
+                </a:prstGeom>
+                <a:blipFill>
+                  <a:blip r:embed="rId4"/>
+                  <a:stretch>
+                    <a:fillRect l="-10256" r="-12821" b="-33333"/>
+                  </a:stretch>
+                </a:blipFill>
+              </p:spPr>
+              <p:txBody>
+                <a:bodyPr/>
+                <a:lstStyle/>
+                <a:p>
+                  <a:r>
+                    <a:rPr lang="ja-JP" altLang="en-US">
+                      <a:noFill/>
+                    </a:rPr>
+                    <a:t> </a:t>
+                  </a:r>
+                </a:p>
+              </p:txBody>
+            </p:sp>
+          </mc:Fallback>
+        </mc:AlternateContent>
+        <p:sp>
+          <p:nvSpPr>
+            <p:cNvPr id="24" name="正方形/長方形 23">
+              <a:extLst>
+                <a:ext uri="{FF2B5EF4-FFF2-40B4-BE49-F238E27FC236}">
+                  <a16:creationId xmlns:a16="http://schemas.microsoft.com/office/drawing/2014/main" id="{33132687-0F82-7249-B870-E7F2BF4B70F5}"/>
+                </a:ext>
+              </a:extLst>
+            </p:cNvPr>
+            <p:cNvSpPr/>
+            <p:nvPr/>
+          </p:nvSpPr>
+          <p:spPr>
+            <a:xfrm>
+              <a:off x="4355976" y="908720"/>
+              <a:ext cx="1224137" cy="2088232"/>
+            </a:xfrm>
+            <a:prstGeom prst="rect">
+              <a:avLst/>
+            </a:prstGeom>
+            <a:solidFill>
+              <a:schemeClr val="accent6">
+                <a:lumMod val="20000"/>
+                <a:lumOff val="80000"/>
+              </a:schemeClr>
+            </a:solidFill>
+            <a:ln>
+              <a:solidFill>
+                <a:schemeClr val="tx1"/>
+              </a:solidFill>
+            </a:ln>
+          </p:spPr>
+          <p:txBody>
+            <a:bodyPr wrap="square" rtlCol="0" anchor="ctr">
+              <a:spAutoFit/>
+            </a:bodyPr>
+            <a:lstStyle/>
+            <a:p>
+              <a:pPr algn="ctr"/>
+              <a:endParaRPr kumimoji="1" lang="ja-JP" altLang="en-US" sz="2400" dirty="0"/>
+            </a:p>
+          </p:txBody>
+        </p:sp>
+        <p:cxnSp>
+          <p:nvCxnSpPr>
+            <p:cNvPr id="25" name="直線矢印コネクタ 24">
+              <a:extLst>
+                <a:ext uri="{FF2B5EF4-FFF2-40B4-BE49-F238E27FC236}">
+                  <a16:creationId xmlns:a16="http://schemas.microsoft.com/office/drawing/2014/main" id="{51A4DE16-94BE-164D-96AB-A14819967ACE}"/>
+                </a:ext>
+              </a:extLst>
+            </p:cNvPr>
+            <p:cNvCxnSpPr>
+              <a:cxnSpLocks/>
+            </p:cNvCxnSpPr>
+            <p:nvPr/>
+          </p:nvCxnSpPr>
+          <p:spPr>
+            <a:xfrm>
+              <a:off x="3347864" y="2996952"/>
+              <a:ext cx="3096344" cy="0"/>
+            </a:xfrm>
+            <a:prstGeom prst="straightConnector1">
+              <a:avLst/>
+            </a:prstGeom>
+            <a:ln w="9525">
+              <a:solidFill>
+                <a:schemeClr val="tx1"/>
+              </a:solidFill>
+              <a:headEnd type="none"/>
+              <a:tailEnd type="triangle"/>
+            </a:ln>
+            <a:effectLst/>
+          </p:spPr>
+          <p:style>
+            <a:lnRef idx="2">
+              <a:schemeClr val="accent1"/>
+            </a:lnRef>
+            <a:fillRef idx="0">
+              <a:schemeClr val="accent1"/>
+            </a:fillRef>
+            <a:effectRef idx="1">
+              <a:schemeClr val="accent1"/>
+            </a:effectRef>
+            <a:fontRef idx="minor">
+              <a:schemeClr val="tx1"/>
+            </a:fontRef>
+          </p:style>
+        </p:cxnSp>
+        <p:cxnSp>
+          <p:nvCxnSpPr>
+            <p:cNvPr id="26" name="直線矢印コネクタ 25">
+              <a:extLst>
+                <a:ext uri="{FF2B5EF4-FFF2-40B4-BE49-F238E27FC236}">
+                  <a16:creationId xmlns:a16="http://schemas.microsoft.com/office/drawing/2014/main" id="{2AA36A84-18AD-3641-AFDF-6FEAF55459D8}"/>
+                </a:ext>
+              </a:extLst>
+            </p:cNvPr>
+            <p:cNvCxnSpPr/>
+            <p:nvPr/>
+          </p:nvCxnSpPr>
+          <p:spPr>
+            <a:xfrm flipV="1">
+              <a:off x="3635896" y="764704"/>
+              <a:ext cx="0" cy="2664296"/>
+            </a:xfrm>
+            <a:prstGeom prst="straightConnector1">
+              <a:avLst/>
+            </a:prstGeom>
+            <a:ln w="9525">
+              <a:solidFill>
+                <a:schemeClr val="tx1"/>
+              </a:solidFill>
+              <a:headEnd type="none"/>
+              <a:tailEnd type="triangle"/>
+            </a:ln>
+            <a:effectLst/>
+          </p:spPr>
+          <p:style>
+            <a:lnRef idx="2">
+              <a:schemeClr val="accent1"/>
+            </a:lnRef>
+            <a:fillRef idx="0">
+              <a:schemeClr val="accent1"/>
+            </a:fillRef>
+            <a:effectRef idx="1">
+              <a:schemeClr val="accent1"/>
+            </a:effectRef>
+            <a:fontRef idx="minor">
+              <a:schemeClr val="tx1"/>
+            </a:fontRef>
+          </p:style>
+        </p:cxnSp>
+        <p:sp>
+          <p:nvSpPr>
+            <p:cNvPr id="27" name="フリーフォーム 26">
+              <a:extLst>
+                <a:ext uri="{FF2B5EF4-FFF2-40B4-BE49-F238E27FC236}">
+                  <a16:creationId xmlns:a16="http://schemas.microsoft.com/office/drawing/2014/main" id="{E8BF2E6A-7586-1749-9A48-6A7B9D439B15}"/>
+                </a:ext>
+              </a:extLst>
+            </p:cNvPr>
+            <p:cNvSpPr/>
+            <p:nvPr/>
+          </p:nvSpPr>
+          <p:spPr>
+            <a:xfrm>
+              <a:off x="3635896" y="908720"/>
+              <a:ext cx="2592287" cy="1152128"/>
+            </a:xfrm>
+            <a:custGeom>
+              <a:avLst/>
+              <a:gdLst>
+                <a:gd name="connsiteX0" fmla="*/ 0 w 3478491"/>
+                <a:gd name="connsiteY0" fmla="*/ 1650647 h 1650647"/>
+                <a:gd name="connsiteX1" fmla="*/ 2224726 w 3478491"/>
+                <a:gd name="connsiteY1" fmla="*/ 48091 h 1650647"/>
+                <a:gd name="connsiteX2" fmla="*/ 3478491 w 3478491"/>
+                <a:gd name="connsiteY2" fmla="*/ 575992 h 1650647"/>
+              </a:gdLst>
+              <a:ahLst/>
+              <a:cxnLst>
+                <a:cxn ang="0">
+                  <a:pos x="connsiteX0" y="connsiteY0"/>
+                </a:cxn>
+                <a:cxn ang="0">
+                  <a:pos x="connsiteX1" y="connsiteY1"/>
+                </a:cxn>
+                <a:cxn ang="0">
+                  <a:pos x="connsiteX2" y="connsiteY2"/>
+                </a:cxn>
+              </a:cxnLst>
+              <a:rect l="l" t="t" r="r" b="b"/>
+              <a:pathLst>
+                <a:path w="3478491" h="1650647">
+                  <a:moveTo>
+                    <a:pt x="0" y="1650647"/>
+                  </a:moveTo>
+                  <a:cubicBezTo>
+                    <a:pt x="822489" y="938923"/>
+                    <a:pt x="1644978" y="227200"/>
+                    <a:pt x="2224726" y="48091"/>
+                  </a:cubicBezTo>
+                  <a:cubicBezTo>
+                    <a:pt x="2804474" y="-131018"/>
+                    <a:pt x="3141482" y="222487"/>
+                    <a:pt x="3478491" y="575992"/>
+                  </a:cubicBezTo>
+                </a:path>
+              </a:pathLst>
+            </a:custGeom>
+            <a:noFill/>
+            <a:ln>
+              <a:solidFill>
+                <a:schemeClr val="tx1"/>
+              </a:solidFill>
+            </a:ln>
+          </p:spPr>
+          <p:txBody>
+            <a:bodyPr rtlCol="0" anchor="ctr"/>
+            <a:lstStyle/>
+            <a:p>
+              <a:pPr algn="ctr"/>
+              <a:endParaRPr kumimoji="1" lang="ja-JP" altLang="en-US"/>
+            </a:p>
+          </p:txBody>
+        </p:sp>
+        <mc:AlternateContent xmlns:mc="http://schemas.openxmlformats.org/markup-compatibility/2006" xmlns:a14="http://schemas.microsoft.com/office/drawing/2010/main">
+          <mc:Choice Requires="a14">
+            <p:sp>
+              <p:nvSpPr>
+                <p:cNvPr id="28" name="テキスト ボックス 27">
+                  <a:extLst>
+                    <a:ext uri="{FF2B5EF4-FFF2-40B4-BE49-F238E27FC236}">
+                      <a16:creationId xmlns:a16="http://schemas.microsoft.com/office/drawing/2014/main" id="{B3BBA865-0597-8340-8274-EB233435AD28}"/>
+                    </a:ext>
+                  </a:extLst>
+                </p:cNvPr>
+                <p:cNvSpPr txBox="1"/>
+                <p:nvPr/>
+              </p:nvSpPr>
+              <p:spPr>
+                <a:xfrm>
+                  <a:off x="4211960" y="2996952"/>
+                  <a:ext cx="365392" cy="349866"/>
+                </a:xfrm>
+                <a:prstGeom prst="rect">
+                  <a:avLst/>
+                </a:prstGeom>
+                <a:noFill/>
+              </p:spPr>
+              <p:txBody>
+                <a:bodyPr wrap="none" lIns="0" tIns="0" rIns="0" bIns="0" rtlCol="0">
+                  <a:spAutoFit/>
+                </a:bodyPr>
+                <a:lstStyle/>
+                <a:p>
+                  <a:pPr/>
+                  <a14:m>
+                    <m:oMathPara xmlns:m="http://schemas.openxmlformats.org/officeDocument/2006/math">
+                      <m:oMathParaPr>
+                        <m:jc m:val="centerGroup"/>
+                      </m:oMathParaPr>
+                      <m:oMath xmlns:m="http://schemas.openxmlformats.org/officeDocument/2006/math">
+                        <m:sSub>
+                          <m:sSubPr>
+                            <m:ctrlPr>
+                              <a:rPr kumimoji="1" lang="en-US" altLang="ja-JP" sz="2000" i="1" dirty="0" smtClean="0">
+                                <a:latin typeface="Cambria Math" panose="02040503050406030204" pitchFamily="18" charset="0"/>
+                              </a:rPr>
+                            </m:ctrlPr>
+                          </m:sSubPr>
+                          <m:e>
+                            <m:r>
+                              <a:rPr kumimoji="1" lang="en-US" altLang="ja-JP" sz="2000" b="0" i="1" dirty="0" smtClean="0">
+                                <a:latin typeface="Cambria Math" panose="02040503050406030204" pitchFamily="18" charset="0"/>
+                              </a:rPr>
+                              <m:t>𝑥</m:t>
+                            </m:r>
+                          </m:e>
+                          <m:sub>
+                            <m:r>
+                              <a:rPr kumimoji="1" lang="en-US" altLang="ja-JP" sz="2000" b="0" i="1" dirty="0" smtClean="0">
+                                <a:latin typeface="Cambria Math" panose="02040503050406030204" pitchFamily="18" charset="0"/>
+                              </a:rPr>
+                              <m:t>𝑘</m:t>
+                            </m:r>
+                          </m:sub>
+                        </m:sSub>
+                      </m:oMath>
+                    </m:oMathPara>
+                  </a14:m>
+                  <a:endParaRPr kumimoji="1" lang="ja-JP" altLang="en-US" sz="2000" dirty="0"/>
+                </a:p>
+              </p:txBody>
+            </p:sp>
+          </mc:Choice>
+          <mc:Fallback xmlns="">
+            <p:sp>
+              <p:nvSpPr>
+                <p:cNvPr id="28" name="テキスト ボックス 27">
+                  <a:extLst>
+                    <a:ext uri="{FF2B5EF4-FFF2-40B4-BE49-F238E27FC236}">
+                      <a16:creationId xmlns:a16="http://schemas.microsoft.com/office/drawing/2014/main" id="{B3BBA865-0597-8340-8274-EB233435AD28}"/>
+                    </a:ext>
+                  </a:extLst>
+                </p:cNvPr>
+                <p:cNvSpPr txBox="1">
+                  <a:spLocks noRot="1" noChangeAspect="1" noMove="1" noResize="1" noEditPoints="1" noAdjustHandles="1" noChangeArrowheads="1" noChangeShapeType="1" noTextEdit="1"/>
+                </p:cNvSpPr>
+                <p:nvPr/>
+              </p:nvSpPr>
+              <p:spPr>
+                <a:xfrm>
+                  <a:off x="4211960" y="2996952"/>
+                  <a:ext cx="365392" cy="349866"/>
+                </a:xfrm>
+                <a:prstGeom prst="rect">
+                  <a:avLst/>
+                </a:prstGeom>
+                <a:blipFill>
+                  <a:blip r:embed="rId5"/>
+                  <a:stretch>
+                    <a:fillRect l="-11538" r="-3846" b="-16667"/>
+                  </a:stretch>
+                </a:blipFill>
+              </p:spPr>
+              <p:txBody>
+                <a:bodyPr/>
+                <a:lstStyle/>
+                <a:p>
+                  <a:r>
+                    <a:rPr lang="ja-JP" altLang="en-US">
+                      <a:noFill/>
+                    </a:rPr>
+                    <a:t> </a:t>
+                  </a:r>
+                </a:p>
+              </p:txBody>
+            </p:sp>
+          </mc:Fallback>
+        </mc:AlternateContent>
+        <mc:AlternateContent xmlns:mc="http://schemas.openxmlformats.org/markup-compatibility/2006" xmlns:a14="http://schemas.microsoft.com/office/drawing/2010/main">
+          <mc:Choice Requires="a14">
+            <p:sp>
+              <p:nvSpPr>
+                <p:cNvPr id="29" name="テキスト ボックス 28">
+                  <a:extLst>
+                    <a:ext uri="{FF2B5EF4-FFF2-40B4-BE49-F238E27FC236}">
+                      <a16:creationId xmlns:a16="http://schemas.microsoft.com/office/drawing/2014/main" id="{DB878093-3180-DF44-9B09-918161E1392C}"/>
+                    </a:ext>
+                  </a:extLst>
+                </p:cNvPr>
+                <p:cNvSpPr txBox="1"/>
+                <p:nvPr/>
+              </p:nvSpPr>
+              <p:spPr>
+                <a:xfrm>
+                  <a:off x="5292080" y="2996952"/>
+                  <a:ext cx="644191" cy="349866"/>
+                </a:xfrm>
+                <a:prstGeom prst="rect">
+                  <a:avLst/>
+                </a:prstGeom>
+                <a:noFill/>
+              </p:spPr>
+              <p:txBody>
+                <a:bodyPr wrap="none" lIns="0" tIns="0" rIns="0" bIns="0" rtlCol="0">
+                  <a:spAutoFit/>
+                </a:bodyPr>
+                <a:lstStyle/>
+                <a:p>
+                  <a:pPr/>
+                  <a14:m>
+                    <m:oMathPara xmlns:m="http://schemas.openxmlformats.org/officeDocument/2006/math">
+                      <m:oMathParaPr>
+                        <m:jc m:val="centerGroup"/>
+                      </m:oMathParaPr>
+                      <m:oMath xmlns:m="http://schemas.openxmlformats.org/officeDocument/2006/math">
+                        <m:sSub>
+                          <m:sSubPr>
+                            <m:ctrlPr>
+                              <a:rPr kumimoji="1" lang="en-US" altLang="ja-JP" sz="2000" i="1" dirty="0" smtClean="0">
+                                <a:latin typeface="Cambria Math" panose="02040503050406030204" pitchFamily="18" charset="0"/>
+                              </a:rPr>
+                            </m:ctrlPr>
+                          </m:sSubPr>
+                          <m:e>
+                            <m:r>
+                              <a:rPr kumimoji="1" lang="en-US" altLang="ja-JP" sz="2000" b="0" i="1" dirty="0" smtClean="0">
+                                <a:latin typeface="Cambria Math" panose="02040503050406030204" pitchFamily="18" charset="0"/>
+                              </a:rPr>
+                              <m:t>𝑥</m:t>
+                            </m:r>
+                          </m:e>
+                          <m:sub>
+                            <m:r>
+                              <a:rPr kumimoji="1" lang="en-US" altLang="ja-JP" sz="2000" b="0" i="1" dirty="0" smtClean="0">
+                                <a:latin typeface="Cambria Math" panose="02040503050406030204" pitchFamily="18" charset="0"/>
+                              </a:rPr>
+                              <m:t>𝑘</m:t>
+                            </m:r>
+                            <m:r>
+                              <a:rPr kumimoji="1" lang="en-US" altLang="ja-JP" sz="2000" b="0" i="1" dirty="0" smtClean="0">
+                                <a:latin typeface="Cambria Math" panose="02040503050406030204" pitchFamily="18" charset="0"/>
+                              </a:rPr>
+                              <m:t>+1</m:t>
+                            </m:r>
+                          </m:sub>
+                        </m:sSub>
+                      </m:oMath>
+                    </m:oMathPara>
+                  </a14:m>
+                  <a:endParaRPr kumimoji="1" lang="ja-JP" altLang="en-US" sz="2000" dirty="0"/>
+                </a:p>
+              </p:txBody>
+            </p:sp>
+          </mc:Choice>
+          <mc:Fallback xmlns="">
+            <p:sp>
+              <p:nvSpPr>
+                <p:cNvPr id="29" name="テキスト ボックス 28">
+                  <a:extLst>
+                    <a:ext uri="{FF2B5EF4-FFF2-40B4-BE49-F238E27FC236}">
+                      <a16:creationId xmlns:a16="http://schemas.microsoft.com/office/drawing/2014/main" id="{DB878093-3180-DF44-9B09-918161E1392C}"/>
+                    </a:ext>
+                  </a:extLst>
+                </p:cNvPr>
+                <p:cNvSpPr txBox="1">
+                  <a:spLocks noRot="1" noChangeAspect="1" noMove="1" noResize="1" noEditPoints="1" noAdjustHandles="1" noChangeArrowheads="1" noChangeShapeType="1" noTextEdit="1"/>
+                </p:cNvSpPr>
+                <p:nvPr/>
+              </p:nvSpPr>
+              <p:spPr>
+                <a:xfrm>
+                  <a:off x="5292080" y="2996952"/>
+                  <a:ext cx="644191" cy="349866"/>
+                </a:xfrm>
+                <a:prstGeom prst="rect">
+                  <a:avLst/>
+                </a:prstGeom>
+                <a:blipFill>
+                  <a:blip r:embed="rId6"/>
+                  <a:stretch>
+                    <a:fillRect l="-6667" r="-2222" b="-16667"/>
+                  </a:stretch>
+                </a:blipFill>
+              </p:spPr>
+              <p:txBody>
+                <a:bodyPr/>
+                <a:lstStyle/>
+                <a:p>
+                  <a:r>
+                    <a:rPr lang="ja-JP" altLang="en-US">
+                      <a:noFill/>
+                    </a:rPr>
+                    <a:t> </a:t>
+                  </a:r>
+                </a:p>
+              </p:txBody>
+            </p:sp>
+          </mc:Fallback>
+        </mc:AlternateContent>
+        <p:cxnSp>
+          <p:nvCxnSpPr>
+            <p:cNvPr id="30" name="直線コネクタ 29">
+              <a:extLst>
+                <a:ext uri="{FF2B5EF4-FFF2-40B4-BE49-F238E27FC236}">
+                  <a16:creationId xmlns:a16="http://schemas.microsoft.com/office/drawing/2014/main" id="{977F72BE-B007-5C40-86F2-E14AECEC398A}"/>
+                </a:ext>
+              </a:extLst>
+            </p:cNvPr>
+            <p:cNvCxnSpPr>
+              <a:cxnSpLocks/>
+            </p:cNvCxnSpPr>
+            <p:nvPr/>
+          </p:nvCxnSpPr>
+          <p:spPr>
+            <a:xfrm flipV="1">
+              <a:off x="4355976" y="2924944"/>
+              <a:ext cx="0" cy="144017"/>
+            </a:xfrm>
+            <a:prstGeom prst="line">
+              <a:avLst/>
+            </a:prstGeom>
+            <a:ln w="9525">
+              <a:solidFill>
+                <a:schemeClr val="tx1"/>
+              </a:solidFill>
+              <a:headEnd type="none"/>
+              <a:tailEnd type="none"/>
+            </a:ln>
+            <a:effectLst/>
+          </p:spPr>
+          <p:style>
+            <a:lnRef idx="2">
+              <a:schemeClr val="accent1"/>
+            </a:lnRef>
+            <a:fillRef idx="0">
+              <a:schemeClr val="accent1"/>
+            </a:fillRef>
+            <a:effectRef idx="1">
+              <a:schemeClr val="accent1"/>
+            </a:effectRef>
+            <a:fontRef idx="minor">
+              <a:schemeClr val="tx1"/>
+            </a:fontRef>
+          </p:style>
+        </p:cxnSp>
+        <p:cxnSp>
+          <p:nvCxnSpPr>
+            <p:cNvPr id="31" name="直線コネクタ 30">
+              <a:extLst>
+                <a:ext uri="{FF2B5EF4-FFF2-40B4-BE49-F238E27FC236}">
+                  <a16:creationId xmlns:a16="http://schemas.microsoft.com/office/drawing/2014/main" id="{55E37ADB-725A-A84F-81B1-16635407F97B}"/>
+                </a:ext>
+              </a:extLst>
+            </p:cNvPr>
+            <p:cNvCxnSpPr>
+              <a:cxnSpLocks/>
+            </p:cNvCxnSpPr>
+            <p:nvPr/>
+          </p:nvCxnSpPr>
+          <p:spPr>
+            <a:xfrm flipV="1">
+              <a:off x="5580112" y="2924944"/>
+              <a:ext cx="0" cy="144017"/>
+            </a:xfrm>
+            <a:prstGeom prst="line">
+              <a:avLst/>
+            </a:prstGeom>
+            <a:ln w="9525">
+              <a:solidFill>
+                <a:schemeClr val="tx1"/>
+              </a:solidFill>
+              <a:headEnd type="none"/>
+              <a:tailEnd type="none"/>
+            </a:ln>
+            <a:effectLst/>
+          </p:spPr>
+          <p:style>
+            <a:lnRef idx="2">
+              <a:schemeClr val="accent1"/>
+            </a:lnRef>
+            <a:fillRef idx="0">
+              <a:schemeClr val="accent1"/>
+            </a:fillRef>
+            <a:effectRef idx="1">
+              <a:schemeClr val="accent1"/>
+            </a:effectRef>
+            <a:fontRef idx="minor">
+              <a:schemeClr val="tx1"/>
+            </a:fontRef>
+          </p:style>
+        </p:cxnSp>
+        <p:sp>
+          <p:nvSpPr>
+            <p:cNvPr id="32" name="円/楕円 31">
+              <a:extLst>
+                <a:ext uri="{FF2B5EF4-FFF2-40B4-BE49-F238E27FC236}">
+                  <a16:creationId xmlns:a16="http://schemas.microsoft.com/office/drawing/2014/main" id="{6616CE48-A33F-9949-A8DD-F90A7E5F0D26}"/>
+                </a:ext>
+              </a:extLst>
+            </p:cNvPr>
+            <p:cNvSpPr/>
+            <p:nvPr/>
+          </p:nvSpPr>
+          <p:spPr>
+            <a:xfrm>
+              <a:off x="5508104" y="836712"/>
+              <a:ext cx="144016" cy="144016"/>
+            </a:xfrm>
+            <a:prstGeom prst="ellipse">
+              <a:avLst/>
+            </a:prstGeom>
+            <a:solidFill>
+              <a:srgbClr val="FF0000"/>
+            </a:solidFill>
+            <a:ln>
+              <a:solidFill>
+                <a:schemeClr val="tx1"/>
+              </a:solidFill>
+            </a:ln>
+          </p:spPr>
+          <p:txBody>
+            <a:bodyPr wrap="square" rtlCol="0" anchor="ctr">
+              <a:spAutoFit/>
+            </a:bodyPr>
+            <a:lstStyle/>
+            <a:p>
+              <a:pPr algn="ctr"/>
+              <a:endParaRPr kumimoji="1" lang="ja-JP" altLang="en-US" sz="2400" dirty="0"/>
+            </a:p>
+          </p:txBody>
+        </p:sp>
+        <mc:AlternateContent xmlns:mc="http://schemas.openxmlformats.org/markup-compatibility/2006" xmlns:a14="http://schemas.microsoft.com/office/drawing/2010/main">
+          <mc:Choice Requires="a14">
+            <p:sp>
+              <p:nvSpPr>
+                <p:cNvPr id="33" name="テキスト ボックス 32">
+                  <a:extLst>
+                    <a:ext uri="{FF2B5EF4-FFF2-40B4-BE49-F238E27FC236}">
+                      <a16:creationId xmlns:a16="http://schemas.microsoft.com/office/drawing/2014/main" id="{655ED546-3CAF-CE4B-BBA0-CDA7334287C3}"/>
+                    </a:ext>
+                  </a:extLst>
+                </p:cNvPr>
+                <p:cNvSpPr txBox="1"/>
+                <p:nvPr/>
+              </p:nvSpPr>
+              <p:spPr>
+                <a:xfrm>
+                  <a:off x="5436096" y="476672"/>
+                  <a:ext cx="741485" cy="246221"/>
+                </a:xfrm>
+                <a:prstGeom prst="rect">
+                  <a:avLst/>
+                </a:prstGeom>
+                <a:noFill/>
+              </p:spPr>
+              <p:txBody>
+                <a:bodyPr wrap="none" lIns="0" tIns="0" rIns="0" bIns="0" rtlCol="0">
+                  <a:spAutoFit/>
+                </a:bodyPr>
+                <a:lstStyle/>
+                <a:p>
+                  <a:pPr/>
+                  <a14:m>
+                    <m:oMathPara xmlns:m="http://schemas.openxmlformats.org/officeDocument/2006/math">
+                      <m:oMathParaPr>
+                        <m:jc m:val="centerGroup"/>
+                      </m:oMathParaPr>
+                      <m:oMath xmlns:m="http://schemas.openxmlformats.org/officeDocument/2006/math">
+                        <m:sSub>
+                          <m:sSubPr>
+                            <m:ctrlPr>
+                              <a:rPr kumimoji="1" lang="en-US" altLang="ja-JP" sz="1400" i="1" dirty="0" smtClean="0">
+                                <a:latin typeface="Cambria Math" panose="02040503050406030204" pitchFamily="18" charset="0"/>
+                              </a:rPr>
+                            </m:ctrlPr>
+                          </m:sSubPr>
+                          <m:e>
+                            <m:r>
+                              <a:rPr kumimoji="1" lang="en-US" altLang="ja-JP" sz="1400" b="0" i="1" dirty="0" smtClean="0">
+                                <a:latin typeface="Cambria Math" panose="02040503050406030204" pitchFamily="18" charset="0"/>
+                              </a:rPr>
+                              <m:t>𝑓</m:t>
+                            </m:r>
+                            <m:r>
+                              <a:rPr kumimoji="1" lang="en-US" altLang="ja-JP" sz="1400" b="0" i="1" dirty="0" smtClean="0">
+                                <a:latin typeface="Cambria Math" panose="02040503050406030204" pitchFamily="18" charset="0"/>
+                              </a:rPr>
+                              <m:t>(</m:t>
+                            </m:r>
+                            <m:r>
+                              <a:rPr kumimoji="1" lang="en-US" altLang="ja-JP" sz="1400" b="0" i="1" dirty="0" smtClean="0">
+                                <a:latin typeface="Cambria Math" panose="02040503050406030204" pitchFamily="18" charset="0"/>
+                              </a:rPr>
+                              <m:t>𝑥</m:t>
+                            </m:r>
+                          </m:e>
+                          <m:sub>
+                            <m:r>
+                              <a:rPr kumimoji="1" lang="en-US" altLang="ja-JP" sz="1400" b="0" i="1" dirty="0" smtClean="0">
+                                <a:latin typeface="Cambria Math" panose="02040503050406030204" pitchFamily="18" charset="0"/>
+                              </a:rPr>
+                              <m:t>𝑘</m:t>
+                            </m:r>
+                            <m:r>
+                              <a:rPr kumimoji="1" lang="en-US" altLang="ja-JP" sz="1400" b="0" i="1" dirty="0" smtClean="0">
+                                <a:latin typeface="Cambria Math" panose="02040503050406030204" pitchFamily="18" charset="0"/>
+                              </a:rPr>
+                              <m:t>+1</m:t>
+                            </m:r>
+                          </m:sub>
+                        </m:sSub>
+                        <m:r>
+                          <a:rPr kumimoji="1" lang="en-US" altLang="ja-JP" sz="1400" b="0" i="1" dirty="0" smtClean="0">
+                            <a:latin typeface="Cambria Math" panose="02040503050406030204" pitchFamily="18" charset="0"/>
+                          </a:rPr>
+                          <m:t>)</m:t>
+                        </m:r>
+                      </m:oMath>
+                    </m:oMathPara>
+                  </a14:m>
+                  <a:endParaRPr kumimoji="1" lang="ja-JP" altLang="en-US" sz="1400" dirty="0"/>
+                </a:p>
+              </p:txBody>
+            </p:sp>
+          </mc:Choice>
+          <mc:Fallback xmlns="">
+            <p:sp>
+              <p:nvSpPr>
+                <p:cNvPr id="33" name="テキスト ボックス 32">
+                  <a:extLst>
+                    <a:ext uri="{FF2B5EF4-FFF2-40B4-BE49-F238E27FC236}">
+                      <a16:creationId xmlns:a16="http://schemas.microsoft.com/office/drawing/2014/main" id="{655ED546-3CAF-CE4B-BBA0-CDA7334287C3}"/>
+                    </a:ext>
+                  </a:extLst>
+                </p:cNvPr>
+                <p:cNvSpPr txBox="1">
+                  <a:spLocks noRot="1" noChangeAspect="1" noMove="1" noResize="1" noEditPoints="1" noAdjustHandles="1" noChangeArrowheads="1" noChangeShapeType="1" noTextEdit="1"/>
+                </p:cNvSpPr>
+                <p:nvPr/>
+              </p:nvSpPr>
+              <p:spPr>
+                <a:xfrm>
+                  <a:off x="5436096" y="476672"/>
+                  <a:ext cx="741485" cy="246221"/>
+                </a:xfrm>
+                <a:prstGeom prst="rect">
+                  <a:avLst/>
+                </a:prstGeom>
+                <a:blipFill>
+                  <a:blip r:embed="rId7"/>
+                  <a:stretch>
+                    <a:fillRect l="-9615" r="-7692" b="-26316"/>
+                  </a:stretch>
+                </a:blipFill>
+              </p:spPr>
+              <p:txBody>
+                <a:bodyPr/>
+                <a:lstStyle/>
+                <a:p>
+                  <a:r>
+                    <a:rPr lang="ja-JP" altLang="en-US">
+                      <a:noFill/>
+                    </a:rPr>
+                    <a:t> </a:t>
+                  </a:r>
+                </a:p>
+              </p:txBody>
+            </p:sp>
+          </mc:Fallback>
+        </mc:AlternateContent>
+        <p:sp>
+          <p:nvSpPr>
+            <p:cNvPr id="34" name="正方形/長方形 33">
+              <a:extLst>
+                <a:ext uri="{FF2B5EF4-FFF2-40B4-BE49-F238E27FC236}">
+                  <a16:creationId xmlns:a16="http://schemas.microsoft.com/office/drawing/2014/main" id="{0E5E188B-A875-4346-A9E3-6D247A8393DB}"/>
+                </a:ext>
+              </a:extLst>
+            </p:cNvPr>
+            <p:cNvSpPr/>
+            <p:nvPr/>
+          </p:nvSpPr>
+          <p:spPr>
+            <a:xfrm>
+              <a:off x="7596336" y="1196752"/>
+              <a:ext cx="1224137" cy="1800201"/>
+            </a:xfrm>
+            <a:prstGeom prst="rect">
+              <a:avLst/>
+            </a:prstGeom>
+            <a:solidFill>
+              <a:schemeClr val="accent6">
+                <a:lumMod val="20000"/>
+                <a:lumOff val="80000"/>
+              </a:schemeClr>
+            </a:solidFill>
+            <a:ln>
+              <a:solidFill>
+                <a:schemeClr val="tx1"/>
+              </a:solidFill>
+            </a:ln>
+          </p:spPr>
+          <p:txBody>
+            <a:bodyPr wrap="square" rtlCol="0" anchor="ctr">
+              <a:spAutoFit/>
+            </a:bodyPr>
+            <a:lstStyle/>
+            <a:p>
+              <a:pPr algn="ctr"/>
+              <a:endParaRPr kumimoji="1" lang="ja-JP" altLang="en-US" sz="2400" dirty="0"/>
+            </a:p>
+          </p:txBody>
+        </p:sp>
+        <p:cxnSp>
+          <p:nvCxnSpPr>
+            <p:cNvPr id="35" name="直線矢印コネクタ 34">
+              <a:extLst>
+                <a:ext uri="{FF2B5EF4-FFF2-40B4-BE49-F238E27FC236}">
+                  <a16:creationId xmlns:a16="http://schemas.microsoft.com/office/drawing/2014/main" id="{0DEFAD84-9FED-8548-889F-A3DA262805F1}"/>
+                </a:ext>
+              </a:extLst>
+            </p:cNvPr>
+            <p:cNvCxnSpPr>
+              <a:cxnSpLocks/>
+            </p:cNvCxnSpPr>
+            <p:nvPr/>
+          </p:nvCxnSpPr>
+          <p:spPr>
+            <a:xfrm>
+              <a:off x="6588224" y="2996952"/>
+              <a:ext cx="3096344" cy="0"/>
+            </a:xfrm>
+            <a:prstGeom prst="straightConnector1">
+              <a:avLst/>
+            </a:prstGeom>
+            <a:ln w="9525">
+              <a:solidFill>
+                <a:schemeClr val="tx1"/>
+              </a:solidFill>
+              <a:headEnd type="none"/>
+              <a:tailEnd type="triangle"/>
+            </a:ln>
+            <a:effectLst/>
+          </p:spPr>
+          <p:style>
+            <a:lnRef idx="2">
+              <a:schemeClr val="accent1"/>
+            </a:lnRef>
+            <a:fillRef idx="0">
+              <a:schemeClr val="accent1"/>
+            </a:fillRef>
+            <a:effectRef idx="1">
+              <a:schemeClr val="accent1"/>
+            </a:effectRef>
+            <a:fontRef idx="minor">
+              <a:schemeClr val="tx1"/>
+            </a:fontRef>
+          </p:style>
+        </p:cxnSp>
+        <p:cxnSp>
+          <p:nvCxnSpPr>
+            <p:cNvPr id="36" name="直線矢印コネクタ 35">
+              <a:extLst>
+                <a:ext uri="{FF2B5EF4-FFF2-40B4-BE49-F238E27FC236}">
+                  <a16:creationId xmlns:a16="http://schemas.microsoft.com/office/drawing/2014/main" id="{C9301E21-E42B-2E41-A7F0-792940547851}"/>
+                </a:ext>
+              </a:extLst>
+            </p:cNvPr>
+            <p:cNvCxnSpPr/>
+            <p:nvPr/>
+          </p:nvCxnSpPr>
+          <p:spPr>
+            <a:xfrm flipV="1">
+              <a:off x="6876256" y="764704"/>
+              <a:ext cx="0" cy="2664296"/>
+            </a:xfrm>
+            <a:prstGeom prst="straightConnector1">
+              <a:avLst/>
+            </a:prstGeom>
+            <a:ln w="9525">
+              <a:solidFill>
+                <a:schemeClr val="tx1"/>
+              </a:solidFill>
+              <a:headEnd type="none"/>
+              <a:tailEnd type="triangle"/>
+            </a:ln>
+            <a:effectLst/>
+          </p:spPr>
+          <p:style>
+            <a:lnRef idx="2">
+              <a:schemeClr val="accent1"/>
+            </a:lnRef>
+            <a:fillRef idx="0">
+              <a:schemeClr val="accent1"/>
+            </a:fillRef>
+            <a:effectRef idx="1">
+              <a:schemeClr val="accent1"/>
+            </a:effectRef>
+            <a:fontRef idx="minor">
+              <a:schemeClr val="tx1"/>
+            </a:fontRef>
+          </p:style>
+        </p:cxnSp>
+        <p:sp>
+          <p:nvSpPr>
+            <p:cNvPr id="37" name="フリーフォーム 36">
+              <a:extLst>
+                <a:ext uri="{FF2B5EF4-FFF2-40B4-BE49-F238E27FC236}">
+                  <a16:creationId xmlns:a16="http://schemas.microsoft.com/office/drawing/2014/main" id="{FDFC738A-13A6-3144-8155-103A156C3982}"/>
+                </a:ext>
+              </a:extLst>
+            </p:cNvPr>
+            <p:cNvSpPr/>
+            <p:nvPr/>
+          </p:nvSpPr>
+          <p:spPr>
+            <a:xfrm>
+              <a:off x="6876256" y="908720"/>
+              <a:ext cx="2592287" cy="1152128"/>
+            </a:xfrm>
+            <a:custGeom>
+              <a:avLst/>
+              <a:gdLst>
+                <a:gd name="connsiteX0" fmla="*/ 0 w 3478491"/>
+                <a:gd name="connsiteY0" fmla="*/ 1650647 h 1650647"/>
+                <a:gd name="connsiteX1" fmla="*/ 2224726 w 3478491"/>
+                <a:gd name="connsiteY1" fmla="*/ 48091 h 1650647"/>
+                <a:gd name="connsiteX2" fmla="*/ 3478491 w 3478491"/>
+                <a:gd name="connsiteY2" fmla="*/ 575992 h 1650647"/>
+              </a:gdLst>
+              <a:ahLst/>
+              <a:cxnLst>
+                <a:cxn ang="0">
+                  <a:pos x="connsiteX0" y="connsiteY0"/>
+                </a:cxn>
+                <a:cxn ang="0">
+                  <a:pos x="connsiteX1" y="connsiteY1"/>
+                </a:cxn>
+                <a:cxn ang="0">
+                  <a:pos x="connsiteX2" y="connsiteY2"/>
+                </a:cxn>
+              </a:cxnLst>
+              <a:rect l="l" t="t" r="r" b="b"/>
+              <a:pathLst>
+                <a:path w="3478491" h="1650647">
+                  <a:moveTo>
+                    <a:pt x="0" y="1650647"/>
+                  </a:moveTo>
+                  <a:cubicBezTo>
+                    <a:pt x="822489" y="938923"/>
+                    <a:pt x="1644978" y="227200"/>
+                    <a:pt x="2224726" y="48091"/>
+                  </a:cubicBezTo>
+                  <a:cubicBezTo>
+                    <a:pt x="2804474" y="-131018"/>
+                    <a:pt x="3141482" y="222487"/>
+                    <a:pt x="3478491" y="575992"/>
+                  </a:cubicBezTo>
+                </a:path>
+              </a:pathLst>
+            </a:custGeom>
+            <a:noFill/>
+            <a:ln>
+              <a:solidFill>
+                <a:schemeClr val="tx1"/>
+              </a:solidFill>
+            </a:ln>
+          </p:spPr>
+          <p:txBody>
+            <a:bodyPr rtlCol="0" anchor="ctr"/>
+            <a:lstStyle/>
+            <a:p>
+              <a:pPr algn="ctr"/>
+              <a:endParaRPr kumimoji="1" lang="ja-JP" altLang="en-US"/>
+            </a:p>
+          </p:txBody>
+        </p:sp>
+        <mc:AlternateContent xmlns:mc="http://schemas.openxmlformats.org/markup-compatibility/2006" xmlns:a14="http://schemas.microsoft.com/office/drawing/2010/main">
+          <mc:Choice Requires="a14">
+            <p:sp>
+              <p:nvSpPr>
+                <p:cNvPr id="38" name="テキスト ボックス 37">
+                  <a:extLst>
+                    <a:ext uri="{FF2B5EF4-FFF2-40B4-BE49-F238E27FC236}">
+                      <a16:creationId xmlns:a16="http://schemas.microsoft.com/office/drawing/2014/main" id="{13776CFE-4D7A-F84B-80EB-7AFB94DD2B83}"/>
+                    </a:ext>
+                  </a:extLst>
+                </p:cNvPr>
+                <p:cNvSpPr txBox="1"/>
+                <p:nvPr/>
+              </p:nvSpPr>
+              <p:spPr>
+                <a:xfrm>
+                  <a:off x="7452320" y="2996952"/>
+                  <a:ext cx="365392" cy="349866"/>
+                </a:xfrm>
+                <a:prstGeom prst="rect">
+                  <a:avLst/>
+                </a:prstGeom>
+                <a:noFill/>
+              </p:spPr>
+              <p:txBody>
+                <a:bodyPr wrap="none" lIns="0" tIns="0" rIns="0" bIns="0" rtlCol="0">
+                  <a:spAutoFit/>
+                </a:bodyPr>
+                <a:lstStyle/>
+                <a:p>
+                  <a:pPr/>
+                  <a14:m>
+                    <m:oMathPara xmlns:m="http://schemas.openxmlformats.org/officeDocument/2006/math">
+                      <m:oMathParaPr>
+                        <m:jc m:val="centerGroup"/>
+                      </m:oMathParaPr>
+                      <m:oMath xmlns:m="http://schemas.openxmlformats.org/officeDocument/2006/math">
+                        <m:sSub>
+                          <m:sSubPr>
+                            <m:ctrlPr>
+                              <a:rPr kumimoji="1" lang="en-US" altLang="ja-JP" sz="2000" i="1" dirty="0" smtClean="0">
+                                <a:latin typeface="Cambria Math" panose="02040503050406030204" pitchFamily="18" charset="0"/>
+                              </a:rPr>
+                            </m:ctrlPr>
+                          </m:sSubPr>
+                          <m:e>
+                            <m:r>
+                              <a:rPr kumimoji="1" lang="en-US" altLang="ja-JP" sz="2000" b="0" i="1" dirty="0" smtClean="0">
+                                <a:latin typeface="Cambria Math" panose="02040503050406030204" pitchFamily="18" charset="0"/>
+                              </a:rPr>
+                              <m:t>𝑥</m:t>
+                            </m:r>
+                          </m:e>
+                          <m:sub>
+                            <m:r>
+                              <a:rPr kumimoji="1" lang="en-US" altLang="ja-JP" sz="2000" b="0" i="1" dirty="0" smtClean="0">
+                                <a:latin typeface="Cambria Math" panose="02040503050406030204" pitchFamily="18" charset="0"/>
+                              </a:rPr>
+                              <m:t>𝑘</m:t>
+                            </m:r>
+                          </m:sub>
+                        </m:sSub>
+                      </m:oMath>
+                    </m:oMathPara>
+                  </a14:m>
+                  <a:endParaRPr kumimoji="1" lang="ja-JP" altLang="en-US" sz="2000" dirty="0"/>
+                </a:p>
+              </p:txBody>
+            </p:sp>
+          </mc:Choice>
+          <mc:Fallback xmlns="">
+            <p:sp>
+              <p:nvSpPr>
+                <p:cNvPr id="38" name="テキスト ボックス 37">
+                  <a:extLst>
+                    <a:ext uri="{FF2B5EF4-FFF2-40B4-BE49-F238E27FC236}">
+                      <a16:creationId xmlns:a16="http://schemas.microsoft.com/office/drawing/2014/main" id="{13776CFE-4D7A-F84B-80EB-7AFB94DD2B83}"/>
+                    </a:ext>
+                  </a:extLst>
+                </p:cNvPr>
+                <p:cNvSpPr txBox="1">
+                  <a:spLocks noRot="1" noChangeAspect="1" noMove="1" noResize="1" noEditPoints="1" noAdjustHandles="1" noChangeArrowheads="1" noChangeShapeType="1" noTextEdit="1"/>
+                </p:cNvSpPr>
+                <p:nvPr/>
+              </p:nvSpPr>
+              <p:spPr>
+                <a:xfrm>
+                  <a:off x="7452320" y="2996952"/>
+                  <a:ext cx="365392" cy="349866"/>
+                </a:xfrm>
+                <a:prstGeom prst="rect">
+                  <a:avLst/>
+                </a:prstGeom>
+                <a:blipFill>
+                  <a:blip r:embed="rId8"/>
+                  <a:stretch>
+                    <a:fillRect l="-7407" r="-3704" b="-16667"/>
+                  </a:stretch>
+                </a:blipFill>
+              </p:spPr>
+              <p:txBody>
+                <a:bodyPr/>
+                <a:lstStyle/>
+                <a:p>
+                  <a:r>
+                    <a:rPr lang="ja-JP" altLang="en-US">
+                      <a:noFill/>
+                    </a:rPr>
+                    <a:t> </a:t>
+                  </a:r>
+                </a:p>
+              </p:txBody>
+            </p:sp>
+          </mc:Fallback>
+        </mc:AlternateContent>
+        <mc:AlternateContent xmlns:mc="http://schemas.openxmlformats.org/markup-compatibility/2006" xmlns:a14="http://schemas.microsoft.com/office/drawing/2010/main">
+          <mc:Choice Requires="a14">
+            <p:sp>
+              <p:nvSpPr>
+                <p:cNvPr id="39" name="テキスト ボックス 38">
+                  <a:extLst>
+                    <a:ext uri="{FF2B5EF4-FFF2-40B4-BE49-F238E27FC236}">
+                      <a16:creationId xmlns:a16="http://schemas.microsoft.com/office/drawing/2014/main" id="{0C759A21-F6ED-F44B-98EC-CF20FD905D5A}"/>
+                    </a:ext>
+                  </a:extLst>
+                </p:cNvPr>
+                <p:cNvSpPr txBox="1"/>
+                <p:nvPr/>
+              </p:nvSpPr>
+              <p:spPr>
+                <a:xfrm>
+                  <a:off x="8532440" y="2996952"/>
+                  <a:ext cx="644191" cy="349866"/>
+                </a:xfrm>
+                <a:prstGeom prst="rect">
+                  <a:avLst/>
+                </a:prstGeom>
+                <a:noFill/>
+              </p:spPr>
+              <p:txBody>
+                <a:bodyPr wrap="none" lIns="0" tIns="0" rIns="0" bIns="0" rtlCol="0">
+                  <a:spAutoFit/>
+                </a:bodyPr>
+                <a:lstStyle/>
+                <a:p>
+                  <a:pPr/>
+                  <a14:m>
+                    <m:oMathPara xmlns:m="http://schemas.openxmlformats.org/officeDocument/2006/math">
+                      <m:oMathParaPr>
+                        <m:jc m:val="centerGroup"/>
+                      </m:oMathParaPr>
+                      <m:oMath xmlns:m="http://schemas.openxmlformats.org/officeDocument/2006/math">
+                        <m:sSub>
+                          <m:sSubPr>
+                            <m:ctrlPr>
+                              <a:rPr kumimoji="1" lang="en-US" altLang="ja-JP" sz="2000" i="1" dirty="0" smtClean="0">
+                                <a:latin typeface="Cambria Math" panose="02040503050406030204" pitchFamily="18" charset="0"/>
+                              </a:rPr>
+                            </m:ctrlPr>
+                          </m:sSubPr>
+                          <m:e>
+                            <m:r>
+                              <a:rPr kumimoji="1" lang="en-US" altLang="ja-JP" sz="2000" b="0" i="1" dirty="0" smtClean="0">
+                                <a:latin typeface="Cambria Math" panose="02040503050406030204" pitchFamily="18" charset="0"/>
+                              </a:rPr>
+                              <m:t>𝑥</m:t>
+                            </m:r>
+                          </m:e>
+                          <m:sub>
+                            <m:r>
+                              <a:rPr kumimoji="1" lang="en-US" altLang="ja-JP" sz="2000" b="0" i="1" dirty="0" smtClean="0">
+                                <a:latin typeface="Cambria Math" panose="02040503050406030204" pitchFamily="18" charset="0"/>
+                              </a:rPr>
+                              <m:t>𝑘</m:t>
+                            </m:r>
+                            <m:r>
+                              <a:rPr kumimoji="1" lang="en-US" altLang="ja-JP" sz="2000" b="0" i="1" dirty="0" smtClean="0">
+                                <a:latin typeface="Cambria Math" panose="02040503050406030204" pitchFamily="18" charset="0"/>
+                              </a:rPr>
+                              <m:t>+1</m:t>
+                            </m:r>
+                          </m:sub>
+                        </m:sSub>
+                      </m:oMath>
+                    </m:oMathPara>
+                  </a14:m>
+                  <a:endParaRPr kumimoji="1" lang="ja-JP" altLang="en-US" sz="2000" dirty="0"/>
+                </a:p>
+              </p:txBody>
+            </p:sp>
+          </mc:Choice>
+          <mc:Fallback xmlns="">
+            <p:sp>
+              <p:nvSpPr>
+                <p:cNvPr id="39" name="テキスト ボックス 38">
+                  <a:extLst>
+                    <a:ext uri="{FF2B5EF4-FFF2-40B4-BE49-F238E27FC236}">
+                      <a16:creationId xmlns:a16="http://schemas.microsoft.com/office/drawing/2014/main" id="{0C759A21-F6ED-F44B-98EC-CF20FD905D5A}"/>
+                    </a:ext>
+                  </a:extLst>
+                </p:cNvPr>
+                <p:cNvSpPr txBox="1">
+                  <a:spLocks noRot="1" noChangeAspect="1" noMove="1" noResize="1" noEditPoints="1" noAdjustHandles="1" noChangeArrowheads="1" noChangeShapeType="1" noTextEdit="1"/>
+                </p:cNvSpPr>
+                <p:nvPr/>
+              </p:nvSpPr>
+              <p:spPr>
+                <a:xfrm>
+                  <a:off x="8532440" y="2996952"/>
+                  <a:ext cx="644191" cy="349866"/>
+                </a:xfrm>
+                <a:prstGeom prst="rect">
+                  <a:avLst/>
+                </a:prstGeom>
+                <a:blipFill>
+                  <a:blip r:embed="rId9"/>
+                  <a:stretch>
+                    <a:fillRect l="-4348" b="-16667"/>
+                  </a:stretch>
+                </a:blipFill>
+              </p:spPr>
+              <p:txBody>
+                <a:bodyPr/>
+                <a:lstStyle/>
+                <a:p>
+                  <a:r>
+                    <a:rPr lang="ja-JP" altLang="en-US">
+                      <a:noFill/>
+                    </a:rPr>
+                    <a:t> </a:t>
+                  </a:r>
+                </a:p>
+              </p:txBody>
+            </p:sp>
+          </mc:Fallback>
+        </mc:AlternateContent>
+        <p:cxnSp>
+          <p:nvCxnSpPr>
+            <p:cNvPr id="40" name="直線コネクタ 39">
+              <a:extLst>
+                <a:ext uri="{FF2B5EF4-FFF2-40B4-BE49-F238E27FC236}">
+                  <a16:creationId xmlns:a16="http://schemas.microsoft.com/office/drawing/2014/main" id="{06CF51E0-1955-9749-A937-8F398661604A}"/>
+                </a:ext>
+              </a:extLst>
+            </p:cNvPr>
+            <p:cNvCxnSpPr>
+              <a:cxnSpLocks/>
+            </p:cNvCxnSpPr>
+            <p:nvPr/>
+          </p:nvCxnSpPr>
+          <p:spPr>
+            <a:xfrm flipV="1">
+              <a:off x="7596336" y="2924944"/>
+              <a:ext cx="0" cy="144017"/>
+            </a:xfrm>
+            <a:prstGeom prst="line">
+              <a:avLst/>
+            </a:prstGeom>
+            <a:ln w="9525">
+              <a:solidFill>
+                <a:schemeClr val="tx1"/>
+              </a:solidFill>
+              <a:headEnd type="none"/>
+              <a:tailEnd type="none"/>
+            </a:ln>
+            <a:effectLst/>
+          </p:spPr>
+          <p:style>
+            <a:lnRef idx="2">
+              <a:schemeClr val="accent1"/>
+            </a:lnRef>
+            <a:fillRef idx="0">
+              <a:schemeClr val="accent1"/>
+            </a:fillRef>
+            <a:effectRef idx="1">
+              <a:schemeClr val="accent1"/>
+            </a:effectRef>
+            <a:fontRef idx="minor">
+              <a:schemeClr val="tx1"/>
+            </a:fontRef>
+          </p:style>
+        </p:cxnSp>
+        <p:cxnSp>
+          <p:nvCxnSpPr>
+            <p:cNvPr id="41" name="直線コネクタ 40">
+              <a:extLst>
+                <a:ext uri="{FF2B5EF4-FFF2-40B4-BE49-F238E27FC236}">
+                  <a16:creationId xmlns:a16="http://schemas.microsoft.com/office/drawing/2014/main" id="{3E513606-60AD-0547-AD0E-696B5E6940A2}"/>
+                </a:ext>
+              </a:extLst>
+            </p:cNvPr>
+            <p:cNvCxnSpPr>
+              <a:cxnSpLocks/>
+            </p:cNvCxnSpPr>
+            <p:nvPr/>
+          </p:nvCxnSpPr>
+          <p:spPr>
+            <a:xfrm flipV="1">
+              <a:off x="8820472" y="2924944"/>
+              <a:ext cx="0" cy="144017"/>
+            </a:xfrm>
+            <a:prstGeom prst="line">
+              <a:avLst/>
+            </a:prstGeom>
+            <a:ln w="9525">
+              <a:solidFill>
+                <a:schemeClr val="tx1"/>
+              </a:solidFill>
+              <a:headEnd type="none"/>
+              <a:tailEnd type="none"/>
+            </a:ln>
+            <a:effectLst/>
+          </p:spPr>
+          <p:style>
+            <a:lnRef idx="2">
+              <a:schemeClr val="accent1"/>
+            </a:lnRef>
+            <a:fillRef idx="0">
+              <a:schemeClr val="accent1"/>
+            </a:fillRef>
+            <a:effectRef idx="1">
+              <a:schemeClr val="accent1"/>
+            </a:effectRef>
+            <a:fontRef idx="minor">
+              <a:schemeClr val="tx1"/>
+            </a:fontRef>
+          </p:style>
+        </p:cxnSp>
+        <p:sp>
+          <p:nvSpPr>
+            <p:cNvPr id="42" name="円/楕円 41">
+              <a:extLst>
+                <a:ext uri="{FF2B5EF4-FFF2-40B4-BE49-F238E27FC236}">
+                  <a16:creationId xmlns:a16="http://schemas.microsoft.com/office/drawing/2014/main" id="{0B334EED-C7EC-5E41-AD42-517D242D23D9}"/>
+                </a:ext>
+              </a:extLst>
+            </p:cNvPr>
+            <p:cNvSpPr/>
+            <p:nvPr/>
+          </p:nvSpPr>
+          <p:spPr>
+            <a:xfrm>
+              <a:off x="8748464" y="836712"/>
+              <a:ext cx="144016" cy="144016"/>
+            </a:xfrm>
+            <a:prstGeom prst="ellipse">
+              <a:avLst/>
+            </a:prstGeom>
+            <a:solidFill>
+              <a:srgbClr val="0070C0"/>
+            </a:solidFill>
+            <a:ln>
+              <a:solidFill>
+                <a:schemeClr val="tx1"/>
+              </a:solidFill>
+            </a:ln>
+          </p:spPr>
+          <p:txBody>
+            <a:bodyPr wrap="square" rtlCol="0" anchor="ctr">
+              <a:spAutoFit/>
+            </a:bodyPr>
+            <a:lstStyle/>
+            <a:p>
+              <a:pPr algn="ctr"/>
+              <a:endParaRPr kumimoji="1" lang="ja-JP" altLang="en-US" sz="2400" dirty="0"/>
+            </a:p>
+          </p:txBody>
+        </p:sp>
+        <mc:AlternateContent xmlns:mc="http://schemas.openxmlformats.org/markup-compatibility/2006" xmlns:a14="http://schemas.microsoft.com/office/drawing/2010/main">
+          <mc:Choice Requires="a14">
+            <p:sp>
+              <p:nvSpPr>
+                <p:cNvPr id="43" name="テキスト ボックス 42">
+                  <a:extLst>
+                    <a:ext uri="{FF2B5EF4-FFF2-40B4-BE49-F238E27FC236}">
+                      <a16:creationId xmlns:a16="http://schemas.microsoft.com/office/drawing/2014/main" id="{76BAC88D-F370-2D49-BD01-8F480D32489F}"/>
+                    </a:ext>
+                  </a:extLst>
+                </p:cNvPr>
+                <p:cNvSpPr txBox="1"/>
+                <p:nvPr/>
+              </p:nvSpPr>
+              <p:spPr>
+                <a:xfrm>
+                  <a:off x="7380312" y="404664"/>
+                  <a:ext cx="1623072" cy="467436"/>
+                </a:xfrm>
+                <a:prstGeom prst="rect">
+                  <a:avLst/>
+                </a:prstGeom>
+                <a:noFill/>
+              </p:spPr>
+              <p:txBody>
+                <a:bodyPr wrap="none" lIns="0" tIns="0" rIns="0" bIns="0" rtlCol="0">
+                  <a:spAutoFit/>
+                </a:bodyPr>
+                <a:lstStyle/>
+                <a:p>
+                  <a:pPr/>
+                  <a14:m>
+                    <m:oMathPara xmlns:m="http://schemas.openxmlformats.org/officeDocument/2006/math">
+                      <m:oMathParaPr>
+                        <m:jc m:val="centerGroup"/>
+                      </m:oMathParaPr>
+                      <m:oMath xmlns:m="http://schemas.openxmlformats.org/officeDocument/2006/math">
+                        <m:f>
+                          <m:fPr>
+                            <m:ctrlPr>
+                              <a:rPr kumimoji="1" lang="en-US" altLang="ja-JP" sz="1400" i="1" dirty="0" smtClean="0">
+                                <a:latin typeface="Cambria Math" panose="02040503050406030204" pitchFamily="18" charset="0"/>
+                              </a:rPr>
+                            </m:ctrlPr>
+                          </m:fPr>
+                          <m:num>
+                            <m:sSub>
+                              <m:sSubPr>
+                                <m:ctrlPr>
+                                  <a:rPr lang="en-US" altLang="ja-JP" sz="1400" i="1" dirty="0">
+                                    <a:latin typeface="Cambria Math" panose="02040503050406030204" pitchFamily="18" charset="0"/>
+                                  </a:rPr>
+                                </m:ctrlPr>
+                              </m:sSubPr>
+                              <m:e>
+                                <m:r>
+                                  <a:rPr lang="en-US" altLang="ja-JP" sz="1400" i="1" dirty="0">
+                                    <a:latin typeface="Cambria Math" panose="02040503050406030204" pitchFamily="18" charset="0"/>
+                                  </a:rPr>
+                                  <m:t>𝑓</m:t>
+                                </m:r>
+                                <m:r>
+                                  <a:rPr lang="en-US" altLang="ja-JP" sz="1400" i="1" dirty="0">
+                                    <a:latin typeface="Cambria Math" panose="02040503050406030204" pitchFamily="18" charset="0"/>
+                                  </a:rPr>
+                                  <m:t>(</m:t>
+                                </m:r>
+                                <m:r>
+                                  <a:rPr lang="en-US" altLang="ja-JP" sz="1400" i="1" dirty="0">
+                                    <a:latin typeface="Cambria Math" panose="02040503050406030204" pitchFamily="18" charset="0"/>
+                                  </a:rPr>
+                                  <m:t>𝑥</m:t>
+                                </m:r>
+                              </m:e>
+                              <m:sub>
+                                <m:r>
+                                  <a:rPr lang="en-US" altLang="ja-JP" sz="1400" i="1" dirty="0">
+                                    <a:latin typeface="Cambria Math" panose="02040503050406030204" pitchFamily="18" charset="0"/>
+                                  </a:rPr>
+                                  <m:t>𝑘</m:t>
+                                </m:r>
+                                <m:r>
+                                  <a:rPr lang="en-US" altLang="ja-JP" sz="1400" i="1" dirty="0">
+                                    <a:latin typeface="Cambria Math" panose="02040503050406030204" pitchFamily="18" charset="0"/>
+                                  </a:rPr>
+                                  <m:t>+1</m:t>
+                                </m:r>
+                              </m:sub>
+                            </m:sSub>
+                            <m:r>
+                              <a:rPr lang="en-US" altLang="ja-JP" sz="1400" i="1" dirty="0">
+                                <a:latin typeface="Cambria Math" panose="02040503050406030204" pitchFamily="18" charset="0"/>
+                              </a:rPr>
+                              <m:t>)</m:t>
+                            </m:r>
+                            <m:r>
+                              <m:rPr>
+                                <m:nor/>
+                              </m:rPr>
+                              <a:rPr lang="ja-JP" altLang="en-US" sz="1400" dirty="0"/>
+                              <m:t> </m:t>
+                            </m:r>
+                            <m:r>
+                              <a:rPr lang="en-US" altLang="ja-JP" sz="1400" b="0" i="1" dirty="0">
+                                <a:latin typeface="Cambria Math" panose="02040503050406030204" pitchFamily="18" charset="0"/>
+                              </a:rPr>
+                              <m:t>+</m:t>
+                            </m:r>
+                            <m:sSub>
+                              <m:sSubPr>
+                                <m:ctrlPr>
+                                  <a:rPr lang="en-US" altLang="ja-JP" sz="1400" i="1" dirty="0">
+                                    <a:latin typeface="Cambria Math" panose="02040503050406030204" pitchFamily="18" charset="0"/>
+                                  </a:rPr>
+                                </m:ctrlPr>
+                              </m:sSubPr>
+                              <m:e>
+                                <m:r>
+                                  <a:rPr lang="en-US" altLang="ja-JP" sz="1400" i="1" dirty="0">
+                                    <a:latin typeface="Cambria Math" panose="02040503050406030204" pitchFamily="18" charset="0"/>
+                                  </a:rPr>
+                                  <m:t>𝑓</m:t>
+                                </m:r>
+                                <m:r>
+                                  <a:rPr lang="en-US" altLang="ja-JP" sz="1400" i="1" dirty="0">
+                                    <a:latin typeface="Cambria Math" panose="02040503050406030204" pitchFamily="18" charset="0"/>
+                                  </a:rPr>
+                                  <m:t>(</m:t>
+                                </m:r>
+                                <m:r>
+                                  <a:rPr lang="en-US" altLang="ja-JP" sz="1400" i="1" dirty="0">
+                                    <a:latin typeface="Cambria Math" panose="02040503050406030204" pitchFamily="18" charset="0"/>
+                                  </a:rPr>
+                                  <m:t>𝑥</m:t>
+                                </m:r>
+                              </m:e>
+                              <m:sub>
+                                <m:r>
+                                  <a:rPr lang="en-US" altLang="ja-JP" sz="1400" b="0" i="1" dirty="0">
+                                    <a:latin typeface="Cambria Math" panose="02040503050406030204" pitchFamily="18" charset="0"/>
+                                  </a:rPr>
+                                  <m:t>𝑘</m:t>
+                                </m:r>
+                              </m:sub>
+                            </m:sSub>
+                            <m:r>
+                              <a:rPr lang="en-US" altLang="ja-JP" sz="1400" i="1" dirty="0">
+                                <a:latin typeface="Cambria Math" panose="02040503050406030204" pitchFamily="18" charset="0"/>
+                              </a:rPr>
+                              <m:t>)</m:t>
+                            </m:r>
+                            <m:r>
+                              <m:rPr>
+                                <m:nor/>
+                              </m:rPr>
+                              <a:rPr lang="ja-JP" altLang="en-US" sz="1400" dirty="0"/>
+                              <m:t> </m:t>
+                            </m:r>
+                          </m:num>
+                          <m:den>
+                            <m:r>
+                              <a:rPr kumimoji="1" lang="en-US" altLang="ja-JP" sz="1400" b="0" i="1" dirty="0" smtClean="0">
+                                <a:latin typeface="Cambria Math" panose="02040503050406030204" pitchFamily="18" charset="0"/>
+                              </a:rPr>
+                              <m:t>2</m:t>
+                            </m:r>
+                          </m:den>
+                        </m:f>
+                      </m:oMath>
+                    </m:oMathPara>
+                  </a14:m>
+                  <a:endParaRPr kumimoji="1" lang="ja-JP" altLang="en-US" sz="1400" dirty="0"/>
+                </a:p>
+              </p:txBody>
+            </p:sp>
+          </mc:Choice>
+          <mc:Fallback xmlns="">
+            <p:sp>
+              <p:nvSpPr>
+                <p:cNvPr id="43" name="テキスト ボックス 42">
+                  <a:extLst>
+                    <a:ext uri="{FF2B5EF4-FFF2-40B4-BE49-F238E27FC236}">
+                      <a16:creationId xmlns:a16="http://schemas.microsoft.com/office/drawing/2014/main" id="{76BAC88D-F370-2D49-BD01-8F480D32489F}"/>
+                    </a:ext>
+                  </a:extLst>
+                </p:cNvPr>
+                <p:cNvSpPr txBox="1">
+                  <a:spLocks noRot="1" noChangeAspect="1" noMove="1" noResize="1" noEditPoints="1" noAdjustHandles="1" noChangeArrowheads="1" noChangeShapeType="1" noTextEdit="1"/>
+                </p:cNvSpPr>
+                <p:nvPr/>
+              </p:nvSpPr>
+              <p:spPr>
+                <a:xfrm>
+                  <a:off x="7380312" y="404664"/>
+                  <a:ext cx="1623072" cy="467436"/>
+                </a:xfrm>
+                <a:prstGeom prst="rect">
+                  <a:avLst/>
+                </a:prstGeom>
+                <a:blipFill>
+                  <a:blip r:embed="rId10"/>
+                  <a:stretch>
+                    <a:fillRect l="-1754" t="-15152" r="-1754" b="-12121"/>
+                  </a:stretch>
+                </a:blipFill>
+              </p:spPr>
+              <p:txBody>
+                <a:bodyPr/>
+                <a:lstStyle/>
+                <a:p>
+                  <a:r>
+                    <a:rPr lang="ja-JP" altLang="en-US">
+                      <a:noFill/>
+                    </a:rPr>
+                    <a:t> </a:t>
+                  </a:r>
+                </a:p>
+              </p:txBody>
+            </p:sp>
+          </mc:Fallback>
+        </mc:AlternateContent>
+        <p:sp>
+          <p:nvSpPr>
+            <p:cNvPr id="44" name="円/楕円 43">
+              <a:extLst>
+                <a:ext uri="{FF2B5EF4-FFF2-40B4-BE49-F238E27FC236}">
+                  <a16:creationId xmlns:a16="http://schemas.microsoft.com/office/drawing/2014/main" id="{296A80B5-4351-9C43-863B-1CEF700C821D}"/>
+                </a:ext>
+              </a:extLst>
+            </p:cNvPr>
+            <p:cNvSpPr/>
+            <p:nvPr/>
+          </p:nvSpPr>
+          <p:spPr>
+            <a:xfrm>
+              <a:off x="7524327" y="1412776"/>
+              <a:ext cx="144016" cy="144016"/>
+            </a:xfrm>
+            <a:prstGeom prst="ellipse">
+              <a:avLst/>
+            </a:prstGeom>
+            <a:solidFill>
+              <a:srgbClr val="0070C0"/>
+            </a:solidFill>
+            <a:ln>
+              <a:solidFill>
+                <a:schemeClr val="tx1"/>
+              </a:solidFill>
+            </a:ln>
+          </p:spPr>
+          <p:txBody>
+            <a:bodyPr wrap="square" rtlCol="0" anchor="ctr">
+              <a:spAutoFit/>
+            </a:bodyPr>
+            <a:lstStyle/>
+            <a:p>
+              <a:pPr algn="ctr"/>
+              <a:endParaRPr kumimoji="1" lang="ja-JP" altLang="en-US" sz="2400" dirty="0"/>
+            </a:p>
+          </p:txBody>
+        </p:sp>
+        <p:sp>
+          <p:nvSpPr>
+            <p:cNvPr id="45" name="円/楕円 44">
+              <a:extLst>
+                <a:ext uri="{FF2B5EF4-FFF2-40B4-BE49-F238E27FC236}">
+                  <a16:creationId xmlns:a16="http://schemas.microsoft.com/office/drawing/2014/main" id="{0FF034EE-AE66-5C49-B50F-160C5E7DF0FA}"/>
+                </a:ext>
+              </a:extLst>
+            </p:cNvPr>
+            <p:cNvSpPr/>
+            <p:nvPr/>
+          </p:nvSpPr>
+          <p:spPr>
+            <a:xfrm>
+              <a:off x="8100392" y="1124744"/>
+              <a:ext cx="144016" cy="144016"/>
+            </a:xfrm>
+            <a:prstGeom prst="ellipse">
+              <a:avLst/>
+            </a:prstGeom>
+            <a:solidFill>
+              <a:srgbClr val="FF0000"/>
+            </a:solidFill>
+            <a:ln>
+              <a:solidFill>
+                <a:schemeClr val="tx1"/>
+              </a:solidFill>
+            </a:ln>
+          </p:spPr>
+          <p:txBody>
+            <a:bodyPr wrap="square" rtlCol="0" anchor="ctr">
+              <a:spAutoFit/>
+            </a:bodyPr>
+            <a:lstStyle/>
+            <a:p>
+              <a:pPr algn="ctr"/>
+              <a:endParaRPr kumimoji="1" lang="ja-JP" altLang="en-US" sz="2400" dirty="0"/>
+            </a:p>
+          </p:txBody>
+        </p:sp>
+      </p:grpSp>
+    </p:spTree>
+    <p:extLst>
+      <p:ext uri="{BB962C8B-B14F-4D97-AF65-F5344CB8AC3E}">
+        <p14:creationId xmlns:p14="http://schemas.microsoft.com/office/powerpoint/2010/main" val="1089630010"/>
+      </p:ext>
+    </p:extLst>
+  </p:cSld>
+  <p:clrMapOvr>
+    <a:masterClrMapping/>
+  </p:clrMapOvr>
+</p:sld>
+</file>
+
+<file path=ppt/slides/slide3.xml><?xml version="1.0" encoding="utf-8"?>
+<p:sld xmlns:a="http://schemas.openxmlformats.org/drawingml/2006/main" xmlns:r="http://schemas.openxmlformats.org/officeDocument/2006/relationships" xmlns:p="http://schemas.openxmlformats.org/presentationml/2006/main">
+  <p:cSld>
+    <p:spTree>
+      <p:nvGrpSpPr>
+        <p:cNvPr id="1" name=""/>
+        <p:cNvGrpSpPr/>
+        <p:nvPr/>
+      </p:nvGrpSpPr>
+      <p:grpSpPr>
+        <a:xfrm>
+          <a:off x="0" y="0"/>
+          <a:ext cx="0" cy="0"/>
+          <a:chOff x="0" y="0"/>
+          <a:chExt cx="0" cy="0"/>
+        </a:xfrm>
+      </p:grpSpPr>
+      <p:cxnSp>
+        <p:nvCxnSpPr>
+          <p:cNvPr id="3" name="直線矢印コネクタ 2">
+            <a:extLst>
+              <a:ext uri="{FF2B5EF4-FFF2-40B4-BE49-F238E27FC236}">
+                <a16:creationId xmlns:a16="http://schemas.microsoft.com/office/drawing/2014/main" id="{34B4A65E-566B-3F4E-BDDC-C95FA9AA0B84}"/>
+              </a:ext>
+            </a:extLst>
+          </p:cNvPr>
+          <p:cNvCxnSpPr>
+            <a:cxnSpLocks/>
+          </p:cNvCxnSpPr>
+          <p:nvPr/>
+        </p:nvCxnSpPr>
+        <p:spPr>
+          <a:xfrm>
+            <a:off x="2771800" y="692696"/>
+            <a:ext cx="3384376" cy="0"/>
+          </a:xfrm>
+          <a:prstGeom prst="straightConnector1">
+            <a:avLst/>
+          </a:prstGeom>
+          <a:ln w="9525">
+            <a:solidFill>
+              <a:schemeClr val="tx1"/>
+            </a:solidFill>
+            <a:headEnd type="none"/>
+            <a:tailEnd type="triangle"/>
+          </a:ln>
+          <a:effectLst/>
+        </p:spPr>
+        <p:style>
+          <a:lnRef idx="2">
+            <a:schemeClr val="accent1"/>
+          </a:lnRef>
+          <a:fillRef idx="0">
+            <a:schemeClr val="accent1"/>
+          </a:fillRef>
+          <a:effectRef idx="1">
+            <a:schemeClr val="accent1"/>
+          </a:effectRef>
+          <a:fontRef idx="minor">
+            <a:schemeClr val="tx1"/>
+          </a:fontRef>
+        </p:style>
+      </p:cxnSp>
+      <p:cxnSp>
+        <p:nvCxnSpPr>
+          <p:cNvPr id="6" name="直線コネクタ 5">
+            <a:extLst>
+              <a:ext uri="{FF2B5EF4-FFF2-40B4-BE49-F238E27FC236}">
+                <a16:creationId xmlns:a16="http://schemas.microsoft.com/office/drawing/2014/main" id="{9ED82C97-5843-3B4F-8E9A-3A23EE38FA9A}"/>
+              </a:ext>
+            </a:extLst>
+          </p:cNvPr>
+          <p:cNvCxnSpPr>
+            <a:cxnSpLocks/>
+          </p:cNvCxnSpPr>
+          <p:nvPr/>
+        </p:nvCxnSpPr>
+        <p:spPr>
+          <a:xfrm flipV="1">
+            <a:off x="4283968" y="620688"/>
+            <a:ext cx="0" cy="144016"/>
+          </a:xfrm>
+          <a:prstGeom prst="line">
+            <a:avLst/>
+          </a:prstGeom>
+          <a:ln w="9525">
+            <a:solidFill>
+              <a:schemeClr val="tx1"/>
+            </a:solidFill>
+            <a:headEnd type="none"/>
+            <a:tailEnd type="none"/>
+          </a:ln>
+          <a:effectLst/>
+        </p:spPr>
+        <p:style>
+          <a:lnRef idx="2">
+            <a:schemeClr val="accent1"/>
+          </a:lnRef>
+          <a:fillRef idx="0">
+            <a:schemeClr val="accent1"/>
+          </a:fillRef>
+          <a:effectRef idx="1">
+            <a:schemeClr val="accent1"/>
+          </a:effectRef>
+          <a:fontRef idx="minor">
+            <a:schemeClr val="tx1"/>
+          </a:fontRef>
+        </p:style>
+      </p:cxnSp>
+      <p:cxnSp>
+        <p:nvCxnSpPr>
+          <p:cNvPr id="10" name="直線コネクタ 9">
+            <a:extLst>
+              <a:ext uri="{FF2B5EF4-FFF2-40B4-BE49-F238E27FC236}">
+                <a16:creationId xmlns:a16="http://schemas.microsoft.com/office/drawing/2014/main" id="{5C9EF168-D227-4E49-BB94-CF2EA18A938C}"/>
+              </a:ext>
+            </a:extLst>
+          </p:cNvPr>
+          <p:cNvCxnSpPr>
+            <a:cxnSpLocks/>
+          </p:cNvCxnSpPr>
+          <p:nvPr/>
+        </p:nvCxnSpPr>
+        <p:spPr>
+          <a:xfrm flipV="1">
+            <a:off x="4716016" y="620688"/>
+            <a:ext cx="0" cy="144016"/>
+          </a:xfrm>
+          <a:prstGeom prst="line">
+            <a:avLst/>
+          </a:prstGeom>
+          <a:ln w="9525">
+            <a:solidFill>
+              <a:schemeClr val="tx1"/>
+            </a:solidFill>
+            <a:headEnd type="none"/>
+            <a:tailEnd type="none"/>
+          </a:ln>
+          <a:effectLst/>
+        </p:spPr>
+        <p:style>
+          <a:lnRef idx="2">
+            <a:schemeClr val="accent1"/>
+          </a:lnRef>
+          <a:fillRef idx="0">
+            <a:schemeClr val="accent1"/>
+          </a:fillRef>
+          <a:effectRef idx="1">
+            <a:schemeClr val="accent1"/>
+          </a:effectRef>
+          <a:fontRef idx="minor">
+            <a:schemeClr val="tx1"/>
+          </a:fontRef>
+        </p:style>
+      </p:cxnSp>
+      <p:cxnSp>
+        <p:nvCxnSpPr>
+          <p:cNvPr id="11" name="直線コネクタ 10">
+            <a:extLst>
+              <a:ext uri="{FF2B5EF4-FFF2-40B4-BE49-F238E27FC236}">
+                <a16:creationId xmlns:a16="http://schemas.microsoft.com/office/drawing/2014/main" id="{64C9FE8A-5A16-674A-9FEB-767E39D32A67}"/>
+              </a:ext>
+            </a:extLst>
+          </p:cNvPr>
+          <p:cNvCxnSpPr>
+            <a:cxnSpLocks/>
+          </p:cNvCxnSpPr>
+          <p:nvPr/>
+        </p:nvCxnSpPr>
+        <p:spPr>
+          <a:xfrm flipV="1">
+            <a:off x="3419872" y="620688"/>
+            <a:ext cx="0" cy="144016"/>
+          </a:xfrm>
+          <a:prstGeom prst="line">
+            <a:avLst/>
+          </a:prstGeom>
+          <a:ln w="9525">
+            <a:solidFill>
+              <a:schemeClr val="tx1"/>
+            </a:solidFill>
+            <a:headEnd type="none"/>
+            <a:tailEnd type="none"/>
+          </a:ln>
+          <a:effectLst/>
+        </p:spPr>
+        <p:style>
+          <a:lnRef idx="2">
+            <a:schemeClr val="accent1"/>
+          </a:lnRef>
+          <a:fillRef idx="0">
+            <a:schemeClr val="accent1"/>
+          </a:fillRef>
+          <a:effectRef idx="1">
+            <a:schemeClr val="accent1"/>
+          </a:effectRef>
+          <a:fontRef idx="minor">
+            <a:schemeClr val="tx1"/>
+          </a:fontRef>
+        </p:style>
+      </p:cxnSp>
+      <p:cxnSp>
+        <p:nvCxnSpPr>
+          <p:cNvPr id="12" name="直線コネクタ 11">
+            <a:extLst>
+              <a:ext uri="{FF2B5EF4-FFF2-40B4-BE49-F238E27FC236}">
+                <a16:creationId xmlns:a16="http://schemas.microsoft.com/office/drawing/2014/main" id="{CFB09F3B-78AA-3448-9371-C95AF07DA916}"/>
+              </a:ext>
+            </a:extLst>
+          </p:cNvPr>
+          <p:cNvCxnSpPr>
+            <a:cxnSpLocks/>
+          </p:cNvCxnSpPr>
+          <p:nvPr/>
+        </p:nvCxnSpPr>
+        <p:spPr>
+          <a:xfrm flipV="1">
+            <a:off x="3851920" y="620688"/>
+            <a:ext cx="0" cy="144016"/>
+          </a:xfrm>
+          <a:prstGeom prst="line">
+            <a:avLst/>
+          </a:prstGeom>
+          <a:ln w="9525">
+            <a:solidFill>
+              <a:schemeClr val="tx1"/>
+            </a:solidFill>
+            <a:headEnd type="none"/>
+            <a:tailEnd type="none"/>
+          </a:ln>
+          <a:effectLst/>
+        </p:spPr>
+        <p:style>
+          <a:lnRef idx="2">
+            <a:schemeClr val="accent1"/>
+          </a:lnRef>
+          <a:fillRef idx="0">
+            <a:schemeClr val="accent1"/>
+          </a:fillRef>
+          <a:effectRef idx="1">
+            <a:schemeClr val="accent1"/>
+          </a:effectRef>
+          <a:fontRef idx="minor">
+            <a:schemeClr val="tx1"/>
+          </a:fontRef>
+        </p:style>
+      </p:cxnSp>
+      <p:cxnSp>
+        <p:nvCxnSpPr>
+          <p:cNvPr id="13" name="直線コネクタ 12">
+            <a:extLst>
+              <a:ext uri="{FF2B5EF4-FFF2-40B4-BE49-F238E27FC236}">
+                <a16:creationId xmlns:a16="http://schemas.microsoft.com/office/drawing/2014/main" id="{F03A0D31-92E6-3A46-8629-765E6A22A70D}"/>
+              </a:ext>
+            </a:extLst>
+          </p:cNvPr>
+          <p:cNvCxnSpPr>
+            <a:cxnSpLocks/>
+          </p:cNvCxnSpPr>
+          <p:nvPr/>
+        </p:nvCxnSpPr>
+        <p:spPr>
+          <a:xfrm flipV="1">
+            <a:off x="5580112" y="620688"/>
+            <a:ext cx="0" cy="144016"/>
+          </a:xfrm>
+          <a:prstGeom prst="line">
+            <a:avLst/>
+          </a:prstGeom>
+          <a:ln w="9525">
+            <a:solidFill>
+              <a:schemeClr val="tx1"/>
+            </a:solidFill>
+            <a:headEnd type="none"/>
+            <a:tailEnd type="none"/>
+          </a:ln>
+          <a:effectLst/>
+        </p:spPr>
+        <p:style>
+          <a:lnRef idx="2">
+            <a:schemeClr val="accent1"/>
+          </a:lnRef>
+          <a:fillRef idx="0">
+            <a:schemeClr val="accent1"/>
+          </a:fillRef>
+          <a:effectRef idx="1">
+            <a:schemeClr val="accent1"/>
+          </a:effectRef>
+          <a:fontRef idx="minor">
+            <a:schemeClr val="tx1"/>
+          </a:fontRef>
+        </p:style>
+      </p:cxnSp>
+      <p:cxnSp>
+        <p:nvCxnSpPr>
+          <p:cNvPr id="14" name="直線コネクタ 13">
+            <a:extLst>
+              <a:ext uri="{FF2B5EF4-FFF2-40B4-BE49-F238E27FC236}">
+                <a16:creationId xmlns:a16="http://schemas.microsoft.com/office/drawing/2014/main" id="{75349B32-AC4C-5742-8BC8-321CF82D7DB7}"/>
+              </a:ext>
+            </a:extLst>
+          </p:cNvPr>
+          <p:cNvCxnSpPr>
+            <a:cxnSpLocks/>
+          </p:cNvCxnSpPr>
+          <p:nvPr/>
+        </p:nvCxnSpPr>
+        <p:spPr>
+          <a:xfrm flipV="1">
+            <a:off x="6012160" y="620688"/>
+            <a:ext cx="0" cy="144016"/>
+          </a:xfrm>
+          <a:prstGeom prst="line">
+            <a:avLst/>
+          </a:prstGeom>
+          <a:ln w="9525">
+            <a:solidFill>
+              <a:schemeClr val="tx1"/>
+            </a:solidFill>
+            <a:headEnd type="none"/>
+            <a:tailEnd type="none"/>
+          </a:ln>
+          <a:effectLst/>
+        </p:spPr>
+        <p:style>
+          <a:lnRef idx="2">
+            <a:schemeClr val="accent1"/>
+          </a:lnRef>
+          <a:fillRef idx="0">
+            <a:schemeClr val="accent1"/>
+          </a:fillRef>
+          <a:effectRef idx="1">
+            <a:schemeClr val="accent1"/>
+          </a:effectRef>
+          <a:fontRef idx="minor">
+            <a:schemeClr val="tx1"/>
+          </a:fontRef>
+        </p:style>
+      </p:cxnSp>
+      <p:cxnSp>
+        <p:nvCxnSpPr>
+          <p:cNvPr id="15" name="直線コネクタ 14">
+            <a:extLst>
+              <a:ext uri="{FF2B5EF4-FFF2-40B4-BE49-F238E27FC236}">
+                <a16:creationId xmlns:a16="http://schemas.microsoft.com/office/drawing/2014/main" id="{FA1F6081-3052-3D46-AD10-5483B42537B0}"/>
+              </a:ext>
+            </a:extLst>
+          </p:cNvPr>
+          <p:cNvCxnSpPr>
+            <a:cxnSpLocks/>
+          </p:cNvCxnSpPr>
+          <p:nvPr/>
+        </p:nvCxnSpPr>
+        <p:spPr>
+          <a:xfrm flipV="1">
+            <a:off x="5148064" y="620688"/>
+            <a:ext cx="0" cy="144016"/>
+          </a:xfrm>
+          <a:prstGeom prst="line">
+            <a:avLst/>
+          </a:prstGeom>
+          <a:ln w="9525">
+            <a:solidFill>
+              <a:schemeClr val="tx1"/>
+            </a:solidFill>
+            <a:headEnd type="none"/>
+            <a:tailEnd type="none"/>
+          </a:ln>
+          <a:effectLst/>
+        </p:spPr>
+        <p:style>
+          <a:lnRef idx="2">
+            <a:schemeClr val="accent1"/>
+          </a:lnRef>
+          <a:fillRef idx="0">
+            <a:schemeClr val="accent1"/>
+          </a:fillRef>
+          <a:effectRef idx="1">
+            <a:schemeClr val="accent1"/>
+          </a:effectRef>
+          <a:fontRef idx="minor">
+            <a:schemeClr val="tx1"/>
+          </a:fontRef>
+        </p:style>
+      </p:cxnSp>
+      <p:cxnSp>
+        <p:nvCxnSpPr>
+          <p:cNvPr id="16" name="直線コネクタ 15">
+            <a:extLst>
+              <a:ext uri="{FF2B5EF4-FFF2-40B4-BE49-F238E27FC236}">
+                <a16:creationId xmlns:a16="http://schemas.microsoft.com/office/drawing/2014/main" id="{C1DADD28-6B9F-2843-9D74-83E1A68DC0A9}"/>
+              </a:ext>
+            </a:extLst>
+          </p:cNvPr>
+          <p:cNvCxnSpPr>
+            <a:cxnSpLocks/>
+          </p:cNvCxnSpPr>
+          <p:nvPr/>
+        </p:nvCxnSpPr>
+        <p:spPr>
+          <a:xfrm flipV="1">
+            <a:off x="2987824" y="620688"/>
+            <a:ext cx="0" cy="144016"/>
+          </a:xfrm>
+          <a:prstGeom prst="line">
+            <a:avLst/>
+          </a:prstGeom>
+          <a:ln w="9525">
+            <a:solidFill>
+              <a:schemeClr val="tx1"/>
+            </a:solidFill>
+            <a:headEnd type="none"/>
+            <a:tailEnd type="none"/>
+          </a:ln>
+          <a:effectLst/>
+        </p:spPr>
+        <p:style>
+          <a:lnRef idx="2">
+            <a:schemeClr val="accent1"/>
+          </a:lnRef>
+          <a:fillRef idx="0">
+            <a:schemeClr val="accent1"/>
+          </a:fillRef>
+          <a:effectRef idx="1">
+            <a:schemeClr val="accent1"/>
+          </a:effectRef>
+          <a:fontRef idx="minor">
+            <a:schemeClr val="tx1"/>
+          </a:fontRef>
+        </p:style>
+      </p:cxnSp>
+      <p:sp>
+        <p:nvSpPr>
+          <p:cNvPr id="17" name="円/楕円 16">
+            <a:extLst>
+              <a:ext uri="{FF2B5EF4-FFF2-40B4-BE49-F238E27FC236}">
+                <a16:creationId xmlns:a16="http://schemas.microsoft.com/office/drawing/2014/main" id="{8A7FC38F-CDDB-AA46-830E-5EF5CFBFFBC4}"/>
+              </a:ext>
+            </a:extLst>
+          </p:cNvPr>
+          <p:cNvSpPr/>
+          <p:nvPr/>
+        </p:nvSpPr>
+        <p:spPr>
+          <a:xfrm>
+            <a:off x="4211960" y="476672"/>
+            <a:ext cx="144016" cy="144016"/>
+          </a:xfrm>
+          <a:prstGeom prst="ellipse">
+            <a:avLst/>
+          </a:prstGeom>
+          <a:solidFill>
+            <a:srgbClr val="FF0000"/>
+          </a:solidFill>
+          <a:ln>
+            <a:solidFill>
+              <a:schemeClr val="tx1"/>
+            </a:solidFill>
+          </a:ln>
+        </p:spPr>
+        <p:txBody>
+          <a:bodyPr wrap="square" rtlCol="0" anchor="ctr">
+            <a:spAutoFit/>
+          </a:bodyPr>
+          <a:lstStyle/>
+          <a:p>
+            <a:pPr algn="ctr"/>
+            <a:endParaRPr kumimoji="1" lang="ja-JP" altLang="en-US" sz="2400" dirty="0"/>
+          </a:p>
+        </p:txBody>
+      </p:sp>
+      <p:sp>
+        <p:nvSpPr>
+          <p:cNvPr id="18" name="フリーフォーム 17">
+            <a:extLst>
+              <a:ext uri="{FF2B5EF4-FFF2-40B4-BE49-F238E27FC236}">
+                <a16:creationId xmlns:a16="http://schemas.microsoft.com/office/drawing/2014/main" id="{FFA8054D-EBF2-9342-9DE7-337913CCFE73}"/>
+              </a:ext>
+            </a:extLst>
+          </p:cNvPr>
+          <p:cNvSpPr/>
+          <p:nvPr/>
+        </p:nvSpPr>
+        <p:spPr>
+          <a:xfrm>
+            <a:off x="4355976" y="260648"/>
+            <a:ext cx="340822" cy="166328"/>
+          </a:xfrm>
+          <a:custGeom>
+            <a:avLst/>
+            <a:gdLst>
+              <a:gd name="connsiteX0" fmla="*/ 0 w 340822"/>
+              <a:gd name="connsiteY0" fmla="*/ 166328 h 166328"/>
+              <a:gd name="connsiteX1" fmla="*/ 166254 w 340822"/>
+              <a:gd name="connsiteY1" fmla="*/ 73 h 166328"/>
+              <a:gd name="connsiteX2" fmla="*/ 340822 w 340822"/>
+              <a:gd name="connsiteY2" fmla="*/ 149702 h 166328"/>
+            </a:gdLst>
+            <a:ahLst/>
+            <a:cxnLst>
+              <a:cxn ang="0">
+                <a:pos x="connsiteX0" y="connsiteY0"/>
+              </a:cxn>
+              <a:cxn ang="0">
+                <a:pos x="connsiteX1" y="connsiteY1"/>
+              </a:cxn>
+              <a:cxn ang="0">
+                <a:pos x="connsiteX2" y="connsiteY2"/>
+              </a:cxn>
+            </a:cxnLst>
+            <a:rect l="l" t="t" r="r" b="b"/>
+            <a:pathLst>
+              <a:path w="340822" h="166328">
+                <a:moveTo>
+                  <a:pt x="0" y="166328"/>
+                </a:moveTo>
+                <a:cubicBezTo>
+                  <a:pt x="54725" y="84586"/>
+                  <a:pt x="109450" y="2844"/>
+                  <a:pt x="166254" y="73"/>
+                </a:cubicBezTo>
+                <a:cubicBezTo>
+                  <a:pt x="223058" y="-2698"/>
+                  <a:pt x="281940" y="73502"/>
+                  <a:pt x="340822" y="149702"/>
+                </a:cubicBezTo>
+              </a:path>
+            </a:pathLst>
+          </a:custGeom>
+          <a:noFill/>
+          <a:ln>
+            <a:solidFill>
+              <a:schemeClr val="tx1"/>
+            </a:solidFill>
+            <a:headEnd type="none" w="med" len="med"/>
+            <a:tailEnd type="triangle" w="med" len="med"/>
+          </a:ln>
+        </p:spPr>
+        <p:txBody>
+          <a:bodyPr rtlCol="0" anchor="ctr"/>
+          <a:lstStyle/>
+          <a:p>
+            <a:pPr algn="ctr"/>
+            <a:endParaRPr kumimoji="1" lang="ja-JP" altLang="en-US"/>
+          </a:p>
+        </p:txBody>
+      </p:sp>
+      <p:sp>
+        <p:nvSpPr>
+          <p:cNvPr id="19" name="フリーフォーム 18">
+            <a:extLst>
+              <a:ext uri="{FF2B5EF4-FFF2-40B4-BE49-F238E27FC236}">
+                <a16:creationId xmlns:a16="http://schemas.microsoft.com/office/drawing/2014/main" id="{180E5F9C-7B14-554A-9AFA-B7F5DF9F0517}"/>
+              </a:ext>
+            </a:extLst>
+          </p:cNvPr>
+          <p:cNvSpPr/>
+          <p:nvPr/>
+        </p:nvSpPr>
+        <p:spPr>
+          <a:xfrm flipH="1">
+            <a:off x="3851920" y="260648"/>
+            <a:ext cx="358002" cy="174712"/>
+          </a:xfrm>
+          <a:custGeom>
+            <a:avLst/>
+            <a:gdLst>
+              <a:gd name="connsiteX0" fmla="*/ 0 w 340822"/>
+              <a:gd name="connsiteY0" fmla="*/ 166328 h 166328"/>
+              <a:gd name="connsiteX1" fmla="*/ 166254 w 340822"/>
+              <a:gd name="connsiteY1" fmla="*/ 73 h 166328"/>
+              <a:gd name="connsiteX2" fmla="*/ 340822 w 340822"/>
+              <a:gd name="connsiteY2" fmla="*/ 149702 h 166328"/>
+            </a:gdLst>
+            <a:ahLst/>
+            <a:cxnLst>
+              <a:cxn ang="0">
+                <a:pos x="connsiteX0" y="connsiteY0"/>
+              </a:cxn>
+              <a:cxn ang="0">
+                <a:pos x="connsiteX1" y="connsiteY1"/>
+              </a:cxn>
+              <a:cxn ang="0">
+                <a:pos x="connsiteX2" y="connsiteY2"/>
+              </a:cxn>
+            </a:cxnLst>
+            <a:rect l="l" t="t" r="r" b="b"/>
+            <a:pathLst>
+              <a:path w="340822" h="166328">
+                <a:moveTo>
+                  <a:pt x="0" y="166328"/>
+                </a:moveTo>
+                <a:cubicBezTo>
+                  <a:pt x="54725" y="84586"/>
+                  <a:pt x="109450" y="2844"/>
+                  <a:pt x="166254" y="73"/>
+                </a:cubicBezTo>
+                <a:cubicBezTo>
+                  <a:pt x="223058" y="-2698"/>
+                  <a:pt x="281940" y="73502"/>
+                  <a:pt x="340822" y="149702"/>
+                </a:cubicBezTo>
+              </a:path>
+            </a:pathLst>
+          </a:custGeom>
+          <a:noFill/>
+          <a:ln>
+            <a:solidFill>
+              <a:schemeClr val="tx1"/>
+            </a:solidFill>
+            <a:headEnd type="none" w="med" len="med"/>
+            <a:tailEnd type="triangle" w="med" len="med"/>
+          </a:ln>
+        </p:spPr>
+        <p:txBody>
+          <a:bodyPr rtlCol="0" anchor="ctr"/>
+          <a:lstStyle/>
+          <a:p>
+            <a:pPr algn="ctr"/>
+            <a:endParaRPr kumimoji="1" lang="ja-JP" altLang="en-US"/>
+          </a:p>
+        </p:txBody>
+      </p:sp>
+      <p:cxnSp>
+        <p:nvCxnSpPr>
+          <p:cNvPr id="21" name="直線矢印コネクタ 20">
+            <a:extLst>
+              <a:ext uri="{FF2B5EF4-FFF2-40B4-BE49-F238E27FC236}">
+                <a16:creationId xmlns:a16="http://schemas.microsoft.com/office/drawing/2014/main" id="{519D00B9-6748-4046-B192-9F432D61110D}"/>
+              </a:ext>
+            </a:extLst>
+          </p:cNvPr>
+          <p:cNvCxnSpPr/>
+          <p:nvPr/>
+        </p:nvCxnSpPr>
+        <p:spPr>
+          <a:xfrm>
+            <a:off x="4283968" y="908720"/>
+            <a:ext cx="432048" cy="0"/>
+          </a:xfrm>
+          <a:prstGeom prst="straightConnector1">
+            <a:avLst/>
+          </a:prstGeom>
+          <a:ln w="9525">
+            <a:solidFill>
+              <a:schemeClr val="tx1"/>
+            </a:solidFill>
+            <a:headEnd type="triangle"/>
+            <a:tailEnd type="triangle"/>
+          </a:ln>
+          <a:effectLst/>
+        </p:spPr>
+        <p:style>
+          <a:lnRef idx="2">
+            <a:schemeClr val="accent1"/>
+          </a:lnRef>
+          <a:fillRef idx="0">
+            <a:schemeClr val="accent1"/>
+          </a:fillRef>
+          <a:effectRef idx="1">
+            <a:schemeClr val="accent1"/>
+          </a:effectRef>
+          <a:fontRef idx="minor">
+            <a:schemeClr val="tx1"/>
+          </a:fontRef>
+        </p:style>
+      </p:cxnSp>
+      <p:sp>
+        <p:nvSpPr>
+          <p:cNvPr id="22" name="テキスト ボックス 21">
+            <a:extLst>
+              <a:ext uri="{FF2B5EF4-FFF2-40B4-BE49-F238E27FC236}">
+                <a16:creationId xmlns:a16="http://schemas.microsoft.com/office/drawing/2014/main" id="{2919B630-B6CB-7F4F-87CE-4108FAE476F9}"/>
+              </a:ext>
+            </a:extLst>
+          </p:cNvPr>
+          <p:cNvSpPr txBox="1"/>
+          <p:nvPr/>
+        </p:nvSpPr>
+        <p:spPr>
+          <a:xfrm>
+            <a:off x="4355976" y="908720"/>
+            <a:ext cx="306494" cy="369332"/>
+          </a:xfrm>
+          <a:prstGeom prst="rect">
+            <a:avLst/>
+          </a:prstGeom>
+          <a:noFill/>
+        </p:spPr>
+        <p:txBody>
+          <a:bodyPr wrap="none" rtlCol="0">
+            <a:spAutoFit/>
+          </a:bodyPr>
+          <a:lstStyle/>
+          <a:p>
+            <a:r>
+              <a:rPr kumimoji="1" lang="en-US" altLang="ja-JP" dirty="0"/>
+              <a:t>h</a:t>
+            </a:r>
+            <a:endParaRPr kumimoji="1" lang="ja-JP" altLang="en-US" dirty="0"/>
+          </a:p>
+        </p:txBody>
+      </p:sp>
+      <p:sp>
+        <p:nvSpPr>
+          <p:cNvPr id="23" name="テキスト ボックス 22">
+            <a:extLst>
+              <a:ext uri="{FF2B5EF4-FFF2-40B4-BE49-F238E27FC236}">
+                <a16:creationId xmlns:a16="http://schemas.microsoft.com/office/drawing/2014/main" id="{1C783F78-F72C-344C-9346-E5CBDDAF4025}"/>
+              </a:ext>
+            </a:extLst>
+          </p:cNvPr>
+          <p:cNvSpPr txBox="1"/>
+          <p:nvPr/>
+        </p:nvSpPr>
+        <p:spPr>
+          <a:xfrm>
+            <a:off x="6228184" y="539388"/>
+            <a:ext cx="284052" cy="369332"/>
+          </a:xfrm>
+          <a:prstGeom prst="rect">
+            <a:avLst/>
+          </a:prstGeom>
+          <a:noFill/>
+        </p:spPr>
+        <p:txBody>
+          <a:bodyPr wrap="none" rtlCol="0">
+            <a:spAutoFit/>
+          </a:bodyPr>
+          <a:lstStyle/>
+          <a:p>
+            <a:r>
+              <a:rPr kumimoji="1" lang="en-US" altLang="ja-JP" dirty="0"/>
+              <a:t>x</a:t>
+            </a:r>
+            <a:endParaRPr kumimoji="1" lang="ja-JP" altLang="en-US" dirty="0"/>
+          </a:p>
+        </p:txBody>
+      </p:sp>
+      <p:grpSp>
+        <p:nvGrpSpPr>
+          <p:cNvPr id="82" name="グループ化 81">
+            <a:extLst>
+              <a:ext uri="{FF2B5EF4-FFF2-40B4-BE49-F238E27FC236}">
+                <a16:creationId xmlns:a16="http://schemas.microsoft.com/office/drawing/2014/main" id="{DF8DD63D-D3E8-8146-861B-96EBE7722A4E}"/>
+              </a:ext>
+            </a:extLst>
+          </p:cNvPr>
+          <p:cNvGrpSpPr/>
+          <p:nvPr/>
+        </p:nvGrpSpPr>
+        <p:grpSpPr>
+          <a:xfrm>
+            <a:off x="251520" y="2348880"/>
+            <a:ext cx="2659484" cy="1177562"/>
+            <a:chOff x="683568" y="1988840"/>
+            <a:chExt cx="3740436" cy="1656184"/>
+          </a:xfrm>
+        </p:grpSpPr>
+        <p:cxnSp>
+          <p:nvCxnSpPr>
+            <p:cNvPr id="24" name="直線矢印コネクタ 23">
+              <a:extLst>
+                <a:ext uri="{FF2B5EF4-FFF2-40B4-BE49-F238E27FC236}">
+                  <a16:creationId xmlns:a16="http://schemas.microsoft.com/office/drawing/2014/main" id="{9DCBA405-AF58-B649-BDF3-7086432DA7E9}"/>
+                </a:ext>
+              </a:extLst>
+            </p:cNvPr>
+            <p:cNvCxnSpPr>
+              <a:cxnSpLocks/>
+            </p:cNvCxnSpPr>
+            <p:nvPr/>
+          </p:nvCxnSpPr>
+          <p:spPr>
+            <a:xfrm>
+              <a:off x="683568" y="3429000"/>
+              <a:ext cx="3384376" cy="0"/>
+            </a:xfrm>
+            <a:prstGeom prst="straightConnector1">
+              <a:avLst/>
+            </a:prstGeom>
+            <a:ln w="9525">
+              <a:solidFill>
+                <a:schemeClr val="tx1"/>
+              </a:solidFill>
+              <a:headEnd type="none"/>
+              <a:tailEnd type="triangle"/>
+            </a:ln>
+            <a:effectLst/>
+          </p:spPr>
+          <p:style>
+            <a:lnRef idx="2">
+              <a:schemeClr val="accent1"/>
+            </a:lnRef>
+            <a:fillRef idx="0">
+              <a:schemeClr val="accent1"/>
+            </a:fillRef>
+            <a:effectRef idx="1">
+              <a:schemeClr val="accent1"/>
+            </a:effectRef>
+            <a:fontRef idx="minor">
+              <a:schemeClr val="tx1"/>
+            </a:fontRef>
+          </p:style>
+        </p:cxnSp>
+        <p:cxnSp>
+          <p:nvCxnSpPr>
+            <p:cNvPr id="25" name="直線コネクタ 24">
+              <a:extLst>
+                <a:ext uri="{FF2B5EF4-FFF2-40B4-BE49-F238E27FC236}">
+                  <a16:creationId xmlns:a16="http://schemas.microsoft.com/office/drawing/2014/main" id="{6BB06D74-7444-CF40-8AD2-956F2420F753}"/>
+                </a:ext>
+              </a:extLst>
+            </p:cNvPr>
+            <p:cNvCxnSpPr>
+              <a:cxnSpLocks/>
+            </p:cNvCxnSpPr>
+            <p:nvPr/>
+          </p:nvCxnSpPr>
+          <p:spPr>
+            <a:xfrm flipV="1">
+              <a:off x="2195736" y="3356992"/>
+              <a:ext cx="0" cy="144016"/>
+            </a:xfrm>
+            <a:prstGeom prst="line">
+              <a:avLst/>
+            </a:prstGeom>
+            <a:ln w="9525">
+              <a:solidFill>
+                <a:schemeClr val="tx1"/>
+              </a:solidFill>
+              <a:headEnd type="none"/>
+              <a:tailEnd type="none"/>
+            </a:ln>
+            <a:effectLst/>
+          </p:spPr>
+          <p:style>
+            <a:lnRef idx="2">
+              <a:schemeClr val="accent1"/>
+            </a:lnRef>
+            <a:fillRef idx="0">
+              <a:schemeClr val="accent1"/>
+            </a:fillRef>
+            <a:effectRef idx="1">
+              <a:schemeClr val="accent1"/>
+            </a:effectRef>
+            <a:fontRef idx="minor">
+              <a:schemeClr val="tx1"/>
+            </a:fontRef>
+          </p:style>
+        </p:cxnSp>
+        <p:cxnSp>
+          <p:nvCxnSpPr>
+            <p:cNvPr id="26" name="直線コネクタ 25">
+              <a:extLst>
+                <a:ext uri="{FF2B5EF4-FFF2-40B4-BE49-F238E27FC236}">
+                  <a16:creationId xmlns:a16="http://schemas.microsoft.com/office/drawing/2014/main" id="{CE2ACEA2-7DDF-E04E-8CC5-E660A11651CE}"/>
+                </a:ext>
+              </a:extLst>
+            </p:cNvPr>
+            <p:cNvCxnSpPr>
+              <a:cxnSpLocks/>
+            </p:cNvCxnSpPr>
+            <p:nvPr/>
+          </p:nvCxnSpPr>
+          <p:spPr>
+            <a:xfrm flipV="1">
+              <a:off x="2627784" y="3356992"/>
+              <a:ext cx="0" cy="144016"/>
+            </a:xfrm>
+            <a:prstGeom prst="line">
+              <a:avLst/>
+            </a:prstGeom>
+            <a:ln w="9525">
+              <a:solidFill>
+                <a:schemeClr val="tx1"/>
+              </a:solidFill>
+              <a:headEnd type="none"/>
+              <a:tailEnd type="none"/>
+            </a:ln>
+            <a:effectLst/>
+          </p:spPr>
+          <p:style>
+            <a:lnRef idx="2">
+              <a:schemeClr val="accent1"/>
+            </a:lnRef>
+            <a:fillRef idx="0">
+              <a:schemeClr val="accent1"/>
+            </a:fillRef>
+            <a:effectRef idx="1">
+              <a:schemeClr val="accent1"/>
+            </a:effectRef>
+            <a:fontRef idx="minor">
+              <a:schemeClr val="tx1"/>
+            </a:fontRef>
+          </p:style>
+        </p:cxnSp>
+        <p:cxnSp>
+          <p:nvCxnSpPr>
+            <p:cNvPr id="27" name="直線コネクタ 26">
+              <a:extLst>
+                <a:ext uri="{FF2B5EF4-FFF2-40B4-BE49-F238E27FC236}">
+                  <a16:creationId xmlns:a16="http://schemas.microsoft.com/office/drawing/2014/main" id="{9F6A041F-77E1-1B40-84FB-6CF017D6015F}"/>
+                </a:ext>
+              </a:extLst>
+            </p:cNvPr>
+            <p:cNvCxnSpPr>
+              <a:cxnSpLocks/>
+            </p:cNvCxnSpPr>
+            <p:nvPr/>
+          </p:nvCxnSpPr>
+          <p:spPr>
+            <a:xfrm flipV="1">
+              <a:off x="1331640" y="3356992"/>
+              <a:ext cx="0" cy="144016"/>
+            </a:xfrm>
+            <a:prstGeom prst="line">
+              <a:avLst/>
+            </a:prstGeom>
+            <a:ln w="9525">
+              <a:solidFill>
+                <a:schemeClr val="tx1"/>
+              </a:solidFill>
+              <a:headEnd type="none"/>
+              <a:tailEnd type="none"/>
+            </a:ln>
+            <a:effectLst/>
+          </p:spPr>
+          <p:style>
+            <a:lnRef idx="2">
+              <a:schemeClr val="accent1"/>
+            </a:lnRef>
+            <a:fillRef idx="0">
+              <a:schemeClr val="accent1"/>
+            </a:fillRef>
+            <a:effectRef idx="1">
+              <a:schemeClr val="accent1"/>
+            </a:effectRef>
+            <a:fontRef idx="minor">
+              <a:schemeClr val="tx1"/>
+            </a:fontRef>
+          </p:style>
+        </p:cxnSp>
+        <p:cxnSp>
+          <p:nvCxnSpPr>
+            <p:cNvPr id="28" name="直線コネクタ 27">
+              <a:extLst>
+                <a:ext uri="{FF2B5EF4-FFF2-40B4-BE49-F238E27FC236}">
+                  <a16:creationId xmlns:a16="http://schemas.microsoft.com/office/drawing/2014/main" id="{6136C234-34AE-FC4A-980E-EE0F6624A2FF}"/>
+                </a:ext>
+              </a:extLst>
+            </p:cNvPr>
+            <p:cNvCxnSpPr>
+              <a:cxnSpLocks/>
+            </p:cNvCxnSpPr>
+            <p:nvPr/>
+          </p:nvCxnSpPr>
+          <p:spPr>
+            <a:xfrm flipV="1">
+              <a:off x="1763688" y="3356992"/>
+              <a:ext cx="0" cy="144016"/>
+            </a:xfrm>
+            <a:prstGeom prst="line">
+              <a:avLst/>
+            </a:prstGeom>
+            <a:ln w="9525">
+              <a:solidFill>
+                <a:schemeClr val="tx1"/>
+              </a:solidFill>
+              <a:headEnd type="none"/>
+              <a:tailEnd type="none"/>
+            </a:ln>
+            <a:effectLst/>
+          </p:spPr>
+          <p:style>
+            <a:lnRef idx="2">
+              <a:schemeClr val="accent1"/>
+            </a:lnRef>
+            <a:fillRef idx="0">
+              <a:schemeClr val="accent1"/>
+            </a:fillRef>
+            <a:effectRef idx="1">
+              <a:schemeClr val="accent1"/>
+            </a:effectRef>
+            <a:fontRef idx="minor">
+              <a:schemeClr val="tx1"/>
+            </a:fontRef>
+          </p:style>
+        </p:cxnSp>
+        <p:cxnSp>
+          <p:nvCxnSpPr>
+            <p:cNvPr id="29" name="直線コネクタ 28">
+              <a:extLst>
+                <a:ext uri="{FF2B5EF4-FFF2-40B4-BE49-F238E27FC236}">
+                  <a16:creationId xmlns:a16="http://schemas.microsoft.com/office/drawing/2014/main" id="{CA265FF8-F724-184F-B506-4BD962C492CA}"/>
+                </a:ext>
+              </a:extLst>
+            </p:cNvPr>
+            <p:cNvCxnSpPr>
+              <a:cxnSpLocks/>
+            </p:cNvCxnSpPr>
+            <p:nvPr/>
+          </p:nvCxnSpPr>
+          <p:spPr>
+            <a:xfrm flipV="1">
+              <a:off x="3491880" y="3356992"/>
+              <a:ext cx="0" cy="144016"/>
+            </a:xfrm>
+            <a:prstGeom prst="line">
+              <a:avLst/>
+            </a:prstGeom>
+            <a:ln w="9525">
+              <a:solidFill>
+                <a:schemeClr val="tx1"/>
+              </a:solidFill>
+              <a:headEnd type="none"/>
+              <a:tailEnd type="none"/>
+            </a:ln>
+            <a:effectLst/>
+          </p:spPr>
+          <p:style>
+            <a:lnRef idx="2">
+              <a:schemeClr val="accent1"/>
+            </a:lnRef>
+            <a:fillRef idx="0">
+              <a:schemeClr val="accent1"/>
+            </a:fillRef>
+            <a:effectRef idx="1">
+              <a:schemeClr val="accent1"/>
+            </a:effectRef>
+            <a:fontRef idx="minor">
+              <a:schemeClr val="tx1"/>
+            </a:fontRef>
+          </p:style>
+        </p:cxnSp>
+        <p:cxnSp>
+          <p:nvCxnSpPr>
+            <p:cNvPr id="30" name="直線コネクタ 29">
+              <a:extLst>
+                <a:ext uri="{FF2B5EF4-FFF2-40B4-BE49-F238E27FC236}">
+                  <a16:creationId xmlns:a16="http://schemas.microsoft.com/office/drawing/2014/main" id="{E9D3FFE8-BB7F-1A49-BA83-94A7351C04AC}"/>
+                </a:ext>
+              </a:extLst>
+            </p:cNvPr>
+            <p:cNvCxnSpPr>
+              <a:cxnSpLocks/>
+            </p:cNvCxnSpPr>
+            <p:nvPr/>
+          </p:nvCxnSpPr>
+          <p:spPr>
+            <a:xfrm flipV="1">
+              <a:off x="3923928" y="3356992"/>
+              <a:ext cx="0" cy="144016"/>
+            </a:xfrm>
+            <a:prstGeom prst="line">
+              <a:avLst/>
+            </a:prstGeom>
+            <a:ln w="9525">
+              <a:solidFill>
+                <a:schemeClr val="tx1"/>
+              </a:solidFill>
+              <a:headEnd type="none"/>
+              <a:tailEnd type="none"/>
+            </a:ln>
+            <a:effectLst/>
+          </p:spPr>
+          <p:style>
+            <a:lnRef idx="2">
+              <a:schemeClr val="accent1"/>
+            </a:lnRef>
+            <a:fillRef idx="0">
+              <a:schemeClr val="accent1"/>
+            </a:fillRef>
+            <a:effectRef idx="1">
+              <a:schemeClr val="accent1"/>
+            </a:effectRef>
+            <a:fontRef idx="minor">
+              <a:schemeClr val="tx1"/>
+            </a:fontRef>
+          </p:style>
+        </p:cxnSp>
+        <p:cxnSp>
+          <p:nvCxnSpPr>
+            <p:cNvPr id="31" name="直線コネクタ 30">
+              <a:extLst>
+                <a:ext uri="{FF2B5EF4-FFF2-40B4-BE49-F238E27FC236}">
+                  <a16:creationId xmlns:a16="http://schemas.microsoft.com/office/drawing/2014/main" id="{79CC0747-D560-F648-89F5-C0CBD8047442}"/>
+                </a:ext>
+              </a:extLst>
+            </p:cNvPr>
+            <p:cNvCxnSpPr>
+              <a:cxnSpLocks/>
+            </p:cNvCxnSpPr>
+            <p:nvPr/>
+          </p:nvCxnSpPr>
+          <p:spPr>
+            <a:xfrm flipV="1">
+              <a:off x="3059832" y="3356992"/>
+              <a:ext cx="0" cy="144016"/>
+            </a:xfrm>
+            <a:prstGeom prst="line">
+              <a:avLst/>
+            </a:prstGeom>
+            <a:ln w="9525">
+              <a:solidFill>
+                <a:schemeClr val="tx1"/>
+              </a:solidFill>
+              <a:headEnd type="none"/>
+              <a:tailEnd type="none"/>
+            </a:ln>
+            <a:effectLst/>
+          </p:spPr>
+          <p:style>
+            <a:lnRef idx="2">
+              <a:schemeClr val="accent1"/>
+            </a:lnRef>
+            <a:fillRef idx="0">
+              <a:schemeClr val="accent1"/>
+            </a:fillRef>
+            <a:effectRef idx="1">
+              <a:schemeClr val="accent1"/>
+            </a:effectRef>
+            <a:fontRef idx="minor">
+              <a:schemeClr val="tx1"/>
+            </a:fontRef>
+          </p:style>
+        </p:cxnSp>
+        <p:cxnSp>
+          <p:nvCxnSpPr>
+            <p:cNvPr id="32" name="直線コネクタ 31">
+              <a:extLst>
+                <a:ext uri="{FF2B5EF4-FFF2-40B4-BE49-F238E27FC236}">
+                  <a16:creationId xmlns:a16="http://schemas.microsoft.com/office/drawing/2014/main" id="{91CF6B22-BEB5-284C-9FCD-8CB884E201BF}"/>
+                </a:ext>
+              </a:extLst>
+            </p:cNvPr>
+            <p:cNvCxnSpPr>
+              <a:cxnSpLocks/>
+            </p:cNvCxnSpPr>
+            <p:nvPr/>
+          </p:nvCxnSpPr>
+          <p:spPr>
+            <a:xfrm flipV="1">
+              <a:off x="899592" y="3356992"/>
+              <a:ext cx="0" cy="144016"/>
+            </a:xfrm>
+            <a:prstGeom prst="line">
+              <a:avLst/>
+            </a:prstGeom>
+            <a:ln w="9525">
+              <a:solidFill>
+                <a:schemeClr val="tx1"/>
+              </a:solidFill>
+              <a:headEnd type="none"/>
+              <a:tailEnd type="none"/>
+            </a:ln>
+            <a:effectLst/>
+          </p:spPr>
+          <p:style>
+            <a:lnRef idx="2">
+              <a:schemeClr val="accent1"/>
+            </a:lnRef>
+            <a:fillRef idx="0">
+              <a:schemeClr val="accent1"/>
+            </a:fillRef>
+            <a:effectRef idx="1">
+              <a:schemeClr val="accent1"/>
+            </a:effectRef>
+            <a:fontRef idx="minor">
+              <a:schemeClr val="tx1"/>
+            </a:fontRef>
+          </p:style>
+        </p:cxnSp>
+        <p:sp>
+          <p:nvSpPr>
+            <p:cNvPr id="34" name="テキスト ボックス 33">
+              <a:extLst>
+                <a:ext uri="{FF2B5EF4-FFF2-40B4-BE49-F238E27FC236}">
+                  <a16:creationId xmlns:a16="http://schemas.microsoft.com/office/drawing/2014/main" id="{23C89202-8219-864B-921B-DDFCFE0884ED}"/>
+                </a:ext>
+              </a:extLst>
+            </p:cNvPr>
+            <p:cNvSpPr txBox="1"/>
+            <p:nvPr/>
+          </p:nvSpPr>
+          <p:spPr>
+            <a:xfrm>
+              <a:off x="4139952" y="3275692"/>
+              <a:ext cx="284052" cy="369332"/>
+            </a:xfrm>
+            <a:prstGeom prst="rect">
+              <a:avLst/>
+            </a:prstGeom>
+            <a:noFill/>
+          </p:spPr>
+          <p:txBody>
+            <a:bodyPr wrap="none" rtlCol="0">
+              <a:spAutoFit/>
+            </a:bodyPr>
+            <a:lstStyle/>
+            <a:p>
+              <a:r>
+                <a:rPr kumimoji="1" lang="en-US" altLang="ja-JP" dirty="0"/>
+                <a:t>x</a:t>
+              </a:r>
+              <a:endParaRPr kumimoji="1" lang="ja-JP" altLang="en-US" dirty="0"/>
+            </a:p>
+          </p:txBody>
+        </p:sp>
+        <p:sp>
+          <p:nvSpPr>
+            <p:cNvPr id="41" name="正方形/長方形 40">
+              <a:extLst>
+                <a:ext uri="{FF2B5EF4-FFF2-40B4-BE49-F238E27FC236}">
+                  <a16:creationId xmlns:a16="http://schemas.microsoft.com/office/drawing/2014/main" id="{11D9EBC5-7717-BB4E-9332-50476D000247}"/>
+                </a:ext>
+              </a:extLst>
+            </p:cNvPr>
+            <p:cNvSpPr/>
+            <p:nvPr/>
+          </p:nvSpPr>
+          <p:spPr>
+            <a:xfrm>
+              <a:off x="2195736" y="1988840"/>
+              <a:ext cx="432048" cy="1440160"/>
+            </a:xfrm>
+            <a:prstGeom prst="rect">
+              <a:avLst/>
+            </a:prstGeom>
+            <a:solidFill>
+              <a:srgbClr val="FF0000"/>
+            </a:solidFill>
+            <a:ln>
+              <a:solidFill>
+                <a:schemeClr val="tx1"/>
+              </a:solidFill>
+            </a:ln>
+          </p:spPr>
+          <p:txBody>
+            <a:bodyPr wrap="square" rtlCol="0" anchor="ctr">
+              <a:spAutoFit/>
+            </a:bodyPr>
+            <a:lstStyle/>
+            <a:p>
+              <a:pPr algn="ctr"/>
+              <a:endParaRPr kumimoji="1" lang="ja-JP" altLang="en-US" sz="2400" dirty="0"/>
+            </a:p>
+          </p:txBody>
+        </p:sp>
+        <p:sp>
+          <p:nvSpPr>
+            <p:cNvPr id="42" name="正方形/長方形 41">
+              <a:extLst>
+                <a:ext uri="{FF2B5EF4-FFF2-40B4-BE49-F238E27FC236}">
+                  <a16:creationId xmlns:a16="http://schemas.microsoft.com/office/drawing/2014/main" id="{A2850F90-CDF5-D14B-87D7-87CCCE15308D}"/>
+                </a:ext>
+              </a:extLst>
+            </p:cNvPr>
+            <p:cNvSpPr/>
+            <p:nvPr/>
+          </p:nvSpPr>
+          <p:spPr>
+            <a:xfrm>
+              <a:off x="1763688" y="2564904"/>
+              <a:ext cx="432048" cy="864096"/>
+            </a:xfrm>
+            <a:prstGeom prst="rect">
+              <a:avLst/>
+            </a:prstGeom>
+            <a:solidFill>
+              <a:srgbClr val="FF0000"/>
+            </a:solidFill>
+            <a:ln>
+              <a:solidFill>
+                <a:schemeClr val="tx1"/>
+              </a:solidFill>
+            </a:ln>
+          </p:spPr>
+          <p:txBody>
+            <a:bodyPr wrap="square" rtlCol="0" anchor="ctr">
+              <a:spAutoFit/>
+            </a:bodyPr>
+            <a:lstStyle/>
+            <a:p>
+              <a:pPr algn="ctr"/>
+              <a:endParaRPr kumimoji="1" lang="ja-JP" altLang="en-US" sz="2400" dirty="0"/>
+            </a:p>
+          </p:txBody>
+        </p:sp>
+        <p:sp>
+          <p:nvSpPr>
+            <p:cNvPr id="43" name="正方形/長方形 42">
+              <a:extLst>
+                <a:ext uri="{FF2B5EF4-FFF2-40B4-BE49-F238E27FC236}">
+                  <a16:creationId xmlns:a16="http://schemas.microsoft.com/office/drawing/2014/main" id="{EBF499CF-0DFE-5348-8B59-4642C3CE1A3A}"/>
+                </a:ext>
+              </a:extLst>
+            </p:cNvPr>
+            <p:cNvSpPr/>
+            <p:nvPr/>
+          </p:nvSpPr>
+          <p:spPr>
+            <a:xfrm>
+              <a:off x="2627784" y="2564904"/>
+              <a:ext cx="432048" cy="864096"/>
+            </a:xfrm>
+            <a:prstGeom prst="rect">
+              <a:avLst/>
+            </a:prstGeom>
+            <a:solidFill>
+              <a:srgbClr val="FF0000"/>
+            </a:solidFill>
+            <a:ln>
+              <a:solidFill>
+                <a:schemeClr val="tx1"/>
+              </a:solidFill>
+            </a:ln>
+          </p:spPr>
+          <p:txBody>
+            <a:bodyPr wrap="square" rtlCol="0" anchor="ctr">
+              <a:spAutoFit/>
+            </a:bodyPr>
+            <a:lstStyle/>
+            <a:p>
+              <a:pPr algn="ctr"/>
+              <a:endParaRPr kumimoji="1" lang="ja-JP" altLang="en-US" sz="2400" dirty="0"/>
+            </a:p>
+          </p:txBody>
+        </p:sp>
+        <p:sp>
+          <p:nvSpPr>
+            <p:cNvPr id="44" name="正方形/長方形 43">
+              <a:extLst>
+                <a:ext uri="{FF2B5EF4-FFF2-40B4-BE49-F238E27FC236}">
+                  <a16:creationId xmlns:a16="http://schemas.microsoft.com/office/drawing/2014/main" id="{5EE583DD-A850-0646-9852-333F11EEA222}"/>
+                </a:ext>
+              </a:extLst>
+            </p:cNvPr>
+            <p:cNvSpPr/>
+            <p:nvPr/>
+          </p:nvSpPr>
+          <p:spPr>
+            <a:xfrm>
+              <a:off x="3059832" y="3284984"/>
+              <a:ext cx="432048" cy="144016"/>
+            </a:xfrm>
+            <a:prstGeom prst="rect">
+              <a:avLst/>
+            </a:prstGeom>
+            <a:solidFill>
+              <a:srgbClr val="FF0000"/>
+            </a:solidFill>
+            <a:ln>
+              <a:solidFill>
+                <a:schemeClr val="tx1"/>
+              </a:solidFill>
+            </a:ln>
+          </p:spPr>
+          <p:txBody>
+            <a:bodyPr wrap="square" rtlCol="0" anchor="ctr">
+              <a:spAutoFit/>
+            </a:bodyPr>
+            <a:lstStyle/>
+            <a:p>
+              <a:pPr algn="ctr"/>
+              <a:endParaRPr kumimoji="1" lang="ja-JP" altLang="en-US" sz="2400" dirty="0"/>
+            </a:p>
+          </p:txBody>
+        </p:sp>
+        <p:sp>
+          <p:nvSpPr>
+            <p:cNvPr id="45" name="正方形/長方形 44">
+              <a:extLst>
+                <a:ext uri="{FF2B5EF4-FFF2-40B4-BE49-F238E27FC236}">
+                  <a16:creationId xmlns:a16="http://schemas.microsoft.com/office/drawing/2014/main" id="{F6E892FC-6A41-D34F-8EAB-75DA1F99D947}"/>
+                </a:ext>
+              </a:extLst>
+            </p:cNvPr>
+            <p:cNvSpPr/>
+            <p:nvPr/>
+          </p:nvSpPr>
+          <p:spPr>
+            <a:xfrm>
+              <a:off x="1331640" y="3284984"/>
+              <a:ext cx="432048" cy="144016"/>
+            </a:xfrm>
+            <a:prstGeom prst="rect">
+              <a:avLst/>
+            </a:prstGeom>
+            <a:solidFill>
+              <a:srgbClr val="FF0000"/>
+            </a:solidFill>
+            <a:ln>
+              <a:solidFill>
+                <a:schemeClr val="tx1"/>
+              </a:solidFill>
+            </a:ln>
+          </p:spPr>
+          <p:txBody>
+            <a:bodyPr wrap="square" rtlCol="0" anchor="ctr">
+              <a:spAutoFit/>
+            </a:bodyPr>
+            <a:lstStyle/>
+            <a:p>
+              <a:pPr algn="ctr"/>
+              <a:endParaRPr kumimoji="1" lang="ja-JP" altLang="en-US" sz="2400" dirty="0"/>
+            </a:p>
+          </p:txBody>
+        </p:sp>
+      </p:grpSp>
+      <p:grpSp>
+        <p:nvGrpSpPr>
+          <p:cNvPr id="83" name="グループ化 82">
+            <a:extLst>
+              <a:ext uri="{FF2B5EF4-FFF2-40B4-BE49-F238E27FC236}">
+                <a16:creationId xmlns:a16="http://schemas.microsoft.com/office/drawing/2014/main" id="{640CE806-F431-EC4E-A5BC-D8F58B4FA2BB}"/>
+              </a:ext>
+            </a:extLst>
+          </p:cNvPr>
+          <p:cNvGrpSpPr/>
+          <p:nvPr/>
+        </p:nvGrpSpPr>
+        <p:grpSpPr>
+          <a:xfrm>
+            <a:off x="3203848" y="2276872"/>
+            <a:ext cx="2662313" cy="1228760"/>
+            <a:chOff x="611560" y="4509120"/>
+            <a:chExt cx="3744416" cy="1728192"/>
+          </a:xfrm>
+        </p:grpSpPr>
+        <p:cxnSp>
+          <p:nvCxnSpPr>
+            <p:cNvPr id="46" name="直線矢印コネクタ 45">
+              <a:extLst>
+                <a:ext uri="{FF2B5EF4-FFF2-40B4-BE49-F238E27FC236}">
+                  <a16:creationId xmlns:a16="http://schemas.microsoft.com/office/drawing/2014/main" id="{45D9A11D-D3D5-D648-9930-51A477D7D71D}"/>
+                </a:ext>
+              </a:extLst>
+            </p:cNvPr>
+            <p:cNvCxnSpPr>
+              <a:cxnSpLocks/>
+            </p:cNvCxnSpPr>
+            <p:nvPr/>
+          </p:nvCxnSpPr>
+          <p:spPr>
+            <a:xfrm>
+              <a:off x="611560" y="6021288"/>
+              <a:ext cx="3384376" cy="0"/>
+            </a:xfrm>
+            <a:prstGeom prst="straightConnector1">
+              <a:avLst/>
+            </a:prstGeom>
+            <a:ln w="9525">
+              <a:solidFill>
+                <a:schemeClr val="tx1"/>
+              </a:solidFill>
+              <a:headEnd type="none"/>
+              <a:tailEnd type="triangle"/>
+            </a:ln>
+            <a:effectLst/>
+          </p:spPr>
+          <p:style>
+            <a:lnRef idx="2">
+              <a:schemeClr val="accent1"/>
+            </a:lnRef>
+            <a:fillRef idx="0">
+              <a:schemeClr val="accent1"/>
+            </a:fillRef>
+            <a:effectRef idx="1">
+              <a:schemeClr val="accent1"/>
+            </a:effectRef>
+            <a:fontRef idx="minor">
+              <a:schemeClr val="tx1"/>
+            </a:fontRef>
+          </p:style>
+        </p:cxnSp>
+        <p:cxnSp>
+          <p:nvCxnSpPr>
+            <p:cNvPr id="47" name="直線コネクタ 46">
+              <a:extLst>
+                <a:ext uri="{FF2B5EF4-FFF2-40B4-BE49-F238E27FC236}">
+                  <a16:creationId xmlns:a16="http://schemas.microsoft.com/office/drawing/2014/main" id="{32427547-C6AF-4445-9541-2B9300669E85}"/>
+                </a:ext>
+              </a:extLst>
+            </p:cNvPr>
+            <p:cNvCxnSpPr>
+              <a:cxnSpLocks/>
+            </p:cNvCxnSpPr>
+            <p:nvPr/>
+          </p:nvCxnSpPr>
+          <p:spPr>
+            <a:xfrm flipV="1">
+              <a:off x="2123728" y="5949280"/>
+              <a:ext cx="0" cy="144016"/>
+            </a:xfrm>
+            <a:prstGeom prst="line">
+              <a:avLst/>
+            </a:prstGeom>
+            <a:ln w="9525">
+              <a:solidFill>
+                <a:schemeClr val="tx1"/>
+              </a:solidFill>
+              <a:headEnd type="none"/>
+              <a:tailEnd type="none"/>
+            </a:ln>
+            <a:effectLst/>
+          </p:spPr>
+          <p:style>
+            <a:lnRef idx="2">
+              <a:schemeClr val="accent1"/>
+            </a:lnRef>
+            <a:fillRef idx="0">
+              <a:schemeClr val="accent1"/>
+            </a:fillRef>
+            <a:effectRef idx="1">
+              <a:schemeClr val="accent1"/>
+            </a:effectRef>
+            <a:fontRef idx="minor">
+              <a:schemeClr val="tx1"/>
+            </a:fontRef>
+          </p:style>
+        </p:cxnSp>
+        <p:cxnSp>
+          <p:nvCxnSpPr>
+            <p:cNvPr id="48" name="直線コネクタ 47">
+              <a:extLst>
+                <a:ext uri="{FF2B5EF4-FFF2-40B4-BE49-F238E27FC236}">
+                  <a16:creationId xmlns:a16="http://schemas.microsoft.com/office/drawing/2014/main" id="{F1A2F984-438E-2744-8FFC-B3090A3E9AB1}"/>
+                </a:ext>
+              </a:extLst>
+            </p:cNvPr>
+            <p:cNvCxnSpPr>
+              <a:cxnSpLocks/>
+            </p:cNvCxnSpPr>
+            <p:nvPr/>
+          </p:nvCxnSpPr>
+          <p:spPr>
+            <a:xfrm flipV="1">
+              <a:off x="2555776" y="5949280"/>
+              <a:ext cx="0" cy="144016"/>
+            </a:xfrm>
+            <a:prstGeom prst="line">
+              <a:avLst/>
+            </a:prstGeom>
+            <a:ln w="9525">
+              <a:solidFill>
+                <a:schemeClr val="tx1"/>
+              </a:solidFill>
+              <a:headEnd type="none"/>
+              <a:tailEnd type="none"/>
+            </a:ln>
+            <a:effectLst/>
+          </p:spPr>
+          <p:style>
+            <a:lnRef idx="2">
+              <a:schemeClr val="accent1"/>
+            </a:lnRef>
+            <a:fillRef idx="0">
+              <a:schemeClr val="accent1"/>
+            </a:fillRef>
+            <a:effectRef idx="1">
+              <a:schemeClr val="accent1"/>
+            </a:effectRef>
+            <a:fontRef idx="minor">
+              <a:schemeClr val="tx1"/>
+            </a:fontRef>
+          </p:style>
+        </p:cxnSp>
+        <p:cxnSp>
+          <p:nvCxnSpPr>
+            <p:cNvPr id="49" name="直線コネクタ 48">
+              <a:extLst>
+                <a:ext uri="{FF2B5EF4-FFF2-40B4-BE49-F238E27FC236}">
+                  <a16:creationId xmlns:a16="http://schemas.microsoft.com/office/drawing/2014/main" id="{7B47CDD7-4739-6448-99E5-2A20B5CF4B1B}"/>
+                </a:ext>
+              </a:extLst>
+            </p:cNvPr>
+            <p:cNvCxnSpPr>
+              <a:cxnSpLocks/>
+            </p:cNvCxnSpPr>
+            <p:nvPr/>
+          </p:nvCxnSpPr>
+          <p:spPr>
+            <a:xfrm flipV="1">
+              <a:off x="1259632" y="5949280"/>
+              <a:ext cx="0" cy="144016"/>
+            </a:xfrm>
+            <a:prstGeom prst="line">
+              <a:avLst/>
+            </a:prstGeom>
+            <a:ln w="9525">
+              <a:solidFill>
+                <a:schemeClr val="tx1"/>
+              </a:solidFill>
+              <a:headEnd type="none"/>
+              <a:tailEnd type="none"/>
+            </a:ln>
+            <a:effectLst/>
+          </p:spPr>
+          <p:style>
+            <a:lnRef idx="2">
+              <a:schemeClr val="accent1"/>
+            </a:lnRef>
+            <a:fillRef idx="0">
+              <a:schemeClr val="accent1"/>
+            </a:fillRef>
+            <a:effectRef idx="1">
+              <a:schemeClr val="accent1"/>
+            </a:effectRef>
+            <a:fontRef idx="minor">
+              <a:schemeClr val="tx1"/>
+            </a:fontRef>
+          </p:style>
+        </p:cxnSp>
+        <p:cxnSp>
+          <p:nvCxnSpPr>
+            <p:cNvPr id="50" name="直線コネクタ 49">
+              <a:extLst>
+                <a:ext uri="{FF2B5EF4-FFF2-40B4-BE49-F238E27FC236}">
+                  <a16:creationId xmlns:a16="http://schemas.microsoft.com/office/drawing/2014/main" id="{9E9B7BA8-2F34-944A-B0F0-A4A850A7C2C3}"/>
+                </a:ext>
+              </a:extLst>
+            </p:cNvPr>
+            <p:cNvCxnSpPr>
+              <a:cxnSpLocks/>
+            </p:cNvCxnSpPr>
+            <p:nvPr/>
+          </p:nvCxnSpPr>
+          <p:spPr>
+            <a:xfrm flipV="1">
+              <a:off x="1691680" y="5949280"/>
+              <a:ext cx="0" cy="144016"/>
+            </a:xfrm>
+            <a:prstGeom prst="line">
+              <a:avLst/>
+            </a:prstGeom>
+            <a:ln w="9525">
+              <a:solidFill>
+                <a:schemeClr val="tx1"/>
+              </a:solidFill>
+              <a:headEnd type="none"/>
+              <a:tailEnd type="none"/>
+            </a:ln>
+            <a:effectLst/>
+          </p:spPr>
+          <p:style>
+            <a:lnRef idx="2">
+              <a:schemeClr val="accent1"/>
+            </a:lnRef>
+            <a:fillRef idx="0">
+              <a:schemeClr val="accent1"/>
+            </a:fillRef>
+            <a:effectRef idx="1">
+              <a:schemeClr val="accent1"/>
+            </a:effectRef>
+            <a:fontRef idx="minor">
+              <a:schemeClr val="tx1"/>
+            </a:fontRef>
+          </p:style>
+        </p:cxnSp>
+        <p:cxnSp>
+          <p:nvCxnSpPr>
+            <p:cNvPr id="51" name="直線コネクタ 50">
+              <a:extLst>
+                <a:ext uri="{FF2B5EF4-FFF2-40B4-BE49-F238E27FC236}">
+                  <a16:creationId xmlns:a16="http://schemas.microsoft.com/office/drawing/2014/main" id="{05927012-FFC6-4241-A3F3-3DFFCD3FC126}"/>
+                </a:ext>
+              </a:extLst>
+            </p:cNvPr>
+            <p:cNvCxnSpPr>
+              <a:cxnSpLocks/>
+            </p:cNvCxnSpPr>
+            <p:nvPr/>
+          </p:nvCxnSpPr>
+          <p:spPr>
+            <a:xfrm flipV="1">
+              <a:off x="3419872" y="5949280"/>
+              <a:ext cx="0" cy="144016"/>
+            </a:xfrm>
+            <a:prstGeom prst="line">
+              <a:avLst/>
+            </a:prstGeom>
+            <a:ln w="9525">
+              <a:solidFill>
+                <a:schemeClr val="tx1"/>
+              </a:solidFill>
+              <a:headEnd type="none"/>
+              <a:tailEnd type="none"/>
+            </a:ln>
+            <a:effectLst/>
+          </p:spPr>
+          <p:style>
+            <a:lnRef idx="2">
+              <a:schemeClr val="accent1"/>
+            </a:lnRef>
+            <a:fillRef idx="0">
+              <a:schemeClr val="accent1"/>
+            </a:fillRef>
+            <a:effectRef idx="1">
+              <a:schemeClr val="accent1"/>
+            </a:effectRef>
+            <a:fontRef idx="minor">
+              <a:schemeClr val="tx1"/>
+            </a:fontRef>
+          </p:style>
+        </p:cxnSp>
+        <p:cxnSp>
+          <p:nvCxnSpPr>
+            <p:cNvPr id="52" name="直線コネクタ 51">
+              <a:extLst>
+                <a:ext uri="{FF2B5EF4-FFF2-40B4-BE49-F238E27FC236}">
+                  <a16:creationId xmlns:a16="http://schemas.microsoft.com/office/drawing/2014/main" id="{5C1A3BC7-68A8-3B40-8F78-101D8B79EC02}"/>
+                </a:ext>
+              </a:extLst>
+            </p:cNvPr>
+            <p:cNvCxnSpPr>
+              <a:cxnSpLocks/>
+            </p:cNvCxnSpPr>
+            <p:nvPr/>
+          </p:nvCxnSpPr>
+          <p:spPr>
+            <a:xfrm flipV="1">
+              <a:off x="3851920" y="5949280"/>
+              <a:ext cx="0" cy="144016"/>
+            </a:xfrm>
+            <a:prstGeom prst="line">
+              <a:avLst/>
+            </a:prstGeom>
+            <a:ln w="9525">
+              <a:solidFill>
+                <a:schemeClr val="tx1"/>
+              </a:solidFill>
+              <a:headEnd type="none"/>
+              <a:tailEnd type="none"/>
+            </a:ln>
+            <a:effectLst/>
+          </p:spPr>
+          <p:style>
+            <a:lnRef idx="2">
+              <a:schemeClr val="accent1"/>
+            </a:lnRef>
+            <a:fillRef idx="0">
+              <a:schemeClr val="accent1"/>
+            </a:fillRef>
+            <a:effectRef idx="1">
+              <a:schemeClr val="accent1"/>
+            </a:effectRef>
+            <a:fontRef idx="minor">
+              <a:schemeClr val="tx1"/>
+            </a:fontRef>
+          </p:style>
+        </p:cxnSp>
+        <p:cxnSp>
+          <p:nvCxnSpPr>
+            <p:cNvPr id="53" name="直線コネクタ 52">
+              <a:extLst>
+                <a:ext uri="{FF2B5EF4-FFF2-40B4-BE49-F238E27FC236}">
+                  <a16:creationId xmlns:a16="http://schemas.microsoft.com/office/drawing/2014/main" id="{D84796CD-FFAC-2F4A-AE42-62BEF4EF1164}"/>
+                </a:ext>
+              </a:extLst>
+            </p:cNvPr>
+            <p:cNvCxnSpPr>
+              <a:cxnSpLocks/>
+            </p:cNvCxnSpPr>
+            <p:nvPr/>
+          </p:nvCxnSpPr>
+          <p:spPr>
+            <a:xfrm flipV="1">
+              <a:off x="2987824" y="5949280"/>
+              <a:ext cx="0" cy="144016"/>
+            </a:xfrm>
+            <a:prstGeom prst="line">
+              <a:avLst/>
+            </a:prstGeom>
+            <a:ln w="9525">
+              <a:solidFill>
+                <a:schemeClr val="tx1"/>
+              </a:solidFill>
+              <a:headEnd type="none"/>
+              <a:tailEnd type="none"/>
+            </a:ln>
+            <a:effectLst/>
+          </p:spPr>
+          <p:style>
+            <a:lnRef idx="2">
+              <a:schemeClr val="accent1"/>
+            </a:lnRef>
+            <a:fillRef idx="0">
+              <a:schemeClr val="accent1"/>
+            </a:fillRef>
+            <a:effectRef idx="1">
+              <a:schemeClr val="accent1"/>
+            </a:effectRef>
+            <a:fontRef idx="minor">
+              <a:schemeClr val="tx1"/>
+            </a:fontRef>
+          </p:style>
+        </p:cxnSp>
+        <p:cxnSp>
+          <p:nvCxnSpPr>
+            <p:cNvPr id="54" name="直線コネクタ 53">
+              <a:extLst>
+                <a:ext uri="{FF2B5EF4-FFF2-40B4-BE49-F238E27FC236}">
+                  <a16:creationId xmlns:a16="http://schemas.microsoft.com/office/drawing/2014/main" id="{B37B44FF-C2B9-9049-83B9-857556B92DB1}"/>
+                </a:ext>
+              </a:extLst>
+            </p:cNvPr>
+            <p:cNvCxnSpPr>
+              <a:cxnSpLocks/>
+            </p:cNvCxnSpPr>
+            <p:nvPr/>
+          </p:nvCxnSpPr>
+          <p:spPr>
+            <a:xfrm flipV="1">
+              <a:off x="827584" y="5949280"/>
+              <a:ext cx="0" cy="144016"/>
+            </a:xfrm>
+            <a:prstGeom prst="line">
+              <a:avLst/>
+            </a:prstGeom>
+            <a:ln w="9525">
+              <a:solidFill>
+                <a:schemeClr val="tx1"/>
+              </a:solidFill>
+              <a:headEnd type="none"/>
+              <a:tailEnd type="none"/>
+            </a:ln>
+            <a:effectLst/>
+          </p:spPr>
+          <p:style>
+            <a:lnRef idx="2">
+              <a:schemeClr val="accent1"/>
+            </a:lnRef>
+            <a:fillRef idx="0">
+              <a:schemeClr val="accent1"/>
+            </a:fillRef>
+            <a:effectRef idx="1">
+              <a:schemeClr val="accent1"/>
+            </a:effectRef>
+            <a:fontRef idx="minor">
+              <a:schemeClr val="tx1"/>
+            </a:fontRef>
+          </p:style>
+        </p:cxnSp>
+        <p:sp>
+          <p:nvSpPr>
+            <p:cNvPr id="55" name="テキスト ボックス 54">
+              <a:extLst>
+                <a:ext uri="{FF2B5EF4-FFF2-40B4-BE49-F238E27FC236}">
+                  <a16:creationId xmlns:a16="http://schemas.microsoft.com/office/drawing/2014/main" id="{BDF0FE2C-9C47-8748-AA8A-F2CAD700E851}"/>
+                </a:ext>
+              </a:extLst>
+            </p:cNvPr>
+            <p:cNvSpPr txBox="1"/>
+            <p:nvPr/>
+          </p:nvSpPr>
+          <p:spPr>
+            <a:xfrm>
+              <a:off x="4067944" y="5867980"/>
+              <a:ext cx="288032" cy="369332"/>
+            </a:xfrm>
+            <a:prstGeom prst="rect">
+              <a:avLst/>
+            </a:prstGeom>
+            <a:noFill/>
+          </p:spPr>
+          <p:txBody>
+            <a:bodyPr wrap="square" rtlCol="0">
+              <a:spAutoFit/>
+            </a:bodyPr>
+            <a:lstStyle/>
+            <a:p>
+              <a:r>
+                <a:rPr kumimoji="1" lang="en-US" altLang="ja-JP" dirty="0"/>
+                <a:t>x</a:t>
+              </a:r>
+              <a:endParaRPr kumimoji="1" lang="ja-JP" altLang="en-US" dirty="0"/>
+            </a:p>
+          </p:txBody>
+        </p:sp>
+        <p:cxnSp>
+          <p:nvCxnSpPr>
+            <p:cNvPr id="58" name="直線コネクタ 57">
+              <a:extLst>
+                <a:ext uri="{FF2B5EF4-FFF2-40B4-BE49-F238E27FC236}">
+                  <a16:creationId xmlns:a16="http://schemas.microsoft.com/office/drawing/2014/main" id="{762544D0-3AC6-1C4A-9C88-924DD0EA5C5F}"/>
+                </a:ext>
+              </a:extLst>
+            </p:cNvPr>
+            <p:cNvCxnSpPr>
+              <a:cxnSpLocks/>
+            </p:cNvCxnSpPr>
+            <p:nvPr/>
+          </p:nvCxnSpPr>
+          <p:spPr>
+            <a:xfrm flipV="1">
+              <a:off x="1907704" y="5949280"/>
+              <a:ext cx="0" cy="144016"/>
+            </a:xfrm>
+            <a:prstGeom prst="line">
+              <a:avLst/>
+            </a:prstGeom>
+            <a:ln w="9525">
+              <a:solidFill>
+                <a:schemeClr val="tx1"/>
+              </a:solidFill>
+              <a:headEnd type="none"/>
+              <a:tailEnd type="none"/>
+            </a:ln>
+            <a:effectLst/>
+          </p:spPr>
+          <p:style>
+            <a:lnRef idx="2">
+              <a:schemeClr val="accent1"/>
+            </a:lnRef>
+            <a:fillRef idx="0">
+              <a:schemeClr val="accent1"/>
+            </a:fillRef>
+            <a:effectRef idx="1">
+              <a:schemeClr val="accent1"/>
+            </a:effectRef>
+            <a:fontRef idx="minor">
+              <a:schemeClr val="tx1"/>
+            </a:fontRef>
+          </p:style>
+        </p:cxnSp>
+        <p:cxnSp>
+          <p:nvCxnSpPr>
+            <p:cNvPr id="59" name="直線コネクタ 58">
+              <a:extLst>
+                <a:ext uri="{FF2B5EF4-FFF2-40B4-BE49-F238E27FC236}">
+                  <a16:creationId xmlns:a16="http://schemas.microsoft.com/office/drawing/2014/main" id="{ECFD96F1-723B-F440-8158-1F02C917A254}"/>
+                </a:ext>
+              </a:extLst>
+            </p:cNvPr>
+            <p:cNvCxnSpPr>
+              <a:cxnSpLocks/>
+            </p:cNvCxnSpPr>
+            <p:nvPr/>
+          </p:nvCxnSpPr>
+          <p:spPr>
+            <a:xfrm flipV="1">
+              <a:off x="2339752" y="5949280"/>
+              <a:ext cx="0" cy="144016"/>
+            </a:xfrm>
+            <a:prstGeom prst="line">
+              <a:avLst/>
+            </a:prstGeom>
+            <a:ln w="9525">
+              <a:solidFill>
+                <a:schemeClr val="tx1"/>
+              </a:solidFill>
+              <a:headEnd type="none"/>
+              <a:tailEnd type="none"/>
+            </a:ln>
+            <a:effectLst/>
+          </p:spPr>
+          <p:style>
+            <a:lnRef idx="2">
+              <a:schemeClr val="accent1"/>
+            </a:lnRef>
+            <a:fillRef idx="0">
+              <a:schemeClr val="accent1"/>
+            </a:fillRef>
+            <a:effectRef idx="1">
+              <a:schemeClr val="accent1"/>
+            </a:effectRef>
+            <a:fontRef idx="minor">
+              <a:schemeClr val="tx1"/>
+            </a:fontRef>
+          </p:style>
+        </p:cxnSp>
+        <p:cxnSp>
+          <p:nvCxnSpPr>
+            <p:cNvPr id="60" name="直線コネクタ 59">
+              <a:extLst>
+                <a:ext uri="{FF2B5EF4-FFF2-40B4-BE49-F238E27FC236}">
+                  <a16:creationId xmlns:a16="http://schemas.microsoft.com/office/drawing/2014/main" id="{87F38E29-523B-6245-B461-CFFB94CFEA41}"/>
+                </a:ext>
+              </a:extLst>
+            </p:cNvPr>
+            <p:cNvCxnSpPr>
+              <a:cxnSpLocks/>
+            </p:cNvCxnSpPr>
+            <p:nvPr/>
+          </p:nvCxnSpPr>
+          <p:spPr>
+            <a:xfrm flipV="1">
+              <a:off x="1043608" y="5949280"/>
+              <a:ext cx="0" cy="144016"/>
+            </a:xfrm>
+            <a:prstGeom prst="line">
+              <a:avLst/>
+            </a:prstGeom>
+            <a:ln w="9525">
+              <a:solidFill>
+                <a:schemeClr val="tx1"/>
+              </a:solidFill>
+              <a:headEnd type="none"/>
+              <a:tailEnd type="none"/>
+            </a:ln>
+            <a:effectLst/>
+          </p:spPr>
+          <p:style>
+            <a:lnRef idx="2">
+              <a:schemeClr val="accent1"/>
+            </a:lnRef>
+            <a:fillRef idx="0">
+              <a:schemeClr val="accent1"/>
+            </a:fillRef>
+            <a:effectRef idx="1">
+              <a:schemeClr val="accent1"/>
+            </a:effectRef>
+            <a:fontRef idx="minor">
+              <a:schemeClr val="tx1"/>
+            </a:fontRef>
+          </p:style>
+        </p:cxnSp>
+        <p:cxnSp>
+          <p:nvCxnSpPr>
+            <p:cNvPr id="61" name="直線コネクタ 60">
+              <a:extLst>
+                <a:ext uri="{FF2B5EF4-FFF2-40B4-BE49-F238E27FC236}">
+                  <a16:creationId xmlns:a16="http://schemas.microsoft.com/office/drawing/2014/main" id="{89F334F4-96F8-F644-80F8-5A5565771443}"/>
+                </a:ext>
+              </a:extLst>
+            </p:cNvPr>
+            <p:cNvCxnSpPr>
+              <a:cxnSpLocks/>
+            </p:cNvCxnSpPr>
+            <p:nvPr/>
+          </p:nvCxnSpPr>
+          <p:spPr>
+            <a:xfrm flipV="1">
+              <a:off x="1475656" y="5949280"/>
+              <a:ext cx="0" cy="144016"/>
+            </a:xfrm>
+            <a:prstGeom prst="line">
+              <a:avLst/>
+            </a:prstGeom>
+            <a:ln w="9525">
+              <a:solidFill>
+                <a:schemeClr val="tx1"/>
+              </a:solidFill>
+              <a:headEnd type="none"/>
+              <a:tailEnd type="none"/>
+            </a:ln>
+            <a:effectLst/>
+          </p:spPr>
+          <p:style>
+            <a:lnRef idx="2">
+              <a:schemeClr val="accent1"/>
+            </a:lnRef>
+            <a:fillRef idx="0">
+              <a:schemeClr val="accent1"/>
+            </a:fillRef>
+            <a:effectRef idx="1">
+              <a:schemeClr val="accent1"/>
+            </a:effectRef>
+            <a:fontRef idx="minor">
+              <a:schemeClr val="tx1"/>
+            </a:fontRef>
+          </p:style>
+        </p:cxnSp>
+        <p:cxnSp>
+          <p:nvCxnSpPr>
+            <p:cNvPr id="62" name="直線コネクタ 61">
+              <a:extLst>
+                <a:ext uri="{FF2B5EF4-FFF2-40B4-BE49-F238E27FC236}">
+                  <a16:creationId xmlns:a16="http://schemas.microsoft.com/office/drawing/2014/main" id="{20D6F158-AC67-A949-B532-69B09A21798B}"/>
+                </a:ext>
+              </a:extLst>
+            </p:cNvPr>
+            <p:cNvCxnSpPr>
+              <a:cxnSpLocks/>
+            </p:cNvCxnSpPr>
+            <p:nvPr/>
+          </p:nvCxnSpPr>
+          <p:spPr>
+            <a:xfrm flipV="1">
+              <a:off x="3203848" y="5949280"/>
+              <a:ext cx="0" cy="144016"/>
+            </a:xfrm>
+            <a:prstGeom prst="line">
+              <a:avLst/>
+            </a:prstGeom>
+            <a:ln w="9525">
+              <a:solidFill>
+                <a:schemeClr val="tx1"/>
+              </a:solidFill>
+              <a:headEnd type="none"/>
+              <a:tailEnd type="none"/>
+            </a:ln>
+            <a:effectLst/>
+          </p:spPr>
+          <p:style>
+            <a:lnRef idx="2">
+              <a:schemeClr val="accent1"/>
+            </a:lnRef>
+            <a:fillRef idx="0">
+              <a:schemeClr val="accent1"/>
+            </a:fillRef>
+            <a:effectRef idx="1">
+              <a:schemeClr val="accent1"/>
+            </a:effectRef>
+            <a:fontRef idx="minor">
+              <a:schemeClr val="tx1"/>
+            </a:fontRef>
+          </p:style>
+        </p:cxnSp>
+        <p:cxnSp>
+          <p:nvCxnSpPr>
+            <p:cNvPr id="63" name="直線コネクタ 62">
+              <a:extLst>
+                <a:ext uri="{FF2B5EF4-FFF2-40B4-BE49-F238E27FC236}">
+                  <a16:creationId xmlns:a16="http://schemas.microsoft.com/office/drawing/2014/main" id="{EDFB0E15-314C-5E46-BBBE-23A6C1DBA2F9}"/>
+                </a:ext>
+              </a:extLst>
+            </p:cNvPr>
+            <p:cNvCxnSpPr>
+              <a:cxnSpLocks/>
+            </p:cNvCxnSpPr>
+            <p:nvPr/>
+          </p:nvCxnSpPr>
+          <p:spPr>
+            <a:xfrm flipV="1">
+              <a:off x="3635896" y="5949280"/>
+              <a:ext cx="0" cy="144016"/>
+            </a:xfrm>
+            <a:prstGeom prst="line">
+              <a:avLst/>
+            </a:prstGeom>
+            <a:ln w="9525">
+              <a:solidFill>
+                <a:schemeClr val="tx1"/>
+              </a:solidFill>
+              <a:headEnd type="none"/>
+              <a:tailEnd type="none"/>
+            </a:ln>
+            <a:effectLst/>
+          </p:spPr>
+          <p:style>
+            <a:lnRef idx="2">
+              <a:schemeClr val="accent1"/>
+            </a:lnRef>
+            <a:fillRef idx="0">
+              <a:schemeClr val="accent1"/>
+            </a:fillRef>
+            <a:effectRef idx="1">
+              <a:schemeClr val="accent1"/>
+            </a:effectRef>
+            <a:fontRef idx="minor">
+              <a:schemeClr val="tx1"/>
+            </a:fontRef>
+          </p:style>
+        </p:cxnSp>
+        <p:cxnSp>
+          <p:nvCxnSpPr>
+            <p:cNvPr id="64" name="直線コネクタ 63">
+              <a:extLst>
+                <a:ext uri="{FF2B5EF4-FFF2-40B4-BE49-F238E27FC236}">
+                  <a16:creationId xmlns:a16="http://schemas.microsoft.com/office/drawing/2014/main" id="{9CFABCD7-524F-5E47-A2CF-DA3D1E51928C}"/>
+                </a:ext>
+              </a:extLst>
+            </p:cNvPr>
+            <p:cNvCxnSpPr>
+              <a:cxnSpLocks/>
+            </p:cNvCxnSpPr>
+            <p:nvPr/>
+          </p:nvCxnSpPr>
+          <p:spPr>
+            <a:xfrm flipV="1">
+              <a:off x="2771800" y="5949280"/>
+              <a:ext cx="0" cy="144016"/>
+            </a:xfrm>
+            <a:prstGeom prst="line">
+              <a:avLst/>
+            </a:prstGeom>
+            <a:ln w="9525">
+              <a:solidFill>
+                <a:schemeClr val="tx1"/>
+              </a:solidFill>
+              <a:headEnd type="none"/>
+              <a:tailEnd type="none"/>
+            </a:ln>
+            <a:effectLst/>
+          </p:spPr>
+          <p:style>
+            <a:lnRef idx="2">
+              <a:schemeClr val="accent1"/>
+            </a:lnRef>
+            <a:fillRef idx="0">
+              <a:schemeClr val="accent1"/>
+            </a:fillRef>
+            <a:effectRef idx="1">
+              <a:schemeClr val="accent1"/>
+            </a:effectRef>
+            <a:fontRef idx="minor">
+              <a:schemeClr val="tx1"/>
+            </a:fontRef>
+          </p:style>
+        </p:cxnSp>
+        <p:cxnSp>
+          <p:nvCxnSpPr>
+            <p:cNvPr id="65" name="直線コネクタ 64">
+              <a:extLst>
+                <a:ext uri="{FF2B5EF4-FFF2-40B4-BE49-F238E27FC236}">
+                  <a16:creationId xmlns:a16="http://schemas.microsoft.com/office/drawing/2014/main" id="{504A5AAE-2E18-E34B-BC49-746EA7ADA14B}"/>
+                </a:ext>
+              </a:extLst>
+            </p:cNvPr>
+            <p:cNvCxnSpPr>
+              <a:cxnSpLocks/>
+            </p:cNvCxnSpPr>
+            <p:nvPr/>
+          </p:nvCxnSpPr>
+          <p:spPr>
+            <a:xfrm flipV="1">
+              <a:off x="611560" y="5949280"/>
+              <a:ext cx="0" cy="144016"/>
+            </a:xfrm>
+            <a:prstGeom prst="line">
+              <a:avLst/>
+            </a:prstGeom>
+            <a:ln w="9525">
+              <a:solidFill>
+                <a:schemeClr val="tx1"/>
+              </a:solidFill>
+              <a:headEnd type="none"/>
+              <a:tailEnd type="none"/>
+            </a:ln>
+            <a:effectLst/>
+          </p:spPr>
+          <p:style>
+            <a:lnRef idx="2">
+              <a:schemeClr val="accent1"/>
+            </a:lnRef>
+            <a:fillRef idx="0">
+              <a:schemeClr val="accent1"/>
+            </a:fillRef>
+            <a:effectRef idx="1">
+              <a:schemeClr val="accent1"/>
+            </a:effectRef>
+            <a:fontRef idx="minor">
+              <a:schemeClr val="tx1"/>
+            </a:fontRef>
+          </p:style>
+        </p:cxnSp>
+        <p:sp>
+          <p:nvSpPr>
+            <p:cNvPr id="66" name="正方形/長方形 65">
+              <a:extLst>
+                <a:ext uri="{FF2B5EF4-FFF2-40B4-BE49-F238E27FC236}">
+                  <a16:creationId xmlns:a16="http://schemas.microsoft.com/office/drawing/2014/main" id="{5BDB6E9C-B2C7-6B47-B145-77E15677A047}"/>
+                </a:ext>
+              </a:extLst>
+            </p:cNvPr>
+            <p:cNvSpPr/>
+            <p:nvPr/>
+          </p:nvSpPr>
+          <p:spPr>
+            <a:xfrm>
+              <a:off x="2123728" y="4509120"/>
+              <a:ext cx="216024" cy="1512168"/>
+            </a:xfrm>
+            <a:prstGeom prst="rect">
+              <a:avLst/>
+            </a:prstGeom>
+            <a:solidFill>
+              <a:srgbClr val="FF0000"/>
+            </a:solidFill>
+            <a:ln>
+              <a:solidFill>
+                <a:schemeClr val="tx1"/>
+              </a:solidFill>
+            </a:ln>
+          </p:spPr>
+          <p:txBody>
+            <a:bodyPr wrap="square" rtlCol="0" anchor="ctr">
+              <a:spAutoFit/>
+            </a:bodyPr>
+            <a:lstStyle/>
+            <a:p>
+              <a:pPr algn="ctr"/>
+              <a:endParaRPr kumimoji="1" lang="ja-JP" altLang="en-US" sz="2400" dirty="0"/>
+            </a:p>
+          </p:txBody>
+        </p:sp>
+        <p:sp>
+          <p:nvSpPr>
+            <p:cNvPr id="67" name="正方形/長方形 66">
+              <a:extLst>
+                <a:ext uri="{FF2B5EF4-FFF2-40B4-BE49-F238E27FC236}">
+                  <a16:creationId xmlns:a16="http://schemas.microsoft.com/office/drawing/2014/main" id="{CEF0007C-8EEF-B748-BC12-4C1F18B09630}"/>
+                </a:ext>
+              </a:extLst>
+            </p:cNvPr>
+            <p:cNvSpPr/>
+            <p:nvPr/>
+          </p:nvSpPr>
+          <p:spPr>
+            <a:xfrm>
+              <a:off x="2339752" y="4869160"/>
+              <a:ext cx="216024" cy="1152128"/>
+            </a:xfrm>
+            <a:prstGeom prst="rect">
+              <a:avLst/>
+            </a:prstGeom>
+            <a:solidFill>
+              <a:srgbClr val="FF0000"/>
+            </a:solidFill>
+            <a:ln>
+              <a:solidFill>
+                <a:schemeClr val="tx1"/>
+              </a:solidFill>
+            </a:ln>
+          </p:spPr>
+          <p:txBody>
+            <a:bodyPr wrap="square" rtlCol="0" anchor="ctr">
+              <a:spAutoFit/>
+            </a:bodyPr>
+            <a:lstStyle/>
+            <a:p>
+              <a:pPr algn="ctr"/>
+              <a:endParaRPr kumimoji="1" lang="ja-JP" altLang="en-US" sz="2400" dirty="0"/>
+            </a:p>
+          </p:txBody>
+        </p:sp>
+        <p:sp>
+          <p:nvSpPr>
+            <p:cNvPr id="68" name="正方形/長方形 67">
+              <a:extLst>
+                <a:ext uri="{FF2B5EF4-FFF2-40B4-BE49-F238E27FC236}">
+                  <a16:creationId xmlns:a16="http://schemas.microsoft.com/office/drawing/2014/main" id="{E693815C-9510-AD45-9812-CFD4596C36DD}"/>
+                </a:ext>
+              </a:extLst>
+            </p:cNvPr>
+            <p:cNvSpPr/>
+            <p:nvPr/>
+          </p:nvSpPr>
+          <p:spPr>
+            <a:xfrm>
+              <a:off x="1907704" y="4869160"/>
+              <a:ext cx="216024" cy="1152128"/>
+            </a:xfrm>
+            <a:prstGeom prst="rect">
+              <a:avLst/>
+            </a:prstGeom>
+            <a:solidFill>
+              <a:srgbClr val="FF0000"/>
+            </a:solidFill>
+            <a:ln>
+              <a:solidFill>
+                <a:schemeClr val="tx1"/>
+              </a:solidFill>
+            </a:ln>
+          </p:spPr>
+          <p:txBody>
+            <a:bodyPr wrap="square" rtlCol="0" anchor="ctr">
+              <a:spAutoFit/>
+            </a:bodyPr>
+            <a:lstStyle/>
+            <a:p>
+              <a:pPr algn="ctr"/>
+              <a:endParaRPr kumimoji="1" lang="ja-JP" altLang="en-US" sz="2400" dirty="0"/>
+            </a:p>
+          </p:txBody>
+        </p:sp>
+        <p:sp>
+          <p:nvSpPr>
+            <p:cNvPr id="69" name="正方形/長方形 68">
+              <a:extLst>
+                <a:ext uri="{FF2B5EF4-FFF2-40B4-BE49-F238E27FC236}">
+                  <a16:creationId xmlns:a16="http://schemas.microsoft.com/office/drawing/2014/main" id="{8C682DCF-53A8-9B49-9D35-A19F890F68CA}"/>
+                </a:ext>
+              </a:extLst>
+            </p:cNvPr>
+            <p:cNvSpPr/>
+            <p:nvPr/>
+          </p:nvSpPr>
+          <p:spPr>
+            <a:xfrm>
+              <a:off x="2555776" y="5229200"/>
+              <a:ext cx="216024" cy="792088"/>
+            </a:xfrm>
+            <a:prstGeom prst="rect">
+              <a:avLst/>
+            </a:prstGeom>
+            <a:solidFill>
+              <a:srgbClr val="FF0000"/>
+            </a:solidFill>
+            <a:ln>
+              <a:solidFill>
+                <a:schemeClr val="tx1"/>
+              </a:solidFill>
+            </a:ln>
+          </p:spPr>
+          <p:txBody>
+            <a:bodyPr wrap="square" rtlCol="0" anchor="ctr">
+              <a:spAutoFit/>
+            </a:bodyPr>
+            <a:lstStyle/>
+            <a:p>
+              <a:pPr algn="ctr"/>
+              <a:endParaRPr kumimoji="1" lang="ja-JP" altLang="en-US" sz="2400" dirty="0"/>
+            </a:p>
+          </p:txBody>
+        </p:sp>
+        <p:sp>
+          <p:nvSpPr>
+            <p:cNvPr id="70" name="正方形/長方形 69">
+              <a:extLst>
+                <a:ext uri="{FF2B5EF4-FFF2-40B4-BE49-F238E27FC236}">
+                  <a16:creationId xmlns:a16="http://schemas.microsoft.com/office/drawing/2014/main" id="{C64B2C81-889B-2F49-8C4D-EB81ABE939A9}"/>
+                </a:ext>
+              </a:extLst>
+            </p:cNvPr>
+            <p:cNvSpPr/>
+            <p:nvPr/>
+          </p:nvSpPr>
+          <p:spPr>
+            <a:xfrm>
+              <a:off x="1691680" y="5229200"/>
+              <a:ext cx="216024" cy="792088"/>
+            </a:xfrm>
+            <a:prstGeom prst="rect">
+              <a:avLst/>
+            </a:prstGeom>
+            <a:solidFill>
+              <a:srgbClr val="FF0000"/>
+            </a:solidFill>
+            <a:ln>
+              <a:solidFill>
+                <a:schemeClr val="tx1"/>
+              </a:solidFill>
+            </a:ln>
+          </p:spPr>
+          <p:txBody>
+            <a:bodyPr wrap="square" rtlCol="0" anchor="ctr">
+              <a:spAutoFit/>
+            </a:bodyPr>
+            <a:lstStyle/>
+            <a:p>
+              <a:pPr algn="ctr"/>
+              <a:endParaRPr kumimoji="1" lang="ja-JP" altLang="en-US" sz="2400" dirty="0"/>
+            </a:p>
+          </p:txBody>
+        </p:sp>
+        <p:sp>
+          <p:nvSpPr>
+            <p:cNvPr id="71" name="正方形/長方形 70">
+              <a:extLst>
+                <a:ext uri="{FF2B5EF4-FFF2-40B4-BE49-F238E27FC236}">
+                  <a16:creationId xmlns:a16="http://schemas.microsoft.com/office/drawing/2014/main" id="{F0CF4233-9F51-8848-9820-AAF1DAF58D33}"/>
+                </a:ext>
+              </a:extLst>
+            </p:cNvPr>
+            <p:cNvSpPr/>
+            <p:nvPr/>
+          </p:nvSpPr>
+          <p:spPr>
+            <a:xfrm>
+              <a:off x="1475656" y="5589240"/>
+              <a:ext cx="216024" cy="432048"/>
+            </a:xfrm>
+            <a:prstGeom prst="rect">
+              <a:avLst/>
+            </a:prstGeom>
+            <a:solidFill>
+              <a:srgbClr val="FF0000"/>
+            </a:solidFill>
+            <a:ln>
+              <a:solidFill>
+                <a:schemeClr val="tx1"/>
+              </a:solidFill>
+            </a:ln>
+          </p:spPr>
+          <p:txBody>
+            <a:bodyPr wrap="square" rtlCol="0" anchor="ctr">
+              <a:spAutoFit/>
+            </a:bodyPr>
+            <a:lstStyle/>
+            <a:p>
+              <a:pPr algn="ctr"/>
+              <a:endParaRPr kumimoji="1" lang="ja-JP" altLang="en-US" sz="2400" dirty="0"/>
+            </a:p>
+          </p:txBody>
+        </p:sp>
+        <p:sp>
+          <p:nvSpPr>
+            <p:cNvPr id="72" name="正方形/長方形 71">
+              <a:extLst>
+                <a:ext uri="{FF2B5EF4-FFF2-40B4-BE49-F238E27FC236}">
+                  <a16:creationId xmlns:a16="http://schemas.microsoft.com/office/drawing/2014/main" id="{9B96C30A-A6F7-5C4C-8317-3309B86A3002}"/>
+                </a:ext>
+              </a:extLst>
+            </p:cNvPr>
+            <p:cNvSpPr/>
+            <p:nvPr/>
+          </p:nvSpPr>
+          <p:spPr>
+            <a:xfrm>
+              <a:off x="2771800" y="5589240"/>
+              <a:ext cx="216024" cy="432048"/>
+            </a:xfrm>
+            <a:prstGeom prst="rect">
+              <a:avLst/>
+            </a:prstGeom>
+            <a:solidFill>
+              <a:srgbClr val="FF0000"/>
+            </a:solidFill>
+            <a:ln>
+              <a:solidFill>
+                <a:schemeClr val="tx1"/>
+              </a:solidFill>
+            </a:ln>
+          </p:spPr>
+          <p:txBody>
+            <a:bodyPr wrap="square" rtlCol="0" anchor="ctr">
+              <a:spAutoFit/>
+            </a:bodyPr>
+            <a:lstStyle/>
+            <a:p>
+              <a:pPr algn="ctr"/>
+              <a:endParaRPr kumimoji="1" lang="ja-JP" altLang="en-US" sz="2400" dirty="0"/>
+            </a:p>
+          </p:txBody>
+        </p:sp>
+        <p:sp>
+          <p:nvSpPr>
+            <p:cNvPr id="73" name="正方形/長方形 72">
+              <a:extLst>
+                <a:ext uri="{FF2B5EF4-FFF2-40B4-BE49-F238E27FC236}">
+                  <a16:creationId xmlns:a16="http://schemas.microsoft.com/office/drawing/2014/main" id="{FF4A8DF3-F784-C547-9AC0-05DC237C1796}"/>
+                </a:ext>
+              </a:extLst>
+            </p:cNvPr>
+            <p:cNvSpPr/>
+            <p:nvPr/>
+          </p:nvSpPr>
+          <p:spPr>
+            <a:xfrm>
+              <a:off x="2987824" y="5877272"/>
+              <a:ext cx="216024" cy="144016"/>
+            </a:xfrm>
+            <a:prstGeom prst="rect">
+              <a:avLst/>
+            </a:prstGeom>
+            <a:solidFill>
+              <a:srgbClr val="FF0000"/>
+            </a:solidFill>
+            <a:ln>
+              <a:solidFill>
+                <a:schemeClr val="tx1"/>
+              </a:solidFill>
+            </a:ln>
+          </p:spPr>
+          <p:txBody>
+            <a:bodyPr wrap="square" rtlCol="0" anchor="ctr">
+              <a:spAutoFit/>
+            </a:bodyPr>
+            <a:lstStyle/>
+            <a:p>
+              <a:pPr algn="ctr"/>
+              <a:endParaRPr kumimoji="1" lang="ja-JP" altLang="en-US" sz="2400" dirty="0"/>
+            </a:p>
+          </p:txBody>
+        </p:sp>
+        <p:sp>
+          <p:nvSpPr>
+            <p:cNvPr id="74" name="正方形/長方形 73">
+              <a:extLst>
+                <a:ext uri="{FF2B5EF4-FFF2-40B4-BE49-F238E27FC236}">
+                  <a16:creationId xmlns:a16="http://schemas.microsoft.com/office/drawing/2014/main" id="{DA658EE3-8C35-8943-B290-E0A7C1ACCC5D}"/>
+                </a:ext>
+              </a:extLst>
+            </p:cNvPr>
+            <p:cNvSpPr/>
+            <p:nvPr/>
+          </p:nvSpPr>
+          <p:spPr>
+            <a:xfrm>
+              <a:off x="1259632" y="5877272"/>
+              <a:ext cx="216024" cy="144016"/>
+            </a:xfrm>
+            <a:prstGeom prst="rect">
+              <a:avLst/>
+            </a:prstGeom>
+            <a:solidFill>
+              <a:srgbClr val="FF0000"/>
+            </a:solidFill>
+            <a:ln>
+              <a:solidFill>
+                <a:schemeClr val="tx1"/>
+              </a:solidFill>
+            </a:ln>
+          </p:spPr>
+          <p:txBody>
+            <a:bodyPr wrap="square" rtlCol="0" anchor="ctr">
+              <a:spAutoFit/>
+            </a:bodyPr>
+            <a:lstStyle/>
+            <a:p>
+              <a:pPr algn="ctr"/>
+              <a:endParaRPr kumimoji="1" lang="ja-JP" altLang="en-US" sz="2400" dirty="0"/>
+            </a:p>
+          </p:txBody>
+        </p:sp>
+      </p:grpSp>
+      <p:grpSp>
+        <p:nvGrpSpPr>
+          <p:cNvPr id="84" name="グループ化 83">
+            <a:extLst>
+              <a:ext uri="{FF2B5EF4-FFF2-40B4-BE49-F238E27FC236}">
+                <a16:creationId xmlns:a16="http://schemas.microsoft.com/office/drawing/2014/main" id="{45220D62-0D64-4140-99C4-960D0F02E513}"/>
+              </a:ext>
+            </a:extLst>
+          </p:cNvPr>
+          <p:cNvGrpSpPr/>
+          <p:nvPr/>
+        </p:nvGrpSpPr>
+        <p:grpSpPr>
+          <a:xfrm>
+            <a:off x="6156176" y="2060848"/>
+            <a:ext cx="2611115" cy="1440160"/>
+            <a:chOff x="4932040" y="4149080"/>
+            <a:chExt cx="3672408" cy="2025516"/>
+          </a:xfrm>
+        </p:grpSpPr>
+        <p:sp>
+          <p:nvSpPr>
+            <p:cNvPr id="40" name="フリーフォーム 39">
+              <a:extLst>
+                <a:ext uri="{FF2B5EF4-FFF2-40B4-BE49-F238E27FC236}">
+                  <a16:creationId xmlns:a16="http://schemas.microsoft.com/office/drawing/2014/main" id="{3E5D8D0E-DDA6-9F41-8580-FB634AA9768B}"/>
+                </a:ext>
+              </a:extLst>
+            </p:cNvPr>
+            <p:cNvSpPr/>
+            <p:nvPr/>
+          </p:nvSpPr>
+          <p:spPr>
+            <a:xfrm>
+              <a:off x="5148064" y="4575284"/>
+              <a:ext cx="2880320" cy="1446004"/>
+            </a:xfrm>
+            <a:custGeom>
+              <a:avLst/>
+              <a:gdLst>
+                <a:gd name="connsiteX0" fmla="*/ 0 w 3067396"/>
+                <a:gd name="connsiteY0" fmla="*/ 2022068 h 2022068"/>
+                <a:gd name="connsiteX1" fmla="*/ 814647 w 3067396"/>
+                <a:gd name="connsiteY1" fmla="*/ 1689559 h 2022068"/>
+                <a:gd name="connsiteX2" fmla="*/ 1280160 w 3067396"/>
+                <a:gd name="connsiteY2" fmla="*/ 417711 h 2022068"/>
+                <a:gd name="connsiteX3" fmla="*/ 1521229 w 3067396"/>
+                <a:gd name="connsiteY3" fmla="*/ 2075 h 2022068"/>
+                <a:gd name="connsiteX4" fmla="*/ 1853738 w 3067396"/>
+                <a:gd name="connsiteY4" fmla="*/ 550715 h 2022068"/>
+                <a:gd name="connsiteX5" fmla="*/ 2344189 w 3067396"/>
+                <a:gd name="connsiteY5" fmla="*/ 1772686 h 2022068"/>
+                <a:gd name="connsiteX6" fmla="*/ 3067396 w 3067396"/>
+                <a:gd name="connsiteY6" fmla="*/ 2013755 h 2022068"/>
+              </a:gdLst>
+              <a:ahLst/>
+              <a:cxnLst>
+                <a:cxn ang="0">
+                  <a:pos x="connsiteX0" y="connsiteY0"/>
+                </a:cxn>
+                <a:cxn ang="0">
+                  <a:pos x="connsiteX1" y="connsiteY1"/>
+                </a:cxn>
+                <a:cxn ang="0">
+                  <a:pos x="connsiteX2" y="connsiteY2"/>
+                </a:cxn>
+                <a:cxn ang="0">
+                  <a:pos x="connsiteX3" y="connsiteY3"/>
+                </a:cxn>
+                <a:cxn ang="0">
+                  <a:pos x="connsiteX4" y="connsiteY4"/>
+                </a:cxn>
+                <a:cxn ang="0">
+                  <a:pos x="connsiteX5" y="connsiteY5"/>
+                </a:cxn>
+                <a:cxn ang="0">
+                  <a:pos x="connsiteX6" y="connsiteY6"/>
+                </a:cxn>
+              </a:cxnLst>
+              <a:rect l="l" t="t" r="r" b="b"/>
+              <a:pathLst>
+                <a:path w="3067396" h="2022068">
+                  <a:moveTo>
+                    <a:pt x="0" y="2022068"/>
+                  </a:moveTo>
+                  <a:cubicBezTo>
+                    <a:pt x="300643" y="1989510"/>
+                    <a:pt x="601287" y="1956952"/>
+                    <a:pt x="814647" y="1689559"/>
+                  </a:cubicBezTo>
+                  <a:cubicBezTo>
+                    <a:pt x="1028007" y="1422166"/>
+                    <a:pt x="1162396" y="698958"/>
+                    <a:pt x="1280160" y="417711"/>
+                  </a:cubicBezTo>
+                  <a:cubicBezTo>
+                    <a:pt x="1397924" y="136464"/>
+                    <a:pt x="1425633" y="-20092"/>
+                    <a:pt x="1521229" y="2075"/>
+                  </a:cubicBezTo>
+                  <a:cubicBezTo>
+                    <a:pt x="1616825" y="24242"/>
+                    <a:pt x="1716578" y="255613"/>
+                    <a:pt x="1853738" y="550715"/>
+                  </a:cubicBezTo>
+                  <a:cubicBezTo>
+                    <a:pt x="1990898" y="845817"/>
+                    <a:pt x="2141913" y="1528846"/>
+                    <a:pt x="2344189" y="1772686"/>
+                  </a:cubicBezTo>
+                  <a:cubicBezTo>
+                    <a:pt x="2546465" y="2016526"/>
+                    <a:pt x="2806930" y="2015140"/>
+                    <a:pt x="3067396" y="2013755"/>
+                  </a:cubicBezTo>
+                </a:path>
+              </a:pathLst>
+            </a:custGeom>
+            <a:solidFill>
+              <a:srgbClr val="FF0000"/>
+            </a:solidFill>
+            <a:ln>
+              <a:solidFill>
+                <a:schemeClr val="tx1"/>
+              </a:solidFill>
+            </a:ln>
+          </p:spPr>
+          <p:txBody>
+            <a:bodyPr rtlCol="0" anchor="ctr"/>
+            <a:lstStyle/>
+            <a:p>
+              <a:pPr algn="ctr"/>
+              <a:endParaRPr kumimoji="1" lang="ja-JP" altLang="en-US"/>
+            </a:p>
+          </p:txBody>
+        </p:sp>
+        <p:cxnSp>
+          <p:nvCxnSpPr>
+            <p:cNvPr id="76" name="直線矢印コネクタ 75">
+              <a:extLst>
+                <a:ext uri="{FF2B5EF4-FFF2-40B4-BE49-F238E27FC236}">
+                  <a16:creationId xmlns:a16="http://schemas.microsoft.com/office/drawing/2014/main" id="{496C09B2-9FBD-FE46-83D3-EC55680D5E47}"/>
+                </a:ext>
+              </a:extLst>
+            </p:cNvPr>
+            <p:cNvCxnSpPr>
+              <a:cxnSpLocks/>
+            </p:cNvCxnSpPr>
+            <p:nvPr/>
+          </p:nvCxnSpPr>
+          <p:spPr>
+            <a:xfrm>
+              <a:off x="4932040" y="6021288"/>
+              <a:ext cx="3384376" cy="0"/>
+            </a:xfrm>
+            <a:prstGeom prst="straightConnector1">
+              <a:avLst/>
+            </a:prstGeom>
+            <a:ln w="9525">
+              <a:solidFill>
+                <a:schemeClr val="tx1"/>
+              </a:solidFill>
+              <a:headEnd type="none"/>
+              <a:tailEnd type="triangle"/>
+            </a:ln>
+            <a:effectLst/>
+          </p:spPr>
+          <p:style>
+            <a:lnRef idx="2">
+              <a:schemeClr val="accent1"/>
+            </a:lnRef>
+            <a:fillRef idx="0">
+              <a:schemeClr val="accent1"/>
+            </a:fillRef>
+            <a:effectRef idx="1">
+              <a:schemeClr val="accent1"/>
+            </a:effectRef>
+            <a:fontRef idx="minor">
+              <a:schemeClr val="tx1"/>
+            </a:fontRef>
+          </p:style>
+        </p:cxnSp>
+        <p:sp>
+          <p:nvSpPr>
+            <p:cNvPr id="77" name="テキスト ボックス 76">
+              <a:extLst>
+                <a:ext uri="{FF2B5EF4-FFF2-40B4-BE49-F238E27FC236}">
+                  <a16:creationId xmlns:a16="http://schemas.microsoft.com/office/drawing/2014/main" id="{C2F51CD3-1958-5147-B03A-0840F3E99408}"/>
+                </a:ext>
+              </a:extLst>
+            </p:cNvPr>
+            <p:cNvSpPr txBox="1"/>
+            <p:nvPr/>
+          </p:nvSpPr>
+          <p:spPr>
+            <a:xfrm>
+              <a:off x="8316416" y="5805264"/>
+              <a:ext cx="288032" cy="369332"/>
+            </a:xfrm>
+            <a:prstGeom prst="rect">
+              <a:avLst/>
+            </a:prstGeom>
+            <a:noFill/>
+          </p:spPr>
+          <p:txBody>
+            <a:bodyPr wrap="square" rtlCol="0">
+              <a:spAutoFit/>
+            </a:bodyPr>
+            <a:lstStyle/>
+            <a:p>
+              <a:r>
+                <a:rPr kumimoji="1" lang="en-US" altLang="ja-JP" dirty="0"/>
+                <a:t>x</a:t>
+              </a:r>
+              <a:endParaRPr kumimoji="1" lang="ja-JP" altLang="en-US" dirty="0"/>
+            </a:p>
+          </p:txBody>
+        </p:sp>
+        <p:cxnSp>
+          <p:nvCxnSpPr>
+            <p:cNvPr id="79" name="直線矢印コネクタ 78">
+              <a:extLst>
+                <a:ext uri="{FF2B5EF4-FFF2-40B4-BE49-F238E27FC236}">
+                  <a16:creationId xmlns:a16="http://schemas.microsoft.com/office/drawing/2014/main" id="{82656777-596A-AE4D-B385-EB22E3634E4E}"/>
+                </a:ext>
+              </a:extLst>
+            </p:cNvPr>
+            <p:cNvCxnSpPr/>
+            <p:nvPr/>
+          </p:nvCxnSpPr>
+          <p:spPr>
+            <a:xfrm flipV="1">
+              <a:off x="6588224" y="4149080"/>
+              <a:ext cx="0" cy="2016224"/>
+            </a:xfrm>
+            <a:prstGeom prst="straightConnector1">
+              <a:avLst/>
+            </a:prstGeom>
+            <a:ln w="9525">
+              <a:solidFill>
+                <a:schemeClr val="tx1"/>
+              </a:solidFill>
+              <a:headEnd type="none"/>
+              <a:tailEnd type="triangle"/>
+            </a:ln>
+            <a:effectLst/>
+          </p:spPr>
+          <p:style>
+            <a:lnRef idx="2">
+              <a:schemeClr val="accent1"/>
+            </a:lnRef>
+            <a:fillRef idx="0">
+              <a:schemeClr val="accent1"/>
+            </a:fillRef>
+            <a:effectRef idx="1">
+              <a:schemeClr val="accent1"/>
+            </a:effectRef>
+            <a:fontRef idx="minor">
+              <a:schemeClr val="tx1"/>
+            </a:fontRef>
+          </p:style>
+        </p:cxnSp>
+      </p:grpSp>
+      <mc:AlternateContent xmlns:mc="http://schemas.openxmlformats.org/markup-compatibility/2006" xmlns:a14="http://schemas.microsoft.com/office/drawing/2010/main">
+        <mc:Choice Requires="a14">
+          <p:sp>
+            <p:nvSpPr>
+              <p:cNvPr id="80" name="テキスト ボックス 79">
+                <a:extLst>
+                  <a:ext uri="{FF2B5EF4-FFF2-40B4-BE49-F238E27FC236}">
+                    <a16:creationId xmlns:a16="http://schemas.microsoft.com/office/drawing/2014/main" id="{E4B8C5C3-07AD-9A44-A691-78464A438330}"/>
+                  </a:ext>
+                </a:extLst>
+              </p:cNvPr>
+              <p:cNvSpPr txBox="1"/>
+              <p:nvPr/>
+            </p:nvSpPr>
+            <p:spPr>
+              <a:xfrm>
+                <a:off x="1043608" y="1772816"/>
+                <a:ext cx="942437" cy="246221"/>
+              </a:xfrm>
+              <a:prstGeom prst="rect">
+                <a:avLst/>
+              </a:prstGeom>
+              <a:noFill/>
+            </p:spPr>
+            <p:txBody>
+              <a:bodyPr wrap="none" lIns="0" tIns="0" rIns="0" bIns="0" rtlCol="0">
+                <a:spAutoFit/>
+              </a:bodyPr>
+              <a:lstStyle/>
+              <a:p>
+                <a:pPr/>
+                <a14:m>
+                  <m:oMathPara xmlns:m="http://schemas.openxmlformats.org/officeDocument/2006/math">
+                    <m:oMathParaPr>
+                      <m:jc m:val="centerGroup"/>
+                    </m:oMathParaPr>
+                    <m:oMath xmlns:m="http://schemas.openxmlformats.org/officeDocument/2006/math">
+                      <m:r>
+                        <a:rPr kumimoji="1" lang="en-US" altLang="ja-JP" sz="1600" b="0" i="1" dirty="0" smtClean="0">
+                          <a:latin typeface="Cambria Math" panose="02040503050406030204" pitchFamily="18" charset="0"/>
+                        </a:rPr>
+                        <m:t>𝑃</m:t>
+                      </m:r>
+                      <m:r>
+                        <a:rPr kumimoji="1" lang="en-US" altLang="ja-JP" sz="1600" b="0" i="1" dirty="0" smtClean="0">
+                          <a:latin typeface="Cambria Math" panose="02040503050406030204" pitchFamily="18" charset="0"/>
+                        </a:rPr>
+                        <m:t>(</m:t>
+                      </m:r>
+                      <m:sSub>
+                        <m:sSubPr>
+                          <m:ctrlPr>
+                            <a:rPr kumimoji="1" lang="en-US" altLang="ja-JP" sz="1600" b="0" i="1" dirty="0" smtClean="0">
+                              <a:latin typeface="Cambria Math" panose="02040503050406030204" pitchFamily="18" charset="0"/>
+                            </a:rPr>
+                          </m:ctrlPr>
+                        </m:sSubPr>
+                        <m:e>
+                          <m:r>
+                            <a:rPr kumimoji="1" lang="en-US" altLang="ja-JP" sz="1600" b="0" i="1" dirty="0" smtClean="0">
+                              <a:latin typeface="Cambria Math" panose="02040503050406030204" pitchFamily="18" charset="0"/>
+                            </a:rPr>
+                            <m:t>𝑥</m:t>
+                          </m:r>
+                        </m:e>
+                        <m:sub>
+                          <m:r>
+                            <a:rPr kumimoji="1" lang="en-US" altLang="ja-JP" sz="1600" b="0" i="1" dirty="0" smtClean="0">
+                              <a:latin typeface="Cambria Math" panose="02040503050406030204" pitchFamily="18" charset="0"/>
+                            </a:rPr>
+                            <m:t>𝑘</m:t>
+                          </m:r>
+                        </m:sub>
+                      </m:sSub>
+                      <m:r>
+                        <a:rPr kumimoji="1" lang="en-US" altLang="ja-JP" sz="1600" b="0" i="1" dirty="0" smtClean="0">
+                          <a:latin typeface="Cambria Math" panose="02040503050406030204" pitchFamily="18" charset="0"/>
+                        </a:rPr>
+                        <m:t>=</m:t>
+                      </m:r>
+                      <m:r>
+                        <a:rPr kumimoji="1" lang="en-US" altLang="ja-JP" sz="1600" b="0" i="1" dirty="0" smtClean="0">
+                          <a:latin typeface="Cambria Math" panose="02040503050406030204" pitchFamily="18" charset="0"/>
+                        </a:rPr>
+                        <m:t>𝑥</m:t>
+                      </m:r>
+                      <m:r>
+                        <a:rPr kumimoji="1" lang="en-US" altLang="ja-JP" sz="1600" b="0" i="1" dirty="0" smtClean="0">
+                          <a:latin typeface="Cambria Math" panose="02040503050406030204" pitchFamily="18" charset="0"/>
+                        </a:rPr>
+                        <m:t>)</m:t>
+                      </m:r>
+                    </m:oMath>
+                  </m:oMathPara>
+                </a14:m>
+                <a:endParaRPr kumimoji="1" lang="ja-JP" altLang="en-US" sz="1600" dirty="0"/>
+              </a:p>
+            </p:txBody>
+          </p:sp>
+        </mc:Choice>
+        <mc:Fallback xmlns="">
+          <p:sp>
+            <p:nvSpPr>
+              <p:cNvPr id="80" name="テキスト ボックス 79">
+                <a:extLst>
+                  <a:ext uri="{FF2B5EF4-FFF2-40B4-BE49-F238E27FC236}">
+                    <a16:creationId xmlns:a16="http://schemas.microsoft.com/office/drawing/2014/main" id="{E4B8C5C3-07AD-9A44-A691-78464A438330}"/>
+                  </a:ext>
+                </a:extLst>
+              </p:cNvPr>
+              <p:cNvSpPr txBox="1">
+                <a:spLocks noRot="1" noChangeAspect="1" noMove="1" noResize="1" noEditPoints="1" noAdjustHandles="1" noChangeArrowheads="1" noChangeShapeType="1" noTextEdit="1"/>
+              </p:cNvSpPr>
+              <p:nvPr/>
+            </p:nvSpPr>
+            <p:spPr>
+              <a:xfrm>
+                <a:off x="1043608" y="1772816"/>
+                <a:ext cx="942437" cy="246221"/>
+              </a:xfrm>
+              <a:prstGeom prst="rect">
+                <a:avLst/>
+              </a:prstGeom>
+              <a:blipFill>
+                <a:blip r:embed="rId2"/>
+                <a:stretch>
+                  <a:fillRect l="-4000" r="-6667" b="-35000"/>
+                </a:stretch>
+              </a:blipFill>
+            </p:spPr>
+            <p:txBody>
+              <a:bodyPr/>
+              <a:lstStyle/>
+              <a:p>
+                <a:r>
+                  <a:rPr lang="ja-JP" altLang="en-US">
+                    <a:noFill/>
+                  </a:rPr>
+                  <a:t> </a:t>
+                </a:r>
+              </a:p>
+            </p:txBody>
+          </p:sp>
+        </mc:Fallback>
+      </mc:AlternateContent>
+      <mc:AlternateContent xmlns:mc="http://schemas.openxmlformats.org/markup-compatibility/2006" xmlns:a14="http://schemas.microsoft.com/office/drawing/2010/main">
+        <mc:Choice Requires="a14">
+          <p:sp>
+            <p:nvSpPr>
+              <p:cNvPr id="81" name="テキスト ボックス 80">
+                <a:extLst>
+                  <a:ext uri="{FF2B5EF4-FFF2-40B4-BE49-F238E27FC236}">
+                    <a16:creationId xmlns:a16="http://schemas.microsoft.com/office/drawing/2014/main" id="{0C24A290-619F-6742-B683-BC9B0AA7D0D7}"/>
+                  </a:ext>
+                </a:extLst>
+              </p:cNvPr>
+              <p:cNvSpPr txBox="1"/>
+              <p:nvPr/>
+            </p:nvSpPr>
+            <p:spPr>
+              <a:xfrm>
+                <a:off x="6372200" y="1700808"/>
+                <a:ext cx="1933799" cy="246221"/>
+              </a:xfrm>
+              <a:prstGeom prst="rect">
+                <a:avLst/>
+              </a:prstGeom>
+              <a:noFill/>
+            </p:spPr>
+            <p:txBody>
+              <a:bodyPr wrap="none" lIns="0" tIns="0" rIns="0" bIns="0" rtlCol="0">
+                <a:spAutoFit/>
+              </a:bodyPr>
+              <a:lstStyle/>
+              <a:p>
+                <a:pPr/>
+                <a14:m>
+                  <m:oMathPara xmlns:m="http://schemas.openxmlformats.org/officeDocument/2006/math">
+                    <m:oMathParaPr>
+                      <m:jc m:val="centerGroup"/>
+                    </m:oMathParaPr>
+                    <m:oMath xmlns:m="http://schemas.openxmlformats.org/officeDocument/2006/math">
+                      <m:r>
+                        <a:rPr kumimoji="1" lang="en-US" altLang="ja-JP" sz="1600" b="0" i="1" dirty="0" smtClean="0">
+                          <a:latin typeface="Cambria Math" panose="02040503050406030204" pitchFamily="18" charset="0"/>
+                        </a:rPr>
+                        <m:t>𝑃</m:t>
+                      </m:r>
+                      <m:r>
+                        <a:rPr kumimoji="1" lang="en-US" altLang="ja-JP" sz="1600" b="0" i="1" dirty="0" smtClean="0">
+                          <a:latin typeface="Cambria Math" panose="02040503050406030204" pitchFamily="18" charset="0"/>
+                        </a:rPr>
+                        <m:t>(</m:t>
+                      </m:r>
+                      <m:r>
+                        <a:rPr kumimoji="1" lang="en-US" altLang="ja-JP" sz="1600" b="0" i="1" dirty="0" smtClean="0">
+                          <a:latin typeface="Cambria Math" panose="02040503050406030204" pitchFamily="18" charset="0"/>
+                        </a:rPr>
+                        <m:t>𝑥</m:t>
+                      </m:r>
+                      <m:r>
+                        <a:rPr kumimoji="1" lang="en-US" altLang="ja-JP" sz="1600" b="0" i="1" dirty="0" smtClean="0">
+                          <a:latin typeface="Cambria Math" panose="02040503050406030204" pitchFamily="18" charset="0"/>
+                        </a:rPr>
+                        <m:t>&lt;</m:t>
+                      </m:r>
+                      <m:r>
+                        <a:rPr kumimoji="1" lang="en-US" altLang="ja-JP" sz="1600" b="0" i="1" dirty="0" smtClean="0">
+                          <a:latin typeface="Cambria Math" panose="02040503050406030204" pitchFamily="18" charset="0"/>
+                        </a:rPr>
+                        <m:t>𝑥</m:t>
+                      </m:r>
+                      <m:d>
+                        <m:dPr>
+                          <m:ctrlPr>
+                            <a:rPr kumimoji="1" lang="en-US" altLang="ja-JP" sz="1600" b="0" i="1" dirty="0" smtClean="0">
+                              <a:latin typeface="Cambria Math" panose="02040503050406030204" pitchFamily="18" charset="0"/>
+                            </a:rPr>
+                          </m:ctrlPr>
+                        </m:dPr>
+                        <m:e>
+                          <m:r>
+                            <a:rPr kumimoji="1" lang="en-US" altLang="ja-JP" sz="1600" b="0" i="1" dirty="0" smtClean="0">
+                              <a:latin typeface="Cambria Math" panose="02040503050406030204" pitchFamily="18" charset="0"/>
+                            </a:rPr>
+                            <m:t>𝑡</m:t>
+                          </m:r>
+                        </m:e>
+                      </m:d>
+                      <m:r>
+                        <a:rPr kumimoji="1" lang="en-US" altLang="ja-JP" sz="1600" b="0" i="1" dirty="0" smtClean="0">
+                          <a:latin typeface="Cambria Math" panose="02040503050406030204" pitchFamily="18" charset="0"/>
+                        </a:rPr>
+                        <m:t>&lt;</m:t>
+                      </m:r>
+                      <m:r>
+                        <a:rPr kumimoji="1" lang="en-US" altLang="ja-JP" sz="1600" b="0" i="1" dirty="0" smtClean="0">
+                          <a:latin typeface="Cambria Math" panose="02040503050406030204" pitchFamily="18" charset="0"/>
+                        </a:rPr>
+                        <m:t>𝑥</m:t>
+                      </m:r>
+                      <m:r>
+                        <a:rPr kumimoji="1" lang="en-US" altLang="ja-JP" sz="1600" b="0" i="1" dirty="0" smtClean="0">
+                          <a:latin typeface="Cambria Math" panose="02040503050406030204" pitchFamily="18" charset="0"/>
+                        </a:rPr>
+                        <m:t>+</m:t>
+                      </m:r>
+                      <m:r>
+                        <a:rPr kumimoji="1" lang="en-US" altLang="ja-JP" sz="1600" b="0" i="1" dirty="0" smtClean="0">
+                          <a:latin typeface="Cambria Math" panose="02040503050406030204" pitchFamily="18" charset="0"/>
+                        </a:rPr>
+                        <m:t>𝑑𝑡</m:t>
+                      </m:r>
+                      <m:r>
+                        <a:rPr kumimoji="1" lang="en-US" altLang="ja-JP" sz="1600" b="0" i="1" dirty="0" smtClean="0">
+                          <a:latin typeface="Cambria Math" panose="02040503050406030204" pitchFamily="18" charset="0"/>
+                        </a:rPr>
+                        <m:t>)</m:t>
+                      </m:r>
+                    </m:oMath>
+                  </m:oMathPara>
+                </a14:m>
+                <a:endParaRPr kumimoji="1" lang="ja-JP" altLang="en-US" sz="1600" dirty="0"/>
+              </a:p>
+            </p:txBody>
+          </p:sp>
+        </mc:Choice>
+        <mc:Fallback xmlns="">
+          <p:sp>
+            <p:nvSpPr>
+              <p:cNvPr id="81" name="テキスト ボックス 80">
+                <a:extLst>
+                  <a:ext uri="{FF2B5EF4-FFF2-40B4-BE49-F238E27FC236}">
+                    <a16:creationId xmlns:a16="http://schemas.microsoft.com/office/drawing/2014/main" id="{0C24A290-619F-6742-B683-BC9B0AA7D0D7}"/>
+                  </a:ext>
+                </a:extLst>
+              </p:cNvPr>
+              <p:cNvSpPr txBox="1">
+                <a:spLocks noRot="1" noChangeAspect="1" noMove="1" noResize="1" noEditPoints="1" noAdjustHandles="1" noChangeArrowheads="1" noChangeShapeType="1" noTextEdit="1"/>
+              </p:cNvSpPr>
+              <p:nvPr/>
+            </p:nvSpPr>
+            <p:spPr>
+              <a:xfrm>
+                <a:off x="6372200" y="1700808"/>
+                <a:ext cx="1933799" cy="246221"/>
+              </a:xfrm>
+              <a:prstGeom prst="rect">
+                <a:avLst/>
+              </a:prstGeom>
+              <a:blipFill>
+                <a:blip r:embed="rId3"/>
+                <a:stretch>
+                  <a:fillRect l="-1961" r="-3268" b="-35000"/>
+                </a:stretch>
+              </a:blipFill>
+            </p:spPr>
+            <p:txBody>
+              <a:bodyPr/>
+              <a:lstStyle/>
+              <a:p>
+                <a:r>
+                  <a:rPr lang="ja-JP" altLang="en-US">
+                    <a:noFill/>
+                  </a:rPr>
+                  <a:t> </a:t>
+                </a:r>
+              </a:p>
+            </p:txBody>
+          </p:sp>
+        </mc:Fallback>
+      </mc:AlternateContent>
+      <p:sp>
+        <p:nvSpPr>
+          <p:cNvPr id="85" name="右矢印 84">
+            <a:extLst>
+              <a:ext uri="{FF2B5EF4-FFF2-40B4-BE49-F238E27FC236}">
+                <a16:creationId xmlns:a16="http://schemas.microsoft.com/office/drawing/2014/main" id="{22DA928B-74BB-CA40-8098-1F832D162AA2}"/>
+              </a:ext>
+            </a:extLst>
+          </p:cNvPr>
+          <p:cNvSpPr/>
+          <p:nvPr/>
+        </p:nvSpPr>
+        <p:spPr>
+          <a:xfrm>
+            <a:off x="2699792" y="2636912"/>
+            <a:ext cx="288032" cy="268608"/>
+          </a:xfrm>
+          <a:prstGeom prst="rightArrow">
+            <a:avLst/>
+          </a:prstGeom>
+          <a:ln>
+            <a:solidFill>
+              <a:schemeClr val="tx1"/>
+            </a:solidFill>
+          </a:ln>
+        </p:spPr>
+        <p:txBody>
+          <a:bodyPr wrap="square" rtlCol="0" anchor="ctr">
+            <a:spAutoFit/>
+          </a:bodyPr>
+          <a:lstStyle/>
+          <a:p>
+            <a:pPr algn="ctr"/>
+            <a:endParaRPr kumimoji="1" lang="ja-JP" altLang="en-US" sz="2400" dirty="0"/>
+          </a:p>
+        </p:txBody>
+      </p:sp>
+      <p:sp>
+        <p:nvSpPr>
+          <p:cNvPr id="86" name="右矢印 85">
+            <a:extLst>
+              <a:ext uri="{FF2B5EF4-FFF2-40B4-BE49-F238E27FC236}">
+                <a16:creationId xmlns:a16="http://schemas.microsoft.com/office/drawing/2014/main" id="{5AA2F047-9893-D94E-BEDD-0F1501DF40A6}"/>
+              </a:ext>
+            </a:extLst>
+          </p:cNvPr>
+          <p:cNvSpPr/>
+          <p:nvPr/>
+        </p:nvSpPr>
+        <p:spPr>
+          <a:xfrm>
+            <a:off x="5940152" y="2564904"/>
+            <a:ext cx="288032" cy="268608"/>
+          </a:xfrm>
+          <a:prstGeom prst="rightArrow">
+            <a:avLst/>
+          </a:prstGeom>
+          <a:ln>
+            <a:solidFill>
+              <a:schemeClr val="tx1"/>
+            </a:solidFill>
+          </a:ln>
+        </p:spPr>
+        <p:txBody>
+          <a:bodyPr wrap="square" rtlCol="0" anchor="ctr">
+            <a:spAutoFit/>
+          </a:bodyPr>
+          <a:lstStyle/>
+          <a:p>
+            <a:pPr algn="ctr"/>
+            <a:endParaRPr kumimoji="1" lang="ja-JP" altLang="en-US" sz="2400" dirty="0"/>
+          </a:p>
+        </p:txBody>
+      </p:sp>
+      <mc:AlternateContent xmlns:mc="http://schemas.openxmlformats.org/markup-compatibility/2006" xmlns:a14="http://schemas.microsoft.com/office/drawing/2010/main">
+        <mc:Choice Requires="a14">
+          <p:sp>
+            <p:nvSpPr>
+              <p:cNvPr id="87" name="テキスト ボックス 86">
+                <a:extLst>
+                  <a:ext uri="{FF2B5EF4-FFF2-40B4-BE49-F238E27FC236}">
+                    <a16:creationId xmlns:a16="http://schemas.microsoft.com/office/drawing/2014/main" id="{DF9607FB-D0B9-D241-B959-F5AAD6B28076}"/>
+                  </a:ext>
+                </a:extLst>
+              </p:cNvPr>
+              <p:cNvSpPr txBox="1"/>
+              <p:nvPr/>
+            </p:nvSpPr>
+            <p:spPr>
+              <a:xfrm>
+                <a:off x="5796136" y="2060848"/>
+                <a:ext cx="650114" cy="481094"/>
+              </a:xfrm>
+              <a:prstGeom prst="rect">
+                <a:avLst/>
+              </a:prstGeom>
+              <a:noFill/>
+            </p:spPr>
+            <p:txBody>
+              <a:bodyPr wrap="none" lIns="0" tIns="0" rIns="0" bIns="0" rtlCol="0">
+                <a:spAutoFit/>
+              </a:bodyPr>
+              <a:lstStyle/>
+              <a:p>
+                <a:pPr/>
+                <a14:m>
+                  <m:oMathPara xmlns:m="http://schemas.openxmlformats.org/officeDocument/2006/math">
+                    <m:oMathParaPr>
+                      <m:jc m:val="centerGroup"/>
+                    </m:oMathParaPr>
+                    <m:oMath xmlns:m="http://schemas.openxmlformats.org/officeDocument/2006/math">
+                      <m:func>
+                        <m:funcPr>
+                          <m:ctrlPr>
+                            <a:rPr kumimoji="1" lang="en" altLang="ja-JP" sz="2400" i="1" dirty="0" smtClean="0">
+                              <a:latin typeface="Cambria Math" panose="02040503050406030204" pitchFamily="18" charset="0"/>
+                            </a:rPr>
+                          </m:ctrlPr>
+                        </m:funcPr>
+                        <m:fName>
+                          <m:limLow>
+                            <m:limLowPr>
+                              <m:ctrlPr>
+                                <a:rPr kumimoji="1" lang="en" altLang="ja-JP" sz="2400" i="1" dirty="0" smtClean="0">
+                                  <a:latin typeface="Cambria Math" panose="02040503050406030204" pitchFamily="18" charset="0"/>
+                                </a:rPr>
+                              </m:ctrlPr>
+                            </m:limLowPr>
+                            <m:e>
+                              <m:r>
+                                <m:rPr>
+                                  <m:sty m:val="p"/>
+                                </m:rPr>
+                                <a:rPr kumimoji="1" lang="en" altLang="ja-JP" sz="2400" i="0" dirty="0" smtClean="0">
+                                  <a:latin typeface="Cambria Math" panose="02040503050406030204" pitchFamily="18" charset="0"/>
+                                </a:rPr>
+                                <m:t>lim</m:t>
+                              </m:r>
+                            </m:e>
+                            <m:lim>
+                              <m:r>
+                                <a:rPr kumimoji="1" lang="en-US" altLang="ja-JP" sz="2400" b="0" i="1" dirty="0" smtClean="0">
+                                  <a:latin typeface="Cambria Math" panose="02040503050406030204" pitchFamily="18" charset="0"/>
+                                </a:rPr>
+                                <m:t>h</m:t>
+                              </m:r>
+                              <m:r>
+                                <a:rPr kumimoji="1" lang="en-US" altLang="ja-JP" sz="2400" b="0" i="1" dirty="0" smtClean="0">
+                                  <a:latin typeface="Cambria Math" panose="02040503050406030204" pitchFamily="18" charset="0"/>
+                                  <a:ea typeface="Cambria Math" panose="02040503050406030204" pitchFamily="18" charset="0"/>
+                                </a:rPr>
+                                <m:t>→0</m:t>
+                              </m:r>
+                            </m:lim>
+                          </m:limLow>
+                        </m:fName>
+                        <m:e>
+                          <m:r>
+                            <a:rPr kumimoji="1" lang="en-US" altLang="ja-JP" sz="2400" b="0" i="1" dirty="0" smtClean="0">
+                              <a:latin typeface="Cambria Math" panose="02040503050406030204" pitchFamily="18" charset="0"/>
+                            </a:rPr>
+                            <m:t> </m:t>
+                          </m:r>
+                        </m:e>
+                      </m:func>
+                    </m:oMath>
+                  </m:oMathPara>
+                </a14:m>
+                <a:endParaRPr kumimoji="1" lang="ja-JP" altLang="en-US" sz="2400" dirty="0"/>
+              </a:p>
+            </p:txBody>
+          </p:sp>
+        </mc:Choice>
+        <mc:Fallback xmlns="">
+          <p:sp>
+            <p:nvSpPr>
+              <p:cNvPr id="87" name="テキスト ボックス 86">
+                <a:extLst>
+                  <a:ext uri="{FF2B5EF4-FFF2-40B4-BE49-F238E27FC236}">
+                    <a16:creationId xmlns:a16="http://schemas.microsoft.com/office/drawing/2014/main" id="{DF9607FB-D0B9-D241-B959-F5AAD6B28076}"/>
+                  </a:ext>
+                </a:extLst>
+              </p:cNvPr>
+              <p:cNvSpPr txBox="1">
+                <a:spLocks noRot="1" noChangeAspect="1" noMove="1" noResize="1" noEditPoints="1" noAdjustHandles="1" noChangeArrowheads="1" noChangeShapeType="1" noTextEdit="1"/>
+              </p:cNvSpPr>
+              <p:nvPr/>
+            </p:nvSpPr>
+            <p:spPr>
+              <a:xfrm>
+                <a:off x="5796136" y="2060848"/>
+                <a:ext cx="650114" cy="481094"/>
+              </a:xfrm>
+              <a:prstGeom prst="rect">
+                <a:avLst/>
+              </a:prstGeom>
+              <a:blipFill>
+                <a:blip r:embed="rId4"/>
+                <a:stretch>
+                  <a:fillRect l="-7692" t="-2564" r="-15385" b="-15385"/>
+                </a:stretch>
+              </a:blipFill>
+            </p:spPr>
+            <p:txBody>
+              <a:bodyPr/>
+              <a:lstStyle/>
+              <a:p>
+                <a:r>
+                  <a:rPr lang="ja-JP" altLang="en-US">
+                    <a:noFill/>
+                  </a:rPr>
+                  <a:t> </a:t>
+                </a:r>
+              </a:p>
+            </p:txBody>
+          </p:sp>
+        </mc:Fallback>
+      </mc:AlternateContent>
+    </p:spTree>
+    <p:extLst>
+      <p:ext uri="{BB962C8B-B14F-4D97-AF65-F5344CB8AC3E}">
+        <p14:creationId xmlns:p14="http://schemas.microsoft.com/office/powerpoint/2010/main" val="979249331"/>
+      </p:ext>
+    </p:extLst>
+  </p:cSld>
+  <p:clrMapOvr>
+    <a:masterClrMapping/>
+  </p:clrMapOvr>
+</p:sld>
+</file>
+
+<file path=ppt/slides/slide4.xml><?xml version="1.0" encoding="utf-8"?>
+<p:sld xmlns:a="http://schemas.openxmlformats.org/drawingml/2006/main" xmlns:r="http://schemas.openxmlformats.org/officeDocument/2006/relationships" xmlns:p="http://schemas.openxmlformats.org/presentationml/2006/main">
+  <p:cSld>
+    <p:spTree>
+      <p:nvGrpSpPr>
+        <p:cNvPr id="1" name=""/>
+        <p:cNvGrpSpPr/>
+        <p:nvPr/>
+      </p:nvGrpSpPr>
+      <p:grpSpPr>
+        <a:xfrm>
+          <a:off x="0" y="0"/>
+          <a:ext cx="0" cy="0"/>
+          <a:chOff x="0" y="0"/>
+          <a:chExt cx="0" cy="0"/>
+        </a:xfrm>
+      </p:grpSpPr>
+      <p:sp>
+        <p:nvSpPr>
+          <p:cNvPr id="3" name="正方形/長方形 2">
+            <a:extLst>
+              <a:ext uri="{FF2B5EF4-FFF2-40B4-BE49-F238E27FC236}">
+                <a16:creationId xmlns:a16="http://schemas.microsoft.com/office/drawing/2014/main" id="{BD470D40-D092-E34B-9094-F83628AFFFB3}"/>
+              </a:ext>
+            </a:extLst>
+          </p:cNvPr>
+          <p:cNvSpPr/>
+          <p:nvPr/>
+        </p:nvSpPr>
+        <p:spPr>
+          <a:xfrm>
+            <a:off x="994339" y="1718675"/>
+            <a:ext cx="1076872" cy="1330253"/>
+          </a:xfrm>
+          <a:prstGeom prst="rect">
+            <a:avLst/>
+          </a:prstGeom>
+          <a:solidFill>
+            <a:schemeClr val="accent6">
+              <a:lumMod val="20000"/>
+              <a:lumOff val="80000"/>
+            </a:schemeClr>
+          </a:solidFill>
+          <a:ln>
+            <a:solidFill>
+              <a:schemeClr val="tx1"/>
+            </a:solidFill>
+          </a:ln>
+        </p:spPr>
+        <p:txBody>
+          <a:bodyPr wrap="square" rtlCol="0" anchor="ctr">
+            <a:spAutoFit/>
+          </a:bodyPr>
+          <a:lstStyle/>
+          <a:p>
+            <a:pPr algn="ctr"/>
+            <a:endParaRPr kumimoji="1" lang="ja-JP" altLang="en-US" sz="2400" dirty="0"/>
+          </a:p>
+        </p:txBody>
+      </p:sp>
+      <p:cxnSp>
+        <p:nvCxnSpPr>
+          <p:cNvPr id="4" name="直線矢印コネクタ 3">
+            <a:extLst>
+              <a:ext uri="{FF2B5EF4-FFF2-40B4-BE49-F238E27FC236}">
+                <a16:creationId xmlns:a16="http://schemas.microsoft.com/office/drawing/2014/main" id="{B19471FA-99C7-4341-873C-00E0F0B3661A}"/>
+              </a:ext>
+            </a:extLst>
+          </p:cNvPr>
+          <p:cNvCxnSpPr>
+            <a:cxnSpLocks/>
+          </p:cNvCxnSpPr>
+          <p:nvPr/>
+        </p:nvCxnSpPr>
+        <p:spPr>
+          <a:xfrm>
+            <a:off x="107504" y="3048928"/>
+            <a:ext cx="2723851" cy="0"/>
+          </a:xfrm>
+          <a:prstGeom prst="straightConnector1">
+            <a:avLst/>
+          </a:prstGeom>
+          <a:ln w="9525">
+            <a:solidFill>
+              <a:schemeClr val="tx1"/>
+            </a:solidFill>
+            <a:headEnd type="none"/>
+            <a:tailEnd type="triangle"/>
+          </a:ln>
+          <a:effectLst/>
+        </p:spPr>
+        <p:style>
+          <a:lnRef idx="2">
+            <a:schemeClr val="accent1"/>
+          </a:lnRef>
+          <a:fillRef idx="0">
+            <a:schemeClr val="accent1"/>
+          </a:fillRef>
+          <a:effectRef idx="1">
+            <a:schemeClr val="accent1"/>
+          </a:effectRef>
+          <a:fontRef idx="minor">
+            <a:schemeClr val="tx1"/>
+          </a:fontRef>
+        </p:style>
+      </p:cxnSp>
+      <p:cxnSp>
+        <p:nvCxnSpPr>
+          <p:cNvPr id="5" name="直線矢印コネクタ 4">
+            <a:extLst>
+              <a:ext uri="{FF2B5EF4-FFF2-40B4-BE49-F238E27FC236}">
+                <a16:creationId xmlns:a16="http://schemas.microsoft.com/office/drawing/2014/main" id="{36F7E937-3F11-0841-9E76-5775FFF3D082}"/>
+              </a:ext>
+            </a:extLst>
+          </p:cNvPr>
+          <p:cNvCxnSpPr/>
+          <p:nvPr/>
+        </p:nvCxnSpPr>
+        <p:spPr>
+          <a:xfrm flipV="1">
+            <a:off x="360886" y="1085221"/>
+            <a:ext cx="0" cy="2343779"/>
+          </a:xfrm>
+          <a:prstGeom prst="straightConnector1">
+            <a:avLst/>
+          </a:prstGeom>
+          <a:ln w="9525">
+            <a:solidFill>
+              <a:schemeClr val="tx1"/>
+            </a:solidFill>
+            <a:headEnd type="none"/>
+            <a:tailEnd type="triangle"/>
+          </a:ln>
+          <a:effectLst/>
+        </p:spPr>
+        <p:style>
+          <a:lnRef idx="2">
+            <a:schemeClr val="accent1"/>
+          </a:lnRef>
+          <a:fillRef idx="0">
+            <a:schemeClr val="accent1"/>
+          </a:fillRef>
+          <a:effectRef idx="1">
+            <a:schemeClr val="accent1"/>
+          </a:effectRef>
+          <a:fontRef idx="minor">
+            <a:schemeClr val="tx1"/>
+          </a:fontRef>
+        </p:style>
+      </p:cxnSp>
+      <p:sp>
+        <p:nvSpPr>
+          <p:cNvPr id="6" name="フリーフォーム 5">
+            <a:extLst>
+              <a:ext uri="{FF2B5EF4-FFF2-40B4-BE49-F238E27FC236}">
+                <a16:creationId xmlns:a16="http://schemas.microsoft.com/office/drawing/2014/main" id="{7896A031-F00F-8B46-95E9-2518D84DEF48}"/>
+              </a:ext>
+            </a:extLst>
+          </p:cNvPr>
+          <p:cNvSpPr/>
+          <p:nvPr/>
+        </p:nvSpPr>
+        <p:spPr>
+          <a:xfrm>
+            <a:off x="360886" y="1211912"/>
+            <a:ext cx="2280433" cy="1013526"/>
+          </a:xfrm>
+          <a:custGeom>
+            <a:avLst/>
+            <a:gdLst>
+              <a:gd name="connsiteX0" fmla="*/ 0 w 3478491"/>
+              <a:gd name="connsiteY0" fmla="*/ 1650647 h 1650647"/>
+              <a:gd name="connsiteX1" fmla="*/ 2224726 w 3478491"/>
+              <a:gd name="connsiteY1" fmla="*/ 48091 h 1650647"/>
+              <a:gd name="connsiteX2" fmla="*/ 3478491 w 3478491"/>
+              <a:gd name="connsiteY2" fmla="*/ 575992 h 1650647"/>
+            </a:gdLst>
+            <a:ahLst/>
+            <a:cxnLst>
+              <a:cxn ang="0">
+                <a:pos x="connsiteX0" y="connsiteY0"/>
+              </a:cxn>
+              <a:cxn ang="0">
+                <a:pos x="connsiteX1" y="connsiteY1"/>
+              </a:cxn>
+              <a:cxn ang="0">
+                <a:pos x="connsiteX2" y="connsiteY2"/>
+              </a:cxn>
+            </a:cxnLst>
+            <a:rect l="l" t="t" r="r" b="b"/>
+            <a:pathLst>
+              <a:path w="3478491" h="1650647">
+                <a:moveTo>
+                  <a:pt x="0" y="1650647"/>
+                </a:moveTo>
+                <a:cubicBezTo>
+                  <a:pt x="822489" y="938923"/>
+                  <a:pt x="1644978" y="227200"/>
+                  <a:pt x="2224726" y="48091"/>
+                </a:cubicBezTo>
+                <a:cubicBezTo>
+                  <a:pt x="2804474" y="-131018"/>
+                  <a:pt x="3141482" y="222487"/>
+                  <a:pt x="3478491" y="575992"/>
+                </a:cubicBezTo>
+              </a:path>
+            </a:pathLst>
+          </a:custGeom>
+          <a:noFill/>
+          <a:ln>
+            <a:solidFill>
+              <a:schemeClr val="tx1"/>
+            </a:solidFill>
+          </a:ln>
+        </p:spPr>
+        <p:txBody>
+          <a:bodyPr rtlCol="0" anchor="ctr"/>
+          <a:lstStyle/>
+          <a:p>
+            <a:pPr algn="ctr"/>
+            <a:endParaRPr kumimoji="1" lang="ja-JP" altLang="en-US"/>
+          </a:p>
+        </p:txBody>
+      </p:sp>
+      <mc:AlternateContent xmlns:mc="http://schemas.openxmlformats.org/markup-compatibility/2006">
+        <mc:Choice xmlns:a14="http://schemas.microsoft.com/office/drawing/2010/main" Requires="a14">
+          <p:sp>
+            <p:nvSpPr>
+              <p:cNvPr id="7" name="テキスト ボックス 6">
+                <a:extLst>
+                  <a:ext uri="{FF2B5EF4-FFF2-40B4-BE49-F238E27FC236}">
+                    <a16:creationId xmlns:a16="http://schemas.microsoft.com/office/drawing/2014/main" id="{D5D79422-7F73-534E-A10E-32730A0EF056}"/>
+                  </a:ext>
+                </a:extLst>
+              </p:cNvPr>
+              <p:cNvSpPr txBox="1"/>
+              <p:nvPr/>
+            </p:nvSpPr>
+            <p:spPr>
+              <a:xfrm>
+                <a:off x="867649" y="3048928"/>
+                <a:ext cx="164982" cy="307777"/>
+              </a:xfrm>
+              <a:prstGeom prst="rect">
+                <a:avLst/>
+              </a:prstGeom>
+              <a:noFill/>
+            </p:spPr>
+            <p:txBody>
+              <a:bodyPr wrap="none" lIns="0" tIns="0" rIns="0" bIns="0" rtlCol="0">
+                <a:spAutoFit/>
+              </a:bodyPr>
+              <a:lstStyle/>
+              <a:p>
+                <a:pPr/>
+                <a14:m>
+                  <m:oMathPara xmlns:m="http://schemas.openxmlformats.org/officeDocument/2006/math">
+                    <m:oMathParaPr>
+                      <m:jc m:val="centerGroup"/>
+                    </m:oMathParaPr>
+                    <m:oMath xmlns:m="http://schemas.openxmlformats.org/officeDocument/2006/math">
+                      <m:r>
+                        <a:rPr kumimoji="1" lang="en-US" altLang="ja-JP" sz="2000" i="1" dirty="0" smtClean="0">
+                          <a:latin typeface="Cambria Math" panose="02040503050406030204" pitchFamily="18" charset="0"/>
+                        </a:rPr>
+                        <m:t>𝑡</m:t>
+                      </m:r>
+                    </m:oMath>
+                  </m:oMathPara>
+                </a14:m>
+                <a:endParaRPr kumimoji="1" lang="ja-JP" altLang="en-US" sz="2000" dirty="0"/>
+              </a:p>
+            </p:txBody>
+          </p:sp>
+        </mc:Choice>
+        <mc:Fallback>
+          <p:sp>
+            <p:nvSpPr>
+              <p:cNvPr id="7" name="テキスト ボックス 6">
+                <a:extLst>
+                  <a:ext uri="{FF2B5EF4-FFF2-40B4-BE49-F238E27FC236}">
+                    <a16:creationId xmlns:a16="http://schemas.microsoft.com/office/drawing/2014/main" id="{D5D79422-7F73-534E-A10E-32730A0EF056}"/>
+                  </a:ext>
+                </a:extLst>
+              </p:cNvPr>
+              <p:cNvSpPr txBox="1">
+                <a:spLocks noRot="1" noChangeAspect="1" noMove="1" noResize="1" noEditPoints="1" noAdjustHandles="1" noChangeArrowheads="1" noChangeShapeType="1" noTextEdit="1"/>
+              </p:cNvSpPr>
+              <p:nvPr/>
+            </p:nvSpPr>
+            <p:spPr>
+              <a:xfrm>
+                <a:off x="867649" y="3048928"/>
+                <a:ext cx="164982" cy="307777"/>
+              </a:xfrm>
+              <a:prstGeom prst="rect">
+                <a:avLst/>
+              </a:prstGeom>
+              <a:blipFill>
+                <a:blip r:embed="rId2"/>
+                <a:stretch>
+                  <a:fillRect l="-21429" r="-21429" b="-4167"/>
+                </a:stretch>
+              </a:blipFill>
+            </p:spPr>
+            <p:txBody>
+              <a:bodyPr/>
+              <a:lstStyle/>
+              <a:p>
+                <a:r>
+                  <a:rPr lang="ja-JP" altLang="en-US">
+                    <a:noFill/>
+                  </a:rPr>
+                  <a:t> </a:t>
+                </a:r>
+              </a:p>
+            </p:txBody>
+          </p:sp>
+        </mc:Fallback>
+      </mc:AlternateContent>
+      <mc:AlternateContent xmlns:mc="http://schemas.openxmlformats.org/markup-compatibility/2006">
+        <mc:Choice xmlns:a14="http://schemas.microsoft.com/office/drawing/2010/main" Requires="a14">
+          <p:sp>
+            <p:nvSpPr>
+              <p:cNvPr id="8" name="テキスト ボックス 7">
+                <a:extLst>
+                  <a:ext uri="{FF2B5EF4-FFF2-40B4-BE49-F238E27FC236}">
+                    <a16:creationId xmlns:a16="http://schemas.microsoft.com/office/drawing/2014/main" id="{7D795072-0501-6A4C-A557-C7F82E2E93D7}"/>
+                  </a:ext>
+                </a:extLst>
+              </p:cNvPr>
+              <p:cNvSpPr txBox="1"/>
+              <p:nvPr/>
+            </p:nvSpPr>
+            <p:spPr>
+              <a:xfrm>
+                <a:off x="1817829" y="3048928"/>
+                <a:ext cx="618374" cy="307777"/>
+              </a:xfrm>
+              <a:prstGeom prst="rect">
+                <a:avLst/>
+              </a:prstGeom>
+              <a:noFill/>
+            </p:spPr>
+            <p:txBody>
+              <a:bodyPr wrap="none" lIns="0" tIns="0" rIns="0" bIns="0" rtlCol="0">
+                <a:spAutoFit/>
+              </a:bodyPr>
+              <a:lstStyle/>
+              <a:p>
+                <a:pPr/>
+                <a14:m>
+                  <m:oMathPara xmlns:m="http://schemas.openxmlformats.org/officeDocument/2006/math">
+                    <m:oMathParaPr>
+                      <m:jc m:val="centerGroup"/>
+                    </m:oMathParaPr>
+                    <m:oMath xmlns:m="http://schemas.openxmlformats.org/officeDocument/2006/math">
+                      <m:r>
+                        <a:rPr kumimoji="1" lang="en-US" altLang="ja-JP" sz="2000" i="1" dirty="0" smtClean="0">
+                          <a:latin typeface="Cambria Math" panose="02040503050406030204" pitchFamily="18" charset="0"/>
+                        </a:rPr>
+                        <m:t>𝑡</m:t>
+                      </m:r>
+                      <m:r>
+                        <a:rPr kumimoji="1" lang="en-US" altLang="ja-JP" sz="2000" b="0" i="1" dirty="0" smtClean="0">
+                          <a:latin typeface="Cambria Math" panose="02040503050406030204" pitchFamily="18" charset="0"/>
+                        </a:rPr>
+                        <m:t>+</m:t>
+                      </m:r>
+                      <m:r>
+                        <a:rPr kumimoji="1" lang="en-US" altLang="ja-JP" sz="2000" b="0" i="1" dirty="0" smtClean="0">
+                          <a:latin typeface="Cambria Math" panose="02040503050406030204" pitchFamily="18" charset="0"/>
+                        </a:rPr>
+                        <m:t>h</m:t>
+                      </m:r>
+                    </m:oMath>
+                  </m:oMathPara>
+                </a14:m>
+                <a:endParaRPr kumimoji="1" lang="ja-JP" altLang="en-US" sz="2000" dirty="0"/>
+              </a:p>
+            </p:txBody>
+          </p:sp>
+        </mc:Choice>
+        <mc:Fallback>
+          <p:sp>
+            <p:nvSpPr>
+              <p:cNvPr id="8" name="テキスト ボックス 7">
+                <a:extLst>
+                  <a:ext uri="{FF2B5EF4-FFF2-40B4-BE49-F238E27FC236}">
+                    <a16:creationId xmlns:a16="http://schemas.microsoft.com/office/drawing/2014/main" id="{7D795072-0501-6A4C-A557-C7F82E2E93D7}"/>
+                  </a:ext>
+                </a:extLst>
+              </p:cNvPr>
+              <p:cNvSpPr txBox="1">
+                <a:spLocks noRot="1" noChangeAspect="1" noMove="1" noResize="1" noEditPoints="1" noAdjustHandles="1" noChangeArrowheads="1" noChangeShapeType="1" noTextEdit="1"/>
+              </p:cNvSpPr>
+              <p:nvPr/>
+            </p:nvSpPr>
+            <p:spPr>
+              <a:xfrm>
+                <a:off x="1817829" y="3048928"/>
+                <a:ext cx="618374" cy="307777"/>
+              </a:xfrm>
+              <a:prstGeom prst="rect">
+                <a:avLst/>
+              </a:prstGeom>
+              <a:blipFill>
+                <a:blip r:embed="rId3"/>
+                <a:stretch>
+                  <a:fillRect l="-6000" r="-8000" b="-8333"/>
+                </a:stretch>
+              </a:blipFill>
+            </p:spPr>
+            <p:txBody>
+              <a:bodyPr/>
+              <a:lstStyle/>
+              <a:p>
+                <a:r>
+                  <a:rPr lang="ja-JP" altLang="en-US">
+                    <a:noFill/>
+                  </a:rPr>
+                  <a:t> </a:t>
+                </a:r>
+              </a:p>
+            </p:txBody>
+          </p:sp>
+        </mc:Fallback>
+      </mc:AlternateContent>
+      <p:cxnSp>
+        <p:nvCxnSpPr>
+          <p:cNvPr id="9" name="直線コネクタ 8">
+            <a:extLst>
+              <a:ext uri="{FF2B5EF4-FFF2-40B4-BE49-F238E27FC236}">
+                <a16:creationId xmlns:a16="http://schemas.microsoft.com/office/drawing/2014/main" id="{F7383811-9015-8F4B-8F50-00BE364FCB54}"/>
+              </a:ext>
+            </a:extLst>
+          </p:cNvPr>
+          <p:cNvCxnSpPr>
+            <a:cxnSpLocks/>
+          </p:cNvCxnSpPr>
+          <p:nvPr/>
+        </p:nvCxnSpPr>
+        <p:spPr>
+          <a:xfrm flipV="1">
+            <a:off x="994339" y="2985582"/>
+            <a:ext cx="0" cy="126692"/>
+          </a:xfrm>
+          <a:prstGeom prst="line">
+            <a:avLst/>
+          </a:prstGeom>
+          <a:ln w="9525">
+            <a:solidFill>
+              <a:schemeClr val="tx1"/>
+            </a:solidFill>
+            <a:headEnd type="none"/>
+            <a:tailEnd type="none"/>
+          </a:ln>
+          <a:effectLst/>
+        </p:spPr>
+        <p:style>
+          <a:lnRef idx="2">
+            <a:schemeClr val="accent1"/>
+          </a:lnRef>
+          <a:fillRef idx="0">
+            <a:schemeClr val="accent1"/>
+          </a:fillRef>
+          <a:effectRef idx="1">
+            <a:schemeClr val="accent1"/>
+          </a:effectRef>
+          <a:fontRef idx="minor">
+            <a:schemeClr val="tx1"/>
+          </a:fontRef>
+        </p:style>
+      </p:cxnSp>
+      <p:cxnSp>
+        <p:nvCxnSpPr>
+          <p:cNvPr id="10" name="直線コネクタ 9">
+            <a:extLst>
+              <a:ext uri="{FF2B5EF4-FFF2-40B4-BE49-F238E27FC236}">
+                <a16:creationId xmlns:a16="http://schemas.microsoft.com/office/drawing/2014/main" id="{40A1CE29-1382-7A45-9DAD-8A3018C070AF}"/>
+              </a:ext>
+            </a:extLst>
+          </p:cNvPr>
+          <p:cNvCxnSpPr>
+            <a:cxnSpLocks/>
+          </p:cNvCxnSpPr>
+          <p:nvPr/>
+        </p:nvCxnSpPr>
+        <p:spPr>
+          <a:xfrm flipV="1">
+            <a:off x="2071211" y="2985582"/>
+            <a:ext cx="0" cy="126692"/>
+          </a:xfrm>
+          <a:prstGeom prst="line">
+            <a:avLst/>
+          </a:prstGeom>
+          <a:ln w="9525">
+            <a:solidFill>
+              <a:schemeClr val="tx1"/>
+            </a:solidFill>
+            <a:headEnd type="none"/>
+            <a:tailEnd type="none"/>
+          </a:ln>
+          <a:effectLst/>
+        </p:spPr>
+        <p:style>
+          <a:lnRef idx="2">
+            <a:schemeClr val="accent1"/>
+          </a:lnRef>
+          <a:fillRef idx="0">
+            <a:schemeClr val="accent1"/>
+          </a:fillRef>
+          <a:effectRef idx="1">
+            <a:schemeClr val="accent1"/>
+          </a:effectRef>
+          <a:fontRef idx="minor">
+            <a:schemeClr val="tx1"/>
+          </a:fontRef>
+        </p:style>
+      </p:cxnSp>
+      <p:sp>
+        <p:nvSpPr>
+          <p:cNvPr id="11" name="円/楕円 10">
+            <a:extLst>
+              <a:ext uri="{FF2B5EF4-FFF2-40B4-BE49-F238E27FC236}">
+                <a16:creationId xmlns:a16="http://schemas.microsoft.com/office/drawing/2014/main" id="{869454E4-BCB0-B849-992B-77438BCD10F2}"/>
+              </a:ext>
+            </a:extLst>
+          </p:cNvPr>
+          <p:cNvSpPr/>
+          <p:nvPr/>
+        </p:nvSpPr>
+        <p:spPr>
+          <a:xfrm>
+            <a:off x="930994" y="1655329"/>
+            <a:ext cx="126691" cy="126691"/>
+          </a:xfrm>
+          <a:prstGeom prst="ellipse">
+            <a:avLst/>
+          </a:prstGeom>
+          <a:solidFill>
+            <a:srgbClr val="FF0000"/>
+          </a:solidFill>
+          <a:ln>
+            <a:solidFill>
+              <a:schemeClr val="tx1"/>
+            </a:solidFill>
+          </a:ln>
+        </p:spPr>
+        <p:txBody>
+          <a:bodyPr wrap="square" rtlCol="0" anchor="ctr">
+            <a:spAutoFit/>
+          </a:bodyPr>
+          <a:lstStyle/>
+          <a:p>
+            <a:pPr algn="ctr"/>
+            <a:endParaRPr kumimoji="1" lang="ja-JP" altLang="en-US" sz="2400" dirty="0"/>
+          </a:p>
+        </p:txBody>
+      </p:sp>
+      <mc:AlternateContent xmlns:mc="http://schemas.openxmlformats.org/markup-compatibility/2006">
+        <mc:Choice xmlns:a14="http://schemas.microsoft.com/office/drawing/2010/main" Requires="a14">
+          <p:sp>
+            <p:nvSpPr>
+              <p:cNvPr id="12" name="テキスト ボックス 11">
+                <a:extLst>
+                  <a:ext uri="{FF2B5EF4-FFF2-40B4-BE49-F238E27FC236}">
+                    <a16:creationId xmlns:a16="http://schemas.microsoft.com/office/drawing/2014/main" id="{18F60867-A0CE-F047-ADCA-4542C70319E6}"/>
+                  </a:ext>
+                </a:extLst>
+              </p:cNvPr>
+              <p:cNvSpPr txBox="1"/>
+              <p:nvPr/>
+            </p:nvSpPr>
+            <p:spPr>
+              <a:xfrm>
+                <a:off x="611560" y="1268760"/>
+                <a:ext cx="593624" cy="215444"/>
+              </a:xfrm>
+              <a:prstGeom prst="rect">
+                <a:avLst/>
+              </a:prstGeom>
+              <a:noFill/>
+            </p:spPr>
+            <p:txBody>
+              <a:bodyPr wrap="none" lIns="0" tIns="0" rIns="0" bIns="0" rtlCol="0">
+                <a:spAutoFit/>
+              </a:bodyPr>
+              <a:lstStyle/>
+              <a:p>
+                <a:pPr/>
+                <a14:m>
+                  <m:oMathPara xmlns:m="http://schemas.openxmlformats.org/officeDocument/2006/math">
+                    <m:oMathParaPr>
+                      <m:jc m:val="centerGroup"/>
+                    </m:oMathParaPr>
+                    <m:oMath xmlns:m="http://schemas.openxmlformats.org/officeDocument/2006/math">
+                      <m:sSub>
+                        <m:sSubPr>
+                          <m:ctrlPr>
+                            <a:rPr kumimoji="1" lang="en-US" altLang="ja-JP" sz="1400" i="1" dirty="0" smtClean="0">
+                              <a:latin typeface="Cambria Math" panose="02040503050406030204" pitchFamily="18" charset="0"/>
+                            </a:rPr>
+                          </m:ctrlPr>
+                        </m:sSubPr>
+                        <m:e>
+                          <m:r>
+                            <a:rPr kumimoji="1" lang="en-US" altLang="ja-JP" sz="1400" b="0" i="1" dirty="0" smtClean="0">
+                              <a:latin typeface="Cambria Math" panose="02040503050406030204" pitchFamily="18" charset="0"/>
+                            </a:rPr>
+                            <m:t>𝑓</m:t>
+                          </m:r>
+                          <m:r>
+                            <a:rPr kumimoji="1" lang="en-US" altLang="ja-JP" sz="1400" b="0" i="1" dirty="0" smtClean="0">
+                              <a:latin typeface="Cambria Math" panose="02040503050406030204" pitchFamily="18" charset="0"/>
+                            </a:rPr>
+                            <m:t>(</m:t>
+                          </m:r>
+                          <m:r>
+                            <a:rPr kumimoji="1" lang="en-US" altLang="ja-JP" sz="1400" b="0" i="1" dirty="0" smtClean="0">
+                              <a:latin typeface="Cambria Math" panose="02040503050406030204" pitchFamily="18" charset="0"/>
+                            </a:rPr>
+                            <m:t>𝑥</m:t>
+                          </m:r>
+                        </m:e>
+                        <m:sub>
+                          <m:r>
+                            <a:rPr kumimoji="1" lang="en-US" altLang="ja-JP" sz="1400" b="0" i="1" dirty="0" smtClean="0">
+                              <a:latin typeface="Cambria Math" panose="02040503050406030204" pitchFamily="18" charset="0"/>
+                            </a:rPr>
+                            <m:t>𝑡</m:t>
+                          </m:r>
+                        </m:sub>
+                      </m:sSub>
+                      <m:r>
+                        <a:rPr kumimoji="1" lang="en-US" altLang="ja-JP" sz="1400" b="0" i="1" dirty="0" smtClean="0">
+                          <a:latin typeface="Cambria Math" panose="02040503050406030204" pitchFamily="18" charset="0"/>
+                        </a:rPr>
+                        <m:t>)</m:t>
+                      </m:r>
+                      <m:r>
+                        <a:rPr kumimoji="1" lang="en-US" altLang="ja-JP" sz="1400" b="0" i="1" dirty="0" smtClean="0">
+                          <a:latin typeface="Cambria Math" panose="02040503050406030204" pitchFamily="18" charset="0"/>
+                        </a:rPr>
+                        <m:t>𝑤</m:t>
+                      </m:r>
+                    </m:oMath>
+                  </m:oMathPara>
+                </a14:m>
+                <a:endParaRPr kumimoji="1" lang="ja-JP" altLang="en-US" sz="1400" dirty="0"/>
+              </a:p>
+            </p:txBody>
+          </p:sp>
+        </mc:Choice>
+        <mc:Fallback>
+          <p:sp>
+            <p:nvSpPr>
+              <p:cNvPr id="12" name="テキスト ボックス 11">
+                <a:extLst>
+                  <a:ext uri="{FF2B5EF4-FFF2-40B4-BE49-F238E27FC236}">
+                    <a16:creationId xmlns:a16="http://schemas.microsoft.com/office/drawing/2014/main" id="{18F60867-A0CE-F047-ADCA-4542C70319E6}"/>
+                  </a:ext>
+                </a:extLst>
+              </p:cNvPr>
+              <p:cNvSpPr txBox="1">
+                <a:spLocks noRot="1" noChangeAspect="1" noMove="1" noResize="1" noEditPoints="1" noAdjustHandles="1" noChangeArrowheads="1" noChangeShapeType="1" noTextEdit="1"/>
+              </p:cNvSpPr>
+              <p:nvPr/>
+            </p:nvSpPr>
+            <p:spPr>
+              <a:xfrm>
+                <a:off x="611560" y="1268760"/>
+                <a:ext cx="593624" cy="215444"/>
+              </a:xfrm>
+              <a:prstGeom prst="rect">
+                <a:avLst/>
+              </a:prstGeom>
+              <a:blipFill>
+                <a:blip r:embed="rId4"/>
+                <a:stretch>
+                  <a:fillRect l="-10638" r="-2128" b="-27778"/>
+                </a:stretch>
+              </a:blipFill>
+            </p:spPr>
+            <p:txBody>
+              <a:bodyPr/>
+              <a:lstStyle/>
+              <a:p>
+                <a:r>
+                  <a:rPr lang="ja-JP" altLang="en-US">
+                    <a:noFill/>
+                  </a:rPr>
+                  <a:t> </a:t>
+                </a:r>
+              </a:p>
+            </p:txBody>
+          </p:sp>
+        </mc:Fallback>
+      </mc:AlternateContent>
+      <p:sp>
+        <p:nvSpPr>
+          <p:cNvPr id="23" name="正方形/長方形 22">
+            <a:extLst>
+              <a:ext uri="{FF2B5EF4-FFF2-40B4-BE49-F238E27FC236}">
+                <a16:creationId xmlns:a16="http://schemas.microsoft.com/office/drawing/2014/main" id="{43212E29-2C6B-2C48-9B79-9198815BDC71}"/>
+              </a:ext>
+            </a:extLst>
+          </p:cNvPr>
+          <p:cNvSpPr/>
+          <p:nvPr/>
+        </p:nvSpPr>
+        <p:spPr>
+          <a:xfrm>
+            <a:off x="4427984" y="1484784"/>
+            <a:ext cx="1076872" cy="1583635"/>
+          </a:xfrm>
+          <a:prstGeom prst="rect">
+            <a:avLst/>
+          </a:prstGeom>
+          <a:solidFill>
+            <a:schemeClr val="accent6">
+              <a:lumMod val="20000"/>
+              <a:lumOff val="80000"/>
+            </a:schemeClr>
+          </a:solidFill>
+          <a:ln>
+            <a:solidFill>
+              <a:schemeClr val="tx1"/>
+            </a:solidFill>
+          </a:ln>
+        </p:spPr>
+        <p:txBody>
+          <a:bodyPr wrap="square" rtlCol="0" anchor="ctr">
+            <a:spAutoFit/>
+          </a:bodyPr>
+          <a:lstStyle/>
+          <a:p>
+            <a:pPr algn="ctr"/>
+            <a:endParaRPr kumimoji="1" lang="ja-JP" altLang="en-US" sz="2400" dirty="0"/>
+          </a:p>
+        </p:txBody>
+      </p:sp>
+      <p:cxnSp>
+        <p:nvCxnSpPr>
+          <p:cNvPr id="24" name="直線矢印コネクタ 23">
+            <a:extLst>
+              <a:ext uri="{FF2B5EF4-FFF2-40B4-BE49-F238E27FC236}">
+                <a16:creationId xmlns:a16="http://schemas.microsoft.com/office/drawing/2014/main" id="{391CC0E9-88AC-D64B-A997-D0967A9A63DC}"/>
+              </a:ext>
+            </a:extLst>
+          </p:cNvPr>
+          <p:cNvCxnSpPr>
+            <a:cxnSpLocks/>
+          </p:cNvCxnSpPr>
+          <p:nvPr/>
+        </p:nvCxnSpPr>
+        <p:spPr>
+          <a:xfrm>
+            <a:off x="3541149" y="3068419"/>
+            <a:ext cx="2723851" cy="0"/>
+          </a:xfrm>
+          <a:prstGeom prst="straightConnector1">
+            <a:avLst/>
+          </a:prstGeom>
+          <a:ln w="9525">
+            <a:solidFill>
+              <a:schemeClr val="tx1"/>
+            </a:solidFill>
+            <a:headEnd type="none"/>
+            <a:tailEnd type="triangle"/>
+          </a:ln>
+          <a:effectLst/>
+        </p:spPr>
+        <p:style>
+          <a:lnRef idx="2">
+            <a:schemeClr val="accent1"/>
+          </a:lnRef>
+          <a:fillRef idx="0">
+            <a:schemeClr val="accent1"/>
+          </a:fillRef>
+          <a:effectRef idx="1">
+            <a:schemeClr val="accent1"/>
+          </a:effectRef>
+          <a:fontRef idx="minor">
+            <a:schemeClr val="tx1"/>
+          </a:fontRef>
+        </p:style>
+      </p:cxnSp>
+      <p:sp>
+        <p:nvSpPr>
+          <p:cNvPr id="26" name="フリーフォーム 25">
+            <a:extLst>
+              <a:ext uri="{FF2B5EF4-FFF2-40B4-BE49-F238E27FC236}">
+                <a16:creationId xmlns:a16="http://schemas.microsoft.com/office/drawing/2014/main" id="{FAA7E7DA-0DC7-8440-9590-E8B10627B31A}"/>
+              </a:ext>
+            </a:extLst>
+          </p:cNvPr>
+          <p:cNvSpPr/>
+          <p:nvPr/>
+        </p:nvSpPr>
+        <p:spPr>
+          <a:xfrm>
+            <a:off x="3794530" y="1231403"/>
+            <a:ext cx="2280433" cy="1013526"/>
+          </a:xfrm>
+          <a:custGeom>
+            <a:avLst/>
+            <a:gdLst>
+              <a:gd name="connsiteX0" fmla="*/ 0 w 3478491"/>
+              <a:gd name="connsiteY0" fmla="*/ 1650647 h 1650647"/>
+              <a:gd name="connsiteX1" fmla="*/ 2224726 w 3478491"/>
+              <a:gd name="connsiteY1" fmla="*/ 48091 h 1650647"/>
+              <a:gd name="connsiteX2" fmla="*/ 3478491 w 3478491"/>
+              <a:gd name="connsiteY2" fmla="*/ 575992 h 1650647"/>
+            </a:gdLst>
+            <a:ahLst/>
+            <a:cxnLst>
+              <a:cxn ang="0">
+                <a:pos x="connsiteX0" y="connsiteY0"/>
+              </a:cxn>
+              <a:cxn ang="0">
+                <a:pos x="connsiteX1" y="connsiteY1"/>
+              </a:cxn>
+              <a:cxn ang="0">
+                <a:pos x="connsiteX2" y="connsiteY2"/>
+              </a:cxn>
+            </a:cxnLst>
+            <a:rect l="l" t="t" r="r" b="b"/>
+            <a:pathLst>
+              <a:path w="3478491" h="1650647">
+                <a:moveTo>
+                  <a:pt x="0" y="1650647"/>
+                </a:moveTo>
+                <a:cubicBezTo>
+                  <a:pt x="822489" y="938923"/>
+                  <a:pt x="1644978" y="227200"/>
+                  <a:pt x="2224726" y="48091"/>
+                </a:cubicBezTo>
+                <a:cubicBezTo>
+                  <a:pt x="2804474" y="-131018"/>
+                  <a:pt x="3141482" y="222487"/>
+                  <a:pt x="3478491" y="575992"/>
+                </a:cubicBezTo>
+              </a:path>
+            </a:pathLst>
+          </a:custGeom>
+          <a:noFill/>
+          <a:ln>
+            <a:solidFill>
+              <a:schemeClr val="tx1"/>
+            </a:solidFill>
+          </a:ln>
+        </p:spPr>
+        <p:txBody>
+          <a:bodyPr rtlCol="0" anchor="ctr"/>
+          <a:lstStyle/>
+          <a:p>
+            <a:pPr algn="ctr"/>
+            <a:endParaRPr kumimoji="1" lang="ja-JP" altLang="en-US"/>
+          </a:p>
+        </p:txBody>
+      </p:sp>
+      <p:cxnSp>
+        <p:nvCxnSpPr>
+          <p:cNvPr id="29" name="直線コネクタ 28">
+            <a:extLst>
+              <a:ext uri="{FF2B5EF4-FFF2-40B4-BE49-F238E27FC236}">
+                <a16:creationId xmlns:a16="http://schemas.microsoft.com/office/drawing/2014/main" id="{E1B70F9C-D922-2B42-8185-D9B991BE321F}"/>
+              </a:ext>
+            </a:extLst>
+          </p:cNvPr>
+          <p:cNvCxnSpPr>
+            <a:cxnSpLocks/>
+          </p:cNvCxnSpPr>
+          <p:nvPr/>
+        </p:nvCxnSpPr>
+        <p:spPr>
+          <a:xfrm flipV="1">
+            <a:off x="4427984" y="3005073"/>
+            <a:ext cx="0" cy="126692"/>
+          </a:xfrm>
+          <a:prstGeom prst="line">
+            <a:avLst/>
+          </a:prstGeom>
+          <a:ln w="9525">
+            <a:solidFill>
+              <a:schemeClr val="tx1"/>
+            </a:solidFill>
+            <a:headEnd type="none"/>
+            <a:tailEnd type="none"/>
+          </a:ln>
+          <a:effectLst/>
+        </p:spPr>
+        <p:style>
+          <a:lnRef idx="2">
+            <a:schemeClr val="accent1"/>
+          </a:lnRef>
+          <a:fillRef idx="0">
+            <a:schemeClr val="accent1"/>
+          </a:fillRef>
+          <a:effectRef idx="1">
+            <a:schemeClr val="accent1"/>
+          </a:effectRef>
+          <a:fontRef idx="minor">
+            <a:schemeClr val="tx1"/>
+          </a:fontRef>
+        </p:style>
+      </p:cxnSp>
+      <p:cxnSp>
+        <p:nvCxnSpPr>
+          <p:cNvPr id="30" name="直線コネクタ 29">
+            <a:extLst>
+              <a:ext uri="{FF2B5EF4-FFF2-40B4-BE49-F238E27FC236}">
+                <a16:creationId xmlns:a16="http://schemas.microsoft.com/office/drawing/2014/main" id="{4AA57D32-28B5-C34E-A408-8657918ABEF5}"/>
+              </a:ext>
+            </a:extLst>
+          </p:cNvPr>
+          <p:cNvCxnSpPr>
+            <a:cxnSpLocks/>
+          </p:cNvCxnSpPr>
+          <p:nvPr/>
+        </p:nvCxnSpPr>
+        <p:spPr>
+          <a:xfrm flipV="1">
+            <a:off x="5504855" y="3005073"/>
+            <a:ext cx="0" cy="126692"/>
+          </a:xfrm>
+          <a:prstGeom prst="line">
+            <a:avLst/>
+          </a:prstGeom>
+          <a:ln w="9525">
+            <a:solidFill>
+              <a:schemeClr val="tx1"/>
+            </a:solidFill>
+            <a:headEnd type="none"/>
+            <a:tailEnd type="none"/>
+          </a:ln>
+          <a:effectLst/>
+        </p:spPr>
+        <p:style>
+          <a:lnRef idx="2">
+            <a:schemeClr val="accent1"/>
+          </a:lnRef>
+          <a:fillRef idx="0">
+            <a:schemeClr val="accent1"/>
+          </a:fillRef>
+          <a:effectRef idx="1">
+            <a:schemeClr val="accent1"/>
+          </a:effectRef>
+          <a:fontRef idx="minor">
+            <a:schemeClr val="tx1"/>
+          </a:fontRef>
+        </p:style>
+      </p:cxnSp>
+      <p:sp>
+        <p:nvSpPr>
+          <p:cNvPr id="31" name="円/楕円 30">
+            <a:extLst>
+              <a:ext uri="{FF2B5EF4-FFF2-40B4-BE49-F238E27FC236}">
+                <a16:creationId xmlns:a16="http://schemas.microsoft.com/office/drawing/2014/main" id="{C8F02658-B34B-2440-8F10-D78776CEBE57}"/>
+              </a:ext>
+            </a:extLst>
+          </p:cNvPr>
+          <p:cNvSpPr/>
+          <p:nvPr/>
+        </p:nvSpPr>
+        <p:spPr>
+          <a:xfrm>
+            <a:off x="5441510" y="1168057"/>
+            <a:ext cx="126691" cy="126691"/>
+          </a:xfrm>
+          <a:prstGeom prst="ellipse">
+            <a:avLst/>
+          </a:prstGeom>
+          <a:solidFill>
+            <a:srgbClr val="0070C0"/>
+          </a:solidFill>
+          <a:ln>
+            <a:solidFill>
+              <a:schemeClr val="tx1"/>
+            </a:solidFill>
+          </a:ln>
+        </p:spPr>
+        <p:txBody>
+          <a:bodyPr wrap="square" rtlCol="0" anchor="ctr">
+            <a:spAutoFit/>
+          </a:bodyPr>
+          <a:lstStyle/>
+          <a:p>
+            <a:pPr algn="ctr"/>
+            <a:endParaRPr kumimoji="1" lang="ja-JP" altLang="en-US" sz="2400" dirty="0"/>
+          </a:p>
+        </p:txBody>
+      </p:sp>
+      <mc:AlternateContent xmlns:mc="http://schemas.openxmlformats.org/markup-compatibility/2006">
+        <mc:Choice xmlns:a14="http://schemas.microsoft.com/office/drawing/2010/main" Requires="a14">
+          <p:sp>
+            <p:nvSpPr>
+              <p:cNvPr id="32" name="テキスト ボックス 31">
+                <a:extLst>
+                  <a:ext uri="{FF2B5EF4-FFF2-40B4-BE49-F238E27FC236}">
+                    <a16:creationId xmlns:a16="http://schemas.microsoft.com/office/drawing/2014/main" id="{4F75DBA5-3670-8A4A-AB7A-1B3F93EE1948}"/>
+                  </a:ext>
+                </a:extLst>
+              </p:cNvPr>
+              <p:cNvSpPr txBox="1"/>
+              <p:nvPr/>
+            </p:nvSpPr>
+            <p:spPr>
+              <a:xfrm>
+                <a:off x="4211960" y="692696"/>
+                <a:ext cx="1513043" cy="408958"/>
+              </a:xfrm>
+              <a:prstGeom prst="rect">
+                <a:avLst/>
+              </a:prstGeom>
+              <a:noFill/>
+            </p:spPr>
+            <p:txBody>
+              <a:bodyPr wrap="none" lIns="0" tIns="0" rIns="0" bIns="0" rtlCol="0">
+                <a:spAutoFit/>
+              </a:bodyPr>
+              <a:lstStyle/>
+              <a:p>
+                <a:pPr/>
+                <a14:m>
+                  <m:oMathPara xmlns:m="http://schemas.openxmlformats.org/officeDocument/2006/math">
+                    <m:oMathParaPr>
+                      <m:jc m:val="centerGroup"/>
+                    </m:oMathParaPr>
+                    <m:oMath xmlns:m="http://schemas.openxmlformats.org/officeDocument/2006/math">
+                      <m:f>
+                        <m:fPr>
+                          <m:ctrlPr>
+                            <a:rPr kumimoji="1" lang="en-US" altLang="ja-JP" sz="1400" i="1" dirty="0" smtClean="0">
+                              <a:latin typeface="Cambria Math" panose="02040503050406030204" pitchFamily="18" charset="0"/>
+                            </a:rPr>
+                          </m:ctrlPr>
+                        </m:fPr>
+                        <m:num>
+                          <m:sSub>
+                            <m:sSubPr>
+                              <m:ctrlPr>
+                                <a:rPr lang="en-US" altLang="ja-JP" sz="1400" i="1" dirty="0">
+                                  <a:latin typeface="Cambria Math" panose="02040503050406030204" pitchFamily="18" charset="0"/>
+                                </a:rPr>
+                              </m:ctrlPr>
+                            </m:sSubPr>
+                            <m:e>
+                              <m:r>
+                                <a:rPr lang="en-US" altLang="ja-JP" sz="1400" i="1" dirty="0">
+                                  <a:latin typeface="Cambria Math" panose="02040503050406030204" pitchFamily="18" charset="0"/>
+                                </a:rPr>
+                                <m:t>𝑓</m:t>
+                              </m:r>
+                              <m:r>
+                                <a:rPr lang="en-US" altLang="ja-JP" sz="1400" i="1" dirty="0">
+                                  <a:latin typeface="Cambria Math" panose="02040503050406030204" pitchFamily="18" charset="0"/>
+                                </a:rPr>
+                                <m:t>(</m:t>
+                              </m:r>
+                              <m:r>
+                                <a:rPr lang="en-US" altLang="ja-JP" sz="1400" i="1" dirty="0">
+                                  <a:latin typeface="Cambria Math" panose="02040503050406030204" pitchFamily="18" charset="0"/>
+                                </a:rPr>
+                                <m:t>𝑥</m:t>
+                              </m:r>
+                            </m:e>
+                            <m:sub>
+                              <m:r>
+                                <a:rPr lang="en-US" altLang="ja-JP" sz="1400" b="0" i="1" dirty="0">
+                                  <a:latin typeface="Cambria Math" panose="02040503050406030204" pitchFamily="18" charset="0"/>
+                                </a:rPr>
+                                <m:t>𝑡</m:t>
+                              </m:r>
+                              <m:r>
+                                <a:rPr lang="en-US" altLang="ja-JP" sz="1400" i="1" dirty="0">
+                                  <a:latin typeface="Cambria Math" panose="02040503050406030204" pitchFamily="18" charset="0"/>
+                                </a:rPr>
+                                <m:t>+</m:t>
+                              </m:r>
+                              <m:r>
+                                <a:rPr lang="en-US" altLang="ja-JP" sz="1400" b="0" i="1" dirty="0">
+                                  <a:latin typeface="Cambria Math" panose="02040503050406030204" pitchFamily="18" charset="0"/>
+                                </a:rPr>
+                                <m:t>h</m:t>
+                              </m:r>
+                            </m:sub>
+                          </m:sSub>
+                          <m:r>
+                            <a:rPr lang="en-US" altLang="ja-JP" sz="1400" i="1" dirty="0">
+                              <a:latin typeface="Cambria Math" panose="02040503050406030204" pitchFamily="18" charset="0"/>
+                            </a:rPr>
+                            <m:t>)</m:t>
+                          </m:r>
+                          <m:r>
+                            <m:rPr>
+                              <m:nor/>
+                            </m:rPr>
+                            <a:rPr lang="ja-JP" altLang="en-US" sz="1400" dirty="0"/>
+                            <m:t> </m:t>
+                          </m:r>
+                          <m:r>
+                            <a:rPr lang="en-US" altLang="ja-JP" sz="1400" b="0" i="1" dirty="0">
+                              <a:latin typeface="Cambria Math" panose="02040503050406030204" pitchFamily="18" charset="0"/>
+                            </a:rPr>
+                            <m:t>+</m:t>
+                          </m:r>
+                          <m:sSub>
+                            <m:sSubPr>
+                              <m:ctrlPr>
+                                <a:rPr lang="en-US" altLang="ja-JP" sz="1400" i="1" dirty="0">
+                                  <a:latin typeface="Cambria Math" panose="02040503050406030204" pitchFamily="18" charset="0"/>
+                                </a:rPr>
+                              </m:ctrlPr>
+                            </m:sSubPr>
+                            <m:e>
+                              <m:r>
+                                <a:rPr lang="en-US" altLang="ja-JP" sz="1400" i="1" dirty="0">
+                                  <a:latin typeface="Cambria Math" panose="02040503050406030204" pitchFamily="18" charset="0"/>
+                                </a:rPr>
+                                <m:t>𝑓</m:t>
+                              </m:r>
+                              <m:r>
+                                <a:rPr lang="en-US" altLang="ja-JP" sz="1400" i="1" dirty="0">
+                                  <a:latin typeface="Cambria Math" panose="02040503050406030204" pitchFamily="18" charset="0"/>
+                                </a:rPr>
+                                <m:t>(</m:t>
+                              </m:r>
+                              <m:r>
+                                <a:rPr lang="en-US" altLang="ja-JP" sz="1400" i="1" dirty="0">
+                                  <a:latin typeface="Cambria Math" panose="02040503050406030204" pitchFamily="18" charset="0"/>
+                                </a:rPr>
+                                <m:t>𝑥</m:t>
+                              </m:r>
+                            </m:e>
+                            <m:sub>
+                              <m:r>
+                                <a:rPr lang="en-US" altLang="ja-JP" sz="1400" b="0" i="1" dirty="0">
+                                  <a:latin typeface="Cambria Math" panose="02040503050406030204" pitchFamily="18" charset="0"/>
+                                </a:rPr>
+                                <m:t>𝑡</m:t>
+                              </m:r>
+                            </m:sub>
+                          </m:sSub>
+                          <m:r>
+                            <a:rPr lang="en-US" altLang="ja-JP" sz="1400" i="1" dirty="0">
+                              <a:latin typeface="Cambria Math" panose="02040503050406030204" pitchFamily="18" charset="0"/>
+                            </a:rPr>
+                            <m:t>)</m:t>
+                          </m:r>
+                          <m:r>
+                            <m:rPr>
+                              <m:nor/>
+                            </m:rPr>
+                            <a:rPr lang="ja-JP" altLang="en-US" sz="1400" dirty="0"/>
+                            <m:t> </m:t>
+                          </m:r>
+                        </m:num>
+                        <m:den>
+                          <m:r>
+                            <a:rPr kumimoji="1" lang="en-US" altLang="ja-JP" sz="1400" b="0" i="1" dirty="0" smtClean="0">
+                              <a:latin typeface="Cambria Math" panose="02040503050406030204" pitchFamily="18" charset="0"/>
+                            </a:rPr>
+                            <m:t>2</m:t>
+                          </m:r>
+                        </m:den>
+                      </m:f>
+                      <m:r>
+                        <a:rPr kumimoji="1" lang="en-US" altLang="ja-JP" sz="1400" b="0" i="1" dirty="0" smtClean="0">
+                          <a:latin typeface="Cambria Math" panose="02040503050406030204" pitchFamily="18" charset="0"/>
+                        </a:rPr>
+                        <m:t>𝑤</m:t>
+                      </m:r>
+                    </m:oMath>
+                  </m:oMathPara>
+                </a14:m>
+                <a:endParaRPr kumimoji="1" lang="ja-JP" altLang="en-US" sz="1400" dirty="0"/>
+              </a:p>
+            </p:txBody>
+          </p:sp>
+        </mc:Choice>
+        <mc:Fallback>
+          <p:sp>
+            <p:nvSpPr>
+              <p:cNvPr id="32" name="テキスト ボックス 31">
+                <a:extLst>
+                  <a:ext uri="{FF2B5EF4-FFF2-40B4-BE49-F238E27FC236}">
+                    <a16:creationId xmlns:a16="http://schemas.microsoft.com/office/drawing/2014/main" id="{4F75DBA5-3670-8A4A-AB7A-1B3F93EE1948}"/>
+                  </a:ext>
+                </a:extLst>
+              </p:cNvPr>
+              <p:cNvSpPr txBox="1">
+                <a:spLocks noRot="1" noChangeAspect="1" noMove="1" noResize="1" noEditPoints="1" noAdjustHandles="1" noChangeArrowheads="1" noChangeShapeType="1" noTextEdit="1"/>
+              </p:cNvSpPr>
+              <p:nvPr/>
+            </p:nvSpPr>
+            <p:spPr>
+              <a:xfrm>
+                <a:off x="4211960" y="692696"/>
+                <a:ext cx="1513043" cy="408958"/>
+              </a:xfrm>
+              <a:prstGeom prst="rect">
+                <a:avLst/>
+              </a:prstGeom>
+              <a:blipFill>
+                <a:blip r:embed="rId5"/>
+                <a:stretch>
+                  <a:fillRect l="-4167" t="-15152" r="-833" b="-15152"/>
+                </a:stretch>
+              </a:blipFill>
+            </p:spPr>
+            <p:txBody>
+              <a:bodyPr/>
+              <a:lstStyle/>
+              <a:p>
+                <a:r>
+                  <a:rPr lang="ja-JP" altLang="en-US">
+                    <a:noFill/>
+                  </a:rPr>
+                  <a:t> </a:t>
+                </a:r>
+              </a:p>
+            </p:txBody>
+          </p:sp>
+        </mc:Fallback>
+      </mc:AlternateContent>
+      <p:sp>
+        <p:nvSpPr>
+          <p:cNvPr id="33" name="円/楕円 32">
+            <a:extLst>
+              <a:ext uri="{FF2B5EF4-FFF2-40B4-BE49-F238E27FC236}">
+                <a16:creationId xmlns:a16="http://schemas.microsoft.com/office/drawing/2014/main" id="{BEBA6E1A-165F-6247-82AB-0F668BF348B8}"/>
+              </a:ext>
+            </a:extLst>
+          </p:cNvPr>
+          <p:cNvSpPr/>
+          <p:nvPr/>
+        </p:nvSpPr>
+        <p:spPr>
+          <a:xfrm>
+            <a:off x="4364638" y="1674820"/>
+            <a:ext cx="126691" cy="126691"/>
+          </a:xfrm>
+          <a:prstGeom prst="ellipse">
+            <a:avLst/>
+          </a:prstGeom>
+          <a:solidFill>
+            <a:srgbClr val="0070C0"/>
+          </a:solidFill>
+          <a:ln>
+            <a:solidFill>
+              <a:schemeClr val="tx1"/>
+            </a:solidFill>
+          </a:ln>
+        </p:spPr>
+        <p:txBody>
+          <a:bodyPr wrap="square" rtlCol="0" anchor="ctr">
+            <a:spAutoFit/>
+          </a:bodyPr>
+          <a:lstStyle/>
+          <a:p>
+            <a:pPr algn="ctr"/>
+            <a:endParaRPr kumimoji="1" lang="ja-JP" altLang="en-US" sz="2400" dirty="0"/>
+          </a:p>
+        </p:txBody>
+      </p:sp>
+      <p:sp>
+        <p:nvSpPr>
+          <p:cNvPr id="34" name="円/楕円 33">
+            <a:extLst>
+              <a:ext uri="{FF2B5EF4-FFF2-40B4-BE49-F238E27FC236}">
+                <a16:creationId xmlns:a16="http://schemas.microsoft.com/office/drawing/2014/main" id="{ABDBA795-F006-7F43-9E50-1234ACCFFE0E}"/>
+              </a:ext>
+            </a:extLst>
+          </p:cNvPr>
+          <p:cNvSpPr/>
+          <p:nvPr/>
+        </p:nvSpPr>
+        <p:spPr>
+          <a:xfrm>
+            <a:off x="4871402" y="1421439"/>
+            <a:ext cx="126691" cy="126691"/>
+          </a:xfrm>
+          <a:prstGeom prst="ellipse">
+            <a:avLst/>
+          </a:prstGeom>
+          <a:solidFill>
+            <a:srgbClr val="FF0000"/>
+          </a:solidFill>
+          <a:ln>
+            <a:solidFill>
+              <a:schemeClr val="tx1"/>
+            </a:solidFill>
+          </a:ln>
+        </p:spPr>
+        <p:txBody>
+          <a:bodyPr wrap="square" rtlCol="0" anchor="ctr">
+            <a:spAutoFit/>
+          </a:bodyPr>
+          <a:lstStyle/>
+          <a:p>
+            <a:pPr algn="ctr"/>
+            <a:endParaRPr kumimoji="1" lang="ja-JP" altLang="en-US" sz="2400" dirty="0"/>
+          </a:p>
+        </p:txBody>
+      </p:sp>
+      <mc:AlternateContent xmlns:mc="http://schemas.openxmlformats.org/markup-compatibility/2006">
+        <mc:Choice xmlns:a14="http://schemas.microsoft.com/office/drawing/2010/main" Requires="a14">
+          <p:sp>
+            <p:nvSpPr>
+              <p:cNvPr id="35" name="テキスト ボックス 34">
+                <a:extLst>
+                  <a:ext uri="{FF2B5EF4-FFF2-40B4-BE49-F238E27FC236}">
+                    <a16:creationId xmlns:a16="http://schemas.microsoft.com/office/drawing/2014/main" id="{A55C948B-09CF-F945-A127-F60217455D6E}"/>
+                  </a:ext>
+                </a:extLst>
+              </p:cNvPr>
+              <p:cNvSpPr txBox="1"/>
+              <p:nvPr/>
+            </p:nvSpPr>
+            <p:spPr>
+              <a:xfrm>
+                <a:off x="4269892" y="3140968"/>
+                <a:ext cx="164982" cy="307777"/>
+              </a:xfrm>
+              <a:prstGeom prst="rect">
+                <a:avLst/>
+              </a:prstGeom>
+              <a:noFill/>
+            </p:spPr>
+            <p:txBody>
+              <a:bodyPr wrap="none" lIns="0" tIns="0" rIns="0" bIns="0" rtlCol="0">
+                <a:spAutoFit/>
+              </a:bodyPr>
+              <a:lstStyle/>
+              <a:p>
+                <a:pPr/>
+                <a14:m>
+                  <m:oMathPara xmlns:m="http://schemas.openxmlformats.org/officeDocument/2006/math">
+                    <m:oMathParaPr>
+                      <m:jc m:val="centerGroup"/>
+                    </m:oMathParaPr>
+                    <m:oMath xmlns:m="http://schemas.openxmlformats.org/officeDocument/2006/math">
+                      <m:r>
+                        <a:rPr kumimoji="1" lang="en-US" altLang="ja-JP" sz="2000" i="1" dirty="0" smtClean="0">
+                          <a:latin typeface="Cambria Math" panose="02040503050406030204" pitchFamily="18" charset="0"/>
+                        </a:rPr>
+                        <m:t>𝑡</m:t>
+                      </m:r>
+                    </m:oMath>
+                  </m:oMathPara>
+                </a14:m>
+                <a:endParaRPr kumimoji="1" lang="ja-JP" altLang="en-US" sz="2000" dirty="0"/>
+              </a:p>
+            </p:txBody>
+          </p:sp>
+        </mc:Choice>
+        <mc:Fallback>
+          <p:sp>
+            <p:nvSpPr>
+              <p:cNvPr id="35" name="テキスト ボックス 34">
+                <a:extLst>
+                  <a:ext uri="{FF2B5EF4-FFF2-40B4-BE49-F238E27FC236}">
+                    <a16:creationId xmlns:a16="http://schemas.microsoft.com/office/drawing/2014/main" id="{A55C948B-09CF-F945-A127-F60217455D6E}"/>
+                  </a:ext>
+                </a:extLst>
+              </p:cNvPr>
+              <p:cNvSpPr txBox="1">
+                <a:spLocks noRot="1" noChangeAspect="1" noMove="1" noResize="1" noEditPoints="1" noAdjustHandles="1" noChangeArrowheads="1" noChangeShapeType="1" noTextEdit="1"/>
+              </p:cNvSpPr>
+              <p:nvPr/>
+            </p:nvSpPr>
+            <p:spPr>
+              <a:xfrm>
+                <a:off x="4269892" y="3140968"/>
+                <a:ext cx="164982" cy="307777"/>
+              </a:xfrm>
+              <a:prstGeom prst="rect">
+                <a:avLst/>
+              </a:prstGeom>
+              <a:blipFill>
+                <a:blip r:embed="rId6"/>
+                <a:stretch>
+                  <a:fillRect l="-30769" r="-23077"/>
+                </a:stretch>
+              </a:blipFill>
+            </p:spPr>
+            <p:txBody>
+              <a:bodyPr/>
+              <a:lstStyle/>
+              <a:p>
+                <a:r>
+                  <a:rPr lang="ja-JP" altLang="en-US">
+                    <a:noFill/>
+                  </a:rPr>
+                  <a:t> </a:t>
+                </a:r>
+              </a:p>
+            </p:txBody>
+          </p:sp>
+        </mc:Fallback>
+      </mc:AlternateContent>
+      <mc:AlternateContent xmlns:mc="http://schemas.openxmlformats.org/markup-compatibility/2006">
+        <mc:Choice xmlns:a14="http://schemas.microsoft.com/office/drawing/2010/main" Requires="a14">
+          <p:sp>
+            <p:nvSpPr>
+              <p:cNvPr id="36" name="テキスト ボックス 35">
+                <a:extLst>
+                  <a:ext uri="{FF2B5EF4-FFF2-40B4-BE49-F238E27FC236}">
+                    <a16:creationId xmlns:a16="http://schemas.microsoft.com/office/drawing/2014/main" id="{A49764A4-3416-5444-8255-E26D090B7451}"/>
+                  </a:ext>
+                </a:extLst>
+              </p:cNvPr>
+              <p:cNvSpPr txBox="1"/>
+              <p:nvPr/>
+            </p:nvSpPr>
+            <p:spPr>
+              <a:xfrm>
+                <a:off x="5220072" y="3140968"/>
+                <a:ext cx="618374" cy="307777"/>
+              </a:xfrm>
+              <a:prstGeom prst="rect">
+                <a:avLst/>
+              </a:prstGeom>
+              <a:noFill/>
+            </p:spPr>
+            <p:txBody>
+              <a:bodyPr wrap="none" lIns="0" tIns="0" rIns="0" bIns="0" rtlCol="0">
+                <a:spAutoFit/>
+              </a:bodyPr>
+              <a:lstStyle/>
+              <a:p>
+                <a:pPr/>
+                <a14:m>
+                  <m:oMathPara xmlns:m="http://schemas.openxmlformats.org/officeDocument/2006/math">
+                    <m:oMathParaPr>
+                      <m:jc m:val="centerGroup"/>
+                    </m:oMathParaPr>
+                    <m:oMath xmlns:m="http://schemas.openxmlformats.org/officeDocument/2006/math">
+                      <m:r>
+                        <a:rPr kumimoji="1" lang="en-US" altLang="ja-JP" sz="2000" i="1" dirty="0" smtClean="0">
+                          <a:latin typeface="Cambria Math" panose="02040503050406030204" pitchFamily="18" charset="0"/>
+                        </a:rPr>
+                        <m:t>𝑡</m:t>
+                      </m:r>
+                      <m:r>
+                        <a:rPr kumimoji="1" lang="en-US" altLang="ja-JP" sz="2000" b="0" i="1" dirty="0" smtClean="0">
+                          <a:latin typeface="Cambria Math" panose="02040503050406030204" pitchFamily="18" charset="0"/>
+                        </a:rPr>
+                        <m:t>+</m:t>
+                      </m:r>
+                      <m:r>
+                        <a:rPr kumimoji="1" lang="en-US" altLang="ja-JP" sz="2000" b="0" i="1" dirty="0" smtClean="0">
+                          <a:latin typeface="Cambria Math" panose="02040503050406030204" pitchFamily="18" charset="0"/>
+                        </a:rPr>
+                        <m:t>h</m:t>
+                      </m:r>
+                    </m:oMath>
+                  </m:oMathPara>
+                </a14:m>
+                <a:endParaRPr kumimoji="1" lang="ja-JP" altLang="en-US" sz="2000" dirty="0"/>
+              </a:p>
+            </p:txBody>
+          </p:sp>
+        </mc:Choice>
+        <mc:Fallback>
+          <p:sp>
+            <p:nvSpPr>
+              <p:cNvPr id="36" name="テキスト ボックス 35">
+                <a:extLst>
+                  <a:ext uri="{FF2B5EF4-FFF2-40B4-BE49-F238E27FC236}">
+                    <a16:creationId xmlns:a16="http://schemas.microsoft.com/office/drawing/2014/main" id="{A49764A4-3416-5444-8255-E26D090B7451}"/>
+                  </a:ext>
+                </a:extLst>
+              </p:cNvPr>
+              <p:cNvSpPr txBox="1">
+                <a:spLocks noRot="1" noChangeAspect="1" noMove="1" noResize="1" noEditPoints="1" noAdjustHandles="1" noChangeArrowheads="1" noChangeShapeType="1" noTextEdit="1"/>
+              </p:cNvSpPr>
+              <p:nvPr/>
+            </p:nvSpPr>
+            <p:spPr>
+              <a:xfrm>
+                <a:off x="5220072" y="3140968"/>
+                <a:ext cx="618374" cy="307777"/>
+              </a:xfrm>
+              <a:prstGeom prst="rect">
+                <a:avLst/>
+              </a:prstGeom>
+              <a:blipFill>
+                <a:blip r:embed="rId7"/>
+                <a:stretch>
+                  <a:fillRect l="-6000" r="-8000" b="-7692"/>
+                </a:stretch>
+              </a:blipFill>
+            </p:spPr>
+            <p:txBody>
+              <a:bodyPr/>
+              <a:lstStyle/>
+              <a:p>
+                <a:r>
+                  <a:rPr lang="ja-JP" altLang="en-US">
+                    <a:noFill/>
+                  </a:rPr>
+                  <a:t> </a:t>
+                </a:r>
+              </a:p>
+            </p:txBody>
+          </p:sp>
+        </mc:Fallback>
+      </mc:AlternateContent>
+      <p:sp>
+        <p:nvSpPr>
+          <p:cNvPr id="37" name="テキスト ボックス 36">
+            <a:extLst>
+              <a:ext uri="{FF2B5EF4-FFF2-40B4-BE49-F238E27FC236}">
+                <a16:creationId xmlns:a16="http://schemas.microsoft.com/office/drawing/2014/main" id="{61E8913F-6A43-DC43-87E4-D30A3144FD9C}"/>
+              </a:ext>
+            </a:extLst>
+          </p:cNvPr>
+          <p:cNvSpPr txBox="1"/>
+          <p:nvPr/>
+        </p:nvSpPr>
+        <p:spPr>
+          <a:xfrm>
+            <a:off x="539552" y="188640"/>
+            <a:ext cx="1415772" cy="461665"/>
+          </a:xfrm>
+          <a:prstGeom prst="rect">
+            <a:avLst/>
+          </a:prstGeom>
+          <a:noFill/>
+        </p:spPr>
+        <p:txBody>
+          <a:bodyPr wrap="none" rtlCol="0">
+            <a:spAutoFit/>
+          </a:bodyPr>
+          <a:lstStyle/>
+          <a:p>
+            <a:r>
+              <a:rPr kumimoji="1" lang="ja-JP" altLang="en-US" sz="2400" dirty="0"/>
+              <a:t>伊藤解釈</a:t>
+            </a:r>
+          </a:p>
+        </p:txBody>
+      </p:sp>
+      <p:sp>
+        <p:nvSpPr>
+          <p:cNvPr id="38" name="テキスト ボックス 37">
+            <a:extLst>
+              <a:ext uri="{FF2B5EF4-FFF2-40B4-BE49-F238E27FC236}">
+                <a16:creationId xmlns:a16="http://schemas.microsoft.com/office/drawing/2014/main" id="{3FE5E469-F641-AB46-9F52-1CC6557CB4CE}"/>
+              </a:ext>
+            </a:extLst>
+          </p:cNvPr>
+          <p:cNvSpPr txBox="1"/>
+          <p:nvPr/>
+        </p:nvSpPr>
+        <p:spPr>
+          <a:xfrm>
+            <a:off x="3923928" y="116632"/>
+            <a:ext cx="2375266" cy="461665"/>
+          </a:xfrm>
+          <a:prstGeom prst="rect">
+            <a:avLst/>
+          </a:prstGeom>
+          <a:noFill/>
+        </p:spPr>
+        <p:txBody>
+          <a:bodyPr wrap="none" rtlCol="0">
+            <a:spAutoFit/>
+          </a:bodyPr>
+          <a:lstStyle/>
+          <a:p>
+            <a:r>
+              <a:rPr lang="en-US" altLang="ja-JP" sz="2400" dirty="0"/>
+              <a:t>Stratonovich</a:t>
+            </a:r>
+            <a:r>
+              <a:rPr kumimoji="1" lang="ja-JP" altLang="en-US" sz="2400" dirty="0"/>
+              <a:t>解釈</a:t>
+            </a:r>
+          </a:p>
+        </p:txBody>
+      </p:sp>
+    </p:spTree>
+    <p:extLst>
+      <p:ext uri="{BB962C8B-B14F-4D97-AF65-F5344CB8AC3E}">
+        <p14:creationId xmlns:p14="http://schemas.microsoft.com/office/powerpoint/2010/main" val="3521643159"/>
+      </p:ext>
+    </p:extLst>
+  </p:cSld>
+  <p:clrMapOvr>
+    <a:masterClrMapping/>
+  </p:clrMapOvr>
+</p:sld>
+</file>
+
 <file path=ppt/theme/theme1.xml><?xml version="1.0" encoding="utf-8"?>
 <a:theme xmlns:a="http://schemas.openxmlformats.org/drawingml/2006/main" name="Office テーマ">
   <a:themeElements>
